--- a/my powerpoints/Phd Thesis proposal.pptx
+++ b/my powerpoints/Phd Thesis proposal.pptx
@@ -5,10 +5,10 @@
     <p:sldMasterId id="2147484560" r:id="rId1"/>
   </p:sldMasterIdLst>
   <p:notesMasterIdLst>
-    <p:notesMasterId r:id="rId51"/>
+    <p:notesMasterId r:id="rId50"/>
   </p:notesMasterIdLst>
   <p:handoutMasterIdLst>
-    <p:handoutMasterId r:id="rId52"/>
+    <p:handoutMasterId r:id="rId51"/>
   </p:handoutMasterIdLst>
   <p:sldIdLst>
     <p:sldId id="256" r:id="rId2"/>
@@ -59,7 +59,6 @@
     <p:sldId id="298" r:id="rId47"/>
     <p:sldId id="295" r:id="rId48"/>
     <p:sldId id="314" r:id="rId49"/>
-    <p:sldId id="306" r:id="rId50"/>
   </p:sldIdLst>
   <p:sldSz cx="12192000" cy="6858000"/>
   <p:notesSz cx="6858000" cy="9144000"/>
@@ -363,6 +362,925 @@
         <a:tint val="50000"/>
       </a:schemeClr>
       <a:schemeClr val="accent1">
+        <a:tint val="20000"/>
+      </a:schemeClr>
+    </dgm:fillClrLst>
+    <dgm:linClrLst meth="repeat">
+      <a:schemeClr val="lt1"/>
+    </dgm:linClrLst>
+    <dgm:effectClrLst/>
+    <dgm:txLinClrLst/>
+    <dgm:txFillClrLst meth="repeat">
+      <a:schemeClr val="lt1"/>
+    </dgm:txFillClrLst>
+    <dgm:txEffectClrLst/>
+  </dgm:styleLbl>
+  <dgm:styleLbl name="sibTrans2D1">
+    <dgm:fillClrLst meth="repeat">
+      <a:schemeClr val="accent2"/>
+      <a:schemeClr val="accent3"/>
+      <a:schemeClr val="accent4"/>
+      <a:schemeClr val="accent5"/>
+      <a:schemeClr val="accent6"/>
+    </dgm:fillClrLst>
+    <dgm:linClrLst meth="cycle">
+      <a:schemeClr val="lt1"/>
+    </dgm:linClrLst>
+    <dgm:effectClrLst/>
+    <dgm:txLinClrLst/>
+    <dgm:txFillClrLst/>
+    <dgm:txEffectClrLst/>
+  </dgm:styleLbl>
+  <dgm:styleLbl name="fgSibTrans2D1">
+    <dgm:fillClrLst meth="repeat">
+      <a:schemeClr val="accent2"/>
+      <a:schemeClr val="accent3"/>
+      <a:schemeClr val="accent4"/>
+      <a:schemeClr val="accent5"/>
+      <a:schemeClr val="accent6"/>
+    </dgm:fillClrLst>
+    <dgm:linClrLst meth="cycle">
+      <a:schemeClr val="lt1"/>
+    </dgm:linClrLst>
+    <dgm:effectClrLst/>
+    <dgm:txLinClrLst/>
+    <dgm:txFillClrLst meth="repeat">
+      <a:schemeClr val="lt1"/>
+    </dgm:txFillClrLst>
+    <dgm:txEffectClrLst/>
+  </dgm:styleLbl>
+  <dgm:styleLbl name="bgSibTrans2D1">
+    <dgm:fillClrLst meth="repeat">
+      <a:schemeClr val="accent2"/>
+      <a:schemeClr val="accent3"/>
+      <a:schemeClr val="accent4"/>
+      <a:schemeClr val="accent5"/>
+      <a:schemeClr val="accent6"/>
+    </dgm:fillClrLst>
+    <dgm:linClrLst meth="cycle">
+      <a:schemeClr val="lt1"/>
+    </dgm:linClrLst>
+    <dgm:effectClrLst/>
+    <dgm:txLinClrLst/>
+    <dgm:txFillClrLst meth="repeat">
+      <a:schemeClr val="lt1"/>
+    </dgm:txFillClrLst>
+    <dgm:txEffectClrLst/>
+  </dgm:styleLbl>
+  <dgm:styleLbl name="sibTrans1D1">
+    <dgm:fillClrLst meth="repeat">
+      <a:schemeClr val="accent2"/>
+      <a:schemeClr val="accent3"/>
+      <a:schemeClr val="accent4"/>
+      <a:schemeClr val="accent5"/>
+      <a:schemeClr val="accent6"/>
+    </dgm:fillClrLst>
+    <dgm:linClrLst meth="repeat">
+      <a:schemeClr val="accent2"/>
+      <a:schemeClr val="accent3"/>
+      <a:schemeClr val="accent4"/>
+      <a:schemeClr val="accent5"/>
+      <a:schemeClr val="accent6"/>
+    </dgm:linClrLst>
+    <dgm:effectClrLst/>
+    <dgm:txLinClrLst/>
+    <dgm:txFillClrLst meth="repeat">
+      <a:schemeClr val="tx1"/>
+    </dgm:txFillClrLst>
+    <dgm:txEffectClrLst/>
+  </dgm:styleLbl>
+  <dgm:styleLbl name="callout">
+    <dgm:fillClrLst meth="repeat">
+      <a:schemeClr val="accent2"/>
+    </dgm:fillClrLst>
+    <dgm:linClrLst meth="repeat">
+      <a:schemeClr val="accent2">
+        <a:tint val="50000"/>
+      </a:schemeClr>
+    </dgm:linClrLst>
+    <dgm:effectClrLst/>
+    <dgm:txLinClrLst/>
+    <dgm:txFillClrLst meth="repeat">
+      <a:schemeClr val="tx1"/>
+    </dgm:txFillClrLst>
+    <dgm:txEffectClrLst/>
+  </dgm:styleLbl>
+  <dgm:styleLbl name="asst0">
+    <dgm:fillClrLst meth="repeat">
+      <a:schemeClr val="accent1"/>
+    </dgm:fillClrLst>
+    <dgm:linClrLst meth="repeat">
+      <a:schemeClr val="lt1"/>
+    </dgm:linClrLst>
+    <dgm:effectClrLst/>
+    <dgm:txLinClrLst/>
+    <dgm:txFillClrLst/>
+    <dgm:txEffectClrLst/>
+  </dgm:styleLbl>
+  <dgm:styleLbl name="asst1">
+    <dgm:fillClrLst meth="repeat">
+      <a:schemeClr val="accent2"/>
+    </dgm:fillClrLst>
+    <dgm:linClrLst meth="repeat">
+      <a:schemeClr val="lt1"/>
+    </dgm:linClrLst>
+    <dgm:effectClrLst/>
+    <dgm:txLinClrLst/>
+    <dgm:txFillClrLst/>
+    <dgm:txEffectClrLst/>
+  </dgm:styleLbl>
+  <dgm:styleLbl name="asst2">
+    <dgm:fillClrLst>
+      <a:schemeClr val="accent3"/>
+    </dgm:fillClrLst>
+    <dgm:linClrLst meth="repeat">
+      <a:schemeClr val="lt1"/>
+    </dgm:linClrLst>
+    <dgm:effectClrLst/>
+    <dgm:txLinClrLst/>
+    <dgm:txFillClrLst/>
+    <dgm:txEffectClrLst/>
+  </dgm:styleLbl>
+  <dgm:styleLbl name="asst3">
+    <dgm:fillClrLst>
+      <a:schemeClr val="accent4"/>
+    </dgm:fillClrLst>
+    <dgm:linClrLst meth="repeat">
+      <a:schemeClr val="lt1"/>
+    </dgm:linClrLst>
+    <dgm:effectClrLst/>
+    <dgm:txLinClrLst/>
+    <dgm:txFillClrLst/>
+    <dgm:txEffectClrLst/>
+  </dgm:styleLbl>
+  <dgm:styleLbl name="asst4">
+    <dgm:fillClrLst>
+      <a:schemeClr val="accent5"/>
+    </dgm:fillClrLst>
+    <dgm:linClrLst meth="repeat">
+      <a:schemeClr val="lt1"/>
+    </dgm:linClrLst>
+    <dgm:effectClrLst/>
+    <dgm:txLinClrLst/>
+    <dgm:txFillClrLst/>
+    <dgm:txEffectClrLst/>
+  </dgm:styleLbl>
+  <dgm:styleLbl name="parChTrans2D1">
+    <dgm:fillClrLst meth="repeat">
+      <a:schemeClr val="accent2"/>
+    </dgm:fillClrLst>
+    <dgm:linClrLst meth="repeat">
+      <a:schemeClr val="lt1"/>
+    </dgm:linClrLst>
+    <dgm:effectClrLst/>
+    <dgm:txLinClrLst/>
+    <dgm:txFillClrLst meth="repeat">
+      <a:schemeClr val="lt1"/>
+    </dgm:txFillClrLst>
+    <dgm:txEffectClrLst/>
+  </dgm:styleLbl>
+  <dgm:styleLbl name="parChTrans2D2">
+    <dgm:fillClrLst meth="repeat">
+      <a:schemeClr val="accent3"/>
+    </dgm:fillClrLst>
+    <dgm:linClrLst meth="repeat">
+      <a:schemeClr val="lt1"/>
+    </dgm:linClrLst>
+    <dgm:effectClrLst/>
+    <dgm:txLinClrLst/>
+    <dgm:txFillClrLst/>
+    <dgm:txEffectClrLst/>
+  </dgm:styleLbl>
+  <dgm:styleLbl name="parChTrans2D3">
+    <dgm:fillClrLst meth="repeat">
+      <a:schemeClr val="accent4"/>
+    </dgm:fillClrLst>
+    <dgm:linClrLst meth="repeat">
+      <a:schemeClr val="lt1"/>
+    </dgm:linClrLst>
+    <dgm:effectClrLst/>
+    <dgm:txLinClrLst/>
+    <dgm:txFillClrLst/>
+    <dgm:txEffectClrLst/>
+  </dgm:styleLbl>
+  <dgm:styleLbl name="parChTrans2D4">
+    <dgm:fillClrLst meth="repeat">
+      <a:schemeClr val="accent5"/>
+    </dgm:fillClrLst>
+    <dgm:linClrLst meth="repeat">
+      <a:schemeClr val="lt1"/>
+    </dgm:linClrLst>
+    <dgm:effectClrLst/>
+    <dgm:txLinClrLst/>
+    <dgm:txFillClrLst meth="repeat">
+      <a:schemeClr val="lt1"/>
+    </dgm:txFillClrLst>
+    <dgm:txEffectClrLst/>
+  </dgm:styleLbl>
+  <dgm:styleLbl name="parChTrans1D1">
+    <dgm:fillClrLst meth="repeat">
+      <a:schemeClr val="accent2"/>
+    </dgm:fillClrLst>
+    <dgm:linClrLst meth="repeat">
+      <a:schemeClr val="accent1"/>
+    </dgm:linClrLst>
+    <dgm:effectClrLst/>
+    <dgm:txLinClrLst/>
+    <dgm:txFillClrLst meth="repeat">
+      <a:schemeClr val="tx1"/>
+    </dgm:txFillClrLst>
+    <dgm:txEffectClrLst/>
+  </dgm:styleLbl>
+  <dgm:styleLbl name="parChTrans1D2">
+    <dgm:fillClrLst meth="repeat">
+      <a:schemeClr val="accent3">
+        <a:tint val="90000"/>
+      </a:schemeClr>
+    </dgm:fillClrLst>
+    <dgm:linClrLst meth="repeat">
+      <a:schemeClr val="accent2"/>
+    </dgm:linClrLst>
+    <dgm:effectClrLst/>
+    <dgm:txLinClrLst/>
+    <dgm:txFillClrLst meth="repeat">
+      <a:schemeClr val="tx1"/>
+    </dgm:txFillClrLst>
+    <dgm:txEffectClrLst/>
+  </dgm:styleLbl>
+  <dgm:styleLbl name="parChTrans1D3">
+    <dgm:fillClrLst meth="repeat">
+      <a:schemeClr val="accent4">
+        <a:tint val="70000"/>
+      </a:schemeClr>
+    </dgm:fillClrLst>
+    <dgm:linClrLst meth="repeat">
+      <a:schemeClr val="accent3"/>
+    </dgm:linClrLst>
+    <dgm:effectClrLst/>
+    <dgm:txLinClrLst/>
+    <dgm:txFillClrLst meth="repeat">
+      <a:schemeClr val="tx1"/>
+    </dgm:txFillClrLst>
+    <dgm:txEffectClrLst/>
+  </dgm:styleLbl>
+  <dgm:styleLbl name="parChTrans1D4">
+    <dgm:fillClrLst meth="repeat">
+      <a:schemeClr val="accent5">
+        <a:tint val="50000"/>
+      </a:schemeClr>
+    </dgm:fillClrLst>
+    <dgm:linClrLst meth="repeat">
+      <a:schemeClr val="accent4"/>
+    </dgm:linClrLst>
+    <dgm:effectClrLst/>
+    <dgm:txLinClrLst/>
+    <dgm:txFillClrLst meth="repeat">
+      <a:schemeClr val="tx1"/>
+    </dgm:txFillClrLst>
+    <dgm:txEffectClrLst/>
+  </dgm:styleLbl>
+  <dgm:styleLbl name="fgAcc1">
+    <dgm:fillClrLst meth="repeat">
+      <a:schemeClr val="lt1">
+        <a:alpha val="90000"/>
+      </a:schemeClr>
+    </dgm:fillClrLst>
+    <dgm:linClrLst meth="repeat">
+      <a:schemeClr val="accent2"/>
+      <a:schemeClr val="accent3"/>
+      <a:schemeClr val="accent4"/>
+      <a:schemeClr val="accent5"/>
+      <a:schemeClr val="accent6"/>
+    </dgm:linClrLst>
+    <dgm:effectClrLst/>
+    <dgm:txLinClrLst/>
+    <dgm:txFillClrLst meth="repeat">
+      <a:schemeClr val="dk1"/>
+    </dgm:txFillClrLst>
+    <dgm:txEffectClrLst/>
+  </dgm:styleLbl>
+  <dgm:styleLbl name="conFgAcc1">
+    <dgm:fillClrLst meth="repeat">
+      <a:schemeClr val="lt1">
+        <a:alpha val="90000"/>
+      </a:schemeClr>
+    </dgm:fillClrLst>
+    <dgm:linClrLst meth="repeat">
+      <a:schemeClr val="accent2"/>
+      <a:schemeClr val="accent3"/>
+      <a:schemeClr val="accent4"/>
+      <a:schemeClr val="accent5"/>
+      <a:schemeClr val="accent6"/>
+    </dgm:linClrLst>
+    <dgm:effectClrLst/>
+    <dgm:txLinClrLst/>
+    <dgm:txFillClrLst meth="repeat">
+      <a:schemeClr val="dk1"/>
+    </dgm:txFillClrLst>
+    <dgm:txEffectClrLst/>
+  </dgm:styleLbl>
+  <dgm:styleLbl name="alignAcc1">
+    <dgm:fillClrLst meth="repeat">
+      <a:schemeClr val="lt1">
+        <a:alpha val="90000"/>
+      </a:schemeClr>
+    </dgm:fillClrLst>
+    <dgm:linClrLst meth="repeat">
+      <a:schemeClr val="accent2"/>
+      <a:schemeClr val="accent3"/>
+      <a:schemeClr val="accent4"/>
+      <a:schemeClr val="accent5"/>
+      <a:schemeClr val="accent6"/>
+    </dgm:linClrLst>
+    <dgm:effectClrLst/>
+    <dgm:txLinClrLst/>
+    <dgm:txFillClrLst meth="repeat">
+      <a:schemeClr val="dk1"/>
+    </dgm:txFillClrLst>
+    <dgm:txEffectClrLst/>
+  </dgm:styleLbl>
+  <dgm:styleLbl name="trAlignAcc1">
+    <dgm:fillClrLst meth="repeat">
+      <a:schemeClr val="lt1">
+        <a:alpha val="40000"/>
+      </a:schemeClr>
+    </dgm:fillClrLst>
+    <dgm:linClrLst meth="repeat">
+      <a:schemeClr val="accent1"/>
+    </dgm:linClrLst>
+    <dgm:effectClrLst/>
+    <dgm:txLinClrLst/>
+    <dgm:txFillClrLst meth="repeat">
+      <a:schemeClr val="dk1"/>
+    </dgm:txFillClrLst>
+    <dgm:txEffectClrLst/>
+  </dgm:styleLbl>
+  <dgm:styleLbl name="bgAcc1">
+    <dgm:fillClrLst meth="repeat">
+      <a:schemeClr val="lt1">
+        <a:alpha val="90000"/>
+      </a:schemeClr>
+    </dgm:fillClrLst>
+    <dgm:linClrLst meth="repeat">
+      <a:schemeClr val="accent2"/>
+      <a:schemeClr val="accent3"/>
+      <a:schemeClr val="accent4"/>
+      <a:schemeClr val="accent5"/>
+      <a:schemeClr val="accent6"/>
+    </dgm:linClrLst>
+    <dgm:effectClrLst/>
+    <dgm:txLinClrLst/>
+    <dgm:txFillClrLst meth="repeat">
+      <a:schemeClr val="dk1"/>
+    </dgm:txFillClrLst>
+    <dgm:txEffectClrLst/>
+  </dgm:styleLbl>
+  <dgm:styleLbl name="solidFgAcc1">
+    <dgm:fillClrLst meth="repeat">
+      <a:schemeClr val="lt1"/>
+    </dgm:fillClrLst>
+    <dgm:linClrLst meth="repeat">
+      <a:schemeClr val="accent2"/>
+      <a:schemeClr val="accent3"/>
+      <a:schemeClr val="accent4"/>
+      <a:schemeClr val="accent5"/>
+      <a:schemeClr val="accent6"/>
+    </dgm:linClrLst>
+    <dgm:effectClrLst/>
+    <dgm:txLinClrLst/>
+    <dgm:txFillClrLst meth="repeat">
+      <a:schemeClr val="dk1"/>
+    </dgm:txFillClrLst>
+    <dgm:txEffectClrLst/>
+  </dgm:styleLbl>
+  <dgm:styleLbl name="solidAlignAcc1">
+    <dgm:fillClrLst meth="repeat">
+      <a:schemeClr val="lt1"/>
+    </dgm:fillClrLst>
+    <dgm:linClrLst meth="repeat">
+      <a:schemeClr val="accent2"/>
+      <a:schemeClr val="accent3"/>
+      <a:schemeClr val="accent4"/>
+      <a:schemeClr val="accent5"/>
+      <a:schemeClr val="accent6"/>
+    </dgm:linClrLst>
+    <dgm:effectClrLst/>
+    <dgm:txLinClrLst/>
+    <dgm:txFillClrLst meth="repeat">
+      <a:schemeClr val="dk1"/>
+    </dgm:txFillClrLst>
+    <dgm:txEffectClrLst/>
+  </dgm:styleLbl>
+  <dgm:styleLbl name="solidBgAcc1">
+    <dgm:fillClrLst meth="repeat">
+      <a:schemeClr val="lt1"/>
+    </dgm:fillClrLst>
+    <dgm:linClrLst meth="repeat">
+      <a:schemeClr val="accent2"/>
+      <a:schemeClr val="accent3"/>
+      <a:schemeClr val="accent4"/>
+      <a:schemeClr val="accent5"/>
+      <a:schemeClr val="accent6"/>
+    </dgm:linClrLst>
+    <dgm:effectClrLst/>
+    <dgm:txLinClrLst/>
+    <dgm:txFillClrLst meth="repeat">
+      <a:schemeClr val="dk1"/>
+    </dgm:txFillClrLst>
+    <dgm:txEffectClrLst/>
+  </dgm:styleLbl>
+  <dgm:styleLbl name="fgAccFollowNode1">
+    <dgm:fillClrLst meth="repeat">
+      <a:schemeClr val="accent2">
+        <a:tint val="40000"/>
+        <a:alpha val="90000"/>
+      </a:schemeClr>
+      <a:schemeClr val="accent3">
+        <a:tint val="40000"/>
+        <a:alpha val="90000"/>
+      </a:schemeClr>
+      <a:schemeClr val="accent4">
+        <a:tint val="40000"/>
+        <a:alpha val="90000"/>
+      </a:schemeClr>
+      <a:schemeClr val="accent5">
+        <a:tint val="40000"/>
+        <a:alpha val="90000"/>
+      </a:schemeClr>
+      <a:schemeClr val="accent6">
+        <a:tint val="40000"/>
+        <a:alpha val="90000"/>
+      </a:schemeClr>
+    </dgm:fillClrLst>
+    <dgm:linClrLst meth="repeat">
+      <a:schemeClr val="accent2">
+        <a:tint val="40000"/>
+        <a:alpha val="90000"/>
+      </a:schemeClr>
+      <a:schemeClr val="accent3">
+        <a:tint val="40000"/>
+        <a:alpha val="90000"/>
+      </a:schemeClr>
+      <a:schemeClr val="accent4">
+        <a:tint val="40000"/>
+        <a:alpha val="90000"/>
+      </a:schemeClr>
+      <a:schemeClr val="accent5">
+        <a:tint val="40000"/>
+        <a:alpha val="90000"/>
+      </a:schemeClr>
+      <a:schemeClr val="accent6">
+        <a:tint val="40000"/>
+        <a:alpha val="90000"/>
+      </a:schemeClr>
+    </dgm:linClrLst>
+    <dgm:effectClrLst/>
+    <dgm:txLinClrLst/>
+    <dgm:txFillClrLst meth="repeat">
+      <a:schemeClr val="dk1"/>
+    </dgm:txFillClrLst>
+    <dgm:txEffectClrLst/>
+  </dgm:styleLbl>
+  <dgm:styleLbl name="alignAccFollowNode1">
+    <dgm:fillClrLst meth="repeat">
+      <a:schemeClr val="accent2">
+        <a:tint val="40000"/>
+        <a:alpha val="90000"/>
+      </a:schemeClr>
+      <a:schemeClr val="accent3">
+        <a:tint val="40000"/>
+        <a:alpha val="90000"/>
+      </a:schemeClr>
+      <a:schemeClr val="accent4">
+        <a:tint val="40000"/>
+        <a:alpha val="90000"/>
+      </a:schemeClr>
+      <a:schemeClr val="accent5">
+        <a:tint val="40000"/>
+        <a:alpha val="90000"/>
+      </a:schemeClr>
+      <a:schemeClr val="accent6">
+        <a:tint val="40000"/>
+        <a:alpha val="90000"/>
+      </a:schemeClr>
+    </dgm:fillClrLst>
+    <dgm:linClrLst meth="repeat">
+      <a:schemeClr val="accent2">
+        <a:tint val="40000"/>
+        <a:alpha val="90000"/>
+      </a:schemeClr>
+      <a:schemeClr val="accent3">
+        <a:tint val="40000"/>
+        <a:alpha val="90000"/>
+      </a:schemeClr>
+      <a:schemeClr val="accent4">
+        <a:tint val="40000"/>
+        <a:alpha val="90000"/>
+      </a:schemeClr>
+      <a:schemeClr val="accent5">
+        <a:tint val="40000"/>
+        <a:alpha val="90000"/>
+      </a:schemeClr>
+      <a:schemeClr val="accent6">
+        <a:tint val="40000"/>
+        <a:alpha val="90000"/>
+      </a:schemeClr>
+    </dgm:linClrLst>
+    <dgm:effectClrLst/>
+    <dgm:txLinClrLst/>
+    <dgm:txFillClrLst meth="repeat">
+      <a:schemeClr val="dk1"/>
+    </dgm:txFillClrLst>
+    <dgm:txEffectClrLst/>
+  </dgm:styleLbl>
+  <dgm:styleLbl name="bgAccFollowNode1">
+    <dgm:fillClrLst meth="repeat">
+      <a:schemeClr val="accent2">
+        <a:tint val="40000"/>
+        <a:alpha val="90000"/>
+      </a:schemeClr>
+      <a:schemeClr val="accent3">
+        <a:tint val="40000"/>
+        <a:alpha val="90000"/>
+      </a:schemeClr>
+      <a:schemeClr val="accent4">
+        <a:tint val="40000"/>
+        <a:alpha val="90000"/>
+      </a:schemeClr>
+      <a:schemeClr val="accent5">
+        <a:tint val="40000"/>
+        <a:alpha val="90000"/>
+      </a:schemeClr>
+      <a:schemeClr val="accent6">
+        <a:tint val="40000"/>
+        <a:alpha val="90000"/>
+      </a:schemeClr>
+    </dgm:fillClrLst>
+    <dgm:linClrLst meth="repeat">
+      <a:schemeClr val="accent2">
+        <a:tint val="40000"/>
+        <a:alpha val="90000"/>
+      </a:schemeClr>
+      <a:schemeClr val="accent3">
+        <a:tint val="40000"/>
+        <a:alpha val="90000"/>
+      </a:schemeClr>
+      <a:schemeClr val="accent4">
+        <a:tint val="40000"/>
+        <a:alpha val="90000"/>
+      </a:schemeClr>
+      <a:schemeClr val="accent5">
+        <a:tint val="40000"/>
+        <a:alpha val="90000"/>
+      </a:schemeClr>
+      <a:schemeClr val="accent6">
+        <a:tint val="40000"/>
+        <a:alpha val="90000"/>
+      </a:schemeClr>
+    </dgm:linClrLst>
+    <dgm:effectClrLst/>
+    <dgm:txLinClrLst/>
+    <dgm:txFillClrLst meth="repeat">
+      <a:schemeClr val="dk1"/>
+    </dgm:txFillClrLst>
+    <dgm:txEffectClrLst/>
+  </dgm:styleLbl>
+  <dgm:styleLbl name="fgAcc0">
+    <dgm:fillClrLst meth="repeat">
+      <a:schemeClr val="lt1">
+        <a:alpha val="90000"/>
+      </a:schemeClr>
+    </dgm:fillClrLst>
+    <dgm:linClrLst>
+      <a:schemeClr val="accent1"/>
+    </dgm:linClrLst>
+    <dgm:effectClrLst/>
+    <dgm:txLinClrLst/>
+    <dgm:txFillClrLst meth="repeat">
+      <a:schemeClr val="dk1"/>
+    </dgm:txFillClrLst>
+    <dgm:txEffectClrLst/>
+  </dgm:styleLbl>
+  <dgm:styleLbl name="fgAcc2">
+    <dgm:fillClrLst meth="repeat">
+      <a:schemeClr val="lt1">
+        <a:alpha val="90000"/>
+      </a:schemeClr>
+    </dgm:fillClrLst>
+    <dgm:linClrLst>
+      <a:schemeClr val="accent2"/>
+    </dgm:linClrLst>
+    <dgm:effectClrLst/>
+    <dgm:txLinClrLst/>
+    <dgm:txFillClrLst meth="repeat">
+      <a:schemeClr val="dk1"/>
+    </dgm:txFillClrLst>
+    <dgm:txEffectClrLst/>
+  </dgm:styleLbl>
+  <dgm:styleLbl name="fgAcc3">
+    <dgm:fillClrLst meth="repeat">
+      <a:schemeClr val="lt1">
+        <a:alpha val="90000"/>
+      </a:schemeClr>
+    </dgm:fillClrLst>
+    <dgm:linClrLst>
+      <a:schemeClr val="accent3"/>
+    </dgm:linClrLst>
+    <dgm:effectClrLst/>
+    <dgm:txLinClrLst/>
+    <dgm:txFillClrLst meth="repeat">
+      <a:schemeClr val="dk1"/>
+    </dgm:txFillClrLst>
+    <dgm:txEffectClrLst/>
+  </dgm:styleLbl>
+  <dgm:styleLbl name="fgAcc4">
+    <dgm:fillClrLst meth="repeat">
+      <a:schemeClr val="lt1">
+        <a:alpha val="90000"/>
+      </a:schemeClr>
+    </dgm:fillClrLst>
+    <dgm:linClrLst>
+      <a:schemeClr val="accent4"/>
+    </dgm:linClrLst>
+    <dgm:effectClrLst/>
+    <dgm:txLinClrLst/>
+    <dgm:txFillClrLst meth="repeat">
+      <a:schemeClr val="dk1"/>
+    </dgm:txFillClrLst>
+    <dgm:txEffectClrLst/>
+  </dgm:styleLbl>
+  <dgm:styleLbl name="bgShp">
+    <dgm:fillClrLst meth="repeat">
+      <a:schemeClr val="accent2">
+        <a:tint val="40000"/>
+      </a:schemeClr>
+    </dgm:fillClrLst>
+    <dgm:linClrLst meth="repeat">
+      <a:schemeClr val="dk1"/>
+    </dgm:linClrLst>
+    <dgm:effectClrLst/>
+    <dgm:txLinClrLst/>
+    <dgm:txFillClrLst meth="repeat">
+      <a:schemeClr val="dk1"/>
+    </dgm:txFillClrLst>
+    <dgm:txEffectClrLst/>
+  </dgm:styleLbl>
+  <dgm:styleLbl name="dkBgShp">
+    <dgm:fillClrLst meth="repeat">
+      <a:schemeClr val="accent2">
+        <a:shade val="90000"/>
+      </a:schemeClr>
+    </dgm:fillClrLst>
+    <dgm:linClrLst meth="repeat">
+      <a:schemeClr val="dk1"/>
+    </dgm:linClrLst>
+    <dgm:effectClrLst/>
+    <dgm:txLinClrLst/>
+    <dgm:txFillClrLst meth="repeat">
+      <a:schemeClr val="lt1"/>
+    </dgm:txFillClrLst>
+    <dgm:txEffectClrLst/>
+  </dgm:styleLbl>
+  <dgm:styleLbl name="trBgShp">
+    <dgm:fillClrLst meth="repeat">
+      <a:schemeClr val="accent1">
+        <a:tint val="50000"/>
+        <a:alpha val="40000"/>
+      </a:schemeClr>
+    </dgm:fillClrLst>
+    <dgm:linClrLst meth="repeat">
+      <a:schemeClr val="accent2"/>
+    </dgm:linClrLst>
+    <dgm:effectClrLst/>
+    <dgm:txLinClrLst/>
+    <dgm:txFillClrLst meth="repeat">
+      <a:schemeClr val="lt1"/>
+    </dgm:txFillClrLst>
+    <dgm:txEffectClrLst/>
+  </dgm:styleLbl>
+  <dgm:styleLbl name="fgShp">
+    <dgm:fillClrLst meth="repeat">
+      <a:schemeClr val="accent2">
+        <a:tint val="40000"/>
+      </a:schemeClr>
+    </dgm:fillClrLst>
+    <dgm:linClrLst meth="repeat">
+      <a:schemeClr val="lt1"/>
+    </dgm:linClrLst>
+    <dgm:effectClrLst/>
+    <dgm:txLinClrLst/>
+    <dgm:txFillClrLst meth="repeat">
+      <a:schemeClr val="dk1"/>
+    </dgm:txFillClrLst>
+    <dgm:txEffectClrLst/>
+  </dgm:styleLbl>
+  <dgm:styleLbl name="revTx">
+    <dgm:fillClrLst meth="repeat">
+      <a:schemeClr val="lt1">
+        <a:alpha val="0"/>
+      </a:schemeClr>
+    </dgm:fillClrLst>
+    <dgm:linClrLst meth="repeat">
+      <a:schemeClr val="dk1">
+        <a:alpha val="0"/>
+      </a:schemeClr>
+    </dgm:linClrLst>
+    <dgm:effectClrLst/>
+    <dgm:txLinClrLst/>
+    <dgm:txFillClrLst meth="repeat">
+      <a:schemeClr val="tx1"/>
+    </dgm:txFillClrLst>
+    <dgm:txEffectClrLst/>
+  </dgm:styleLbl>
+</dgm:colorsDef>
+</file>
+
+<file path=ppt/diagrams/colors2.xml><?xml version="1.0" encoding="utf-8"?>
+<dgm:colorsDef xmlns:dgm="http://schemas.openxmlformats.org/drawingml/2006/diagram" xmlns:a="http://schemas.openxmlformats.org/drawingml/2006/main" uniqueId="urn:microsoft.com/office/officeart/2005/8/colors/colorful1">
+  <dgm:title val=""/>
+  <dgm:desc val=""/>
+  <dgm:catLst>
+    <dgm:cat type="colorful" pri="10100"/>
+  </dgm:catLst>
+  <dgm:styleLbl name="node0">
+    <dgm:fillClrLst meth="repeat">
+      <a:schemeClr val="accent1"/>
+    </dgm:fillClrLst>
+    <dgm:linClrLst meth="repeat">
+      <a:schemeClr val="lt1"/>
+    </dgm:linClrLst>
+    <dgm:effectClrLst/>
+    <dgm:txLinClrLst/>
+    <dgm:txFillClrLst/>
+    <dgm:txEffectClrLst/>
+  </dgm:styleLbl>
+  <dgm:styleLbl name="node1">
+    <dgm:fillClrLst meth="repeat">
+      <a:schemeClr val="accent2"/>
+      <a:schemeClr val="accent3"/>
+      <a:schemeClr val="accent4"/>
+      <a:schemeClr val="accent5"/>
+      <a:schemeClr val="accent6"/>
+    </dgm:fillClrLst>
+    <dgm:linClrLst meth="repeat">
+      <a:schemeClr val="lt1"/>
+    </dgm:linClrLst>
+    <dgm:effectClrLst/>
+    <dgm:txLinClrLst/>
+    <dgm:txFillClrLst/>
+    <dgm:txEffectClrLst/>
+  </dgm:styleLbl>
+  <dgm:styleLbl name="alignNode1">
+    <dgm:fillClrLst meth="repeat">
+      <a:schemeClr val="accent2"/>
+      <a:schemeClr val="accent3"/>
+      <a:schemeClr val="accent4"/>
+      <a:schemeClr val="accent5"/>
+      <a:schemeClr val="accent6"/>
+    </dgm:fillClrLst>
+    <dgm:linClrLst meth="repeat">
+      <a:schemeClr val="accent2"/>
+      <a:schemeClr val="accent3"/>
+      <a:schemeClr val="accent4"/>
+      <a:schemeClr val="accent5"/>
+      <a:schemeClr val="accent6"/>
+    </dgm:linClrLst>
+    <dgm:effectClrLst/>
+    <dgm:txLinClrLst/>
+    <dgm:txFillClrLst/>
+    <dgm:txEffectClrLst/>
+  </dgm:styleLbl>
+  <dgm:styleLbl name="lnNode1">
+    <dgm:fillClrLst meth="repeat">
+      <a:schemeClr val="accent2"/>
+      <a:schemeClr val="accent3"/>
+      <a:schemeClr val="accent4"/>
+      <a:schemeClr val="accent5"/>
+      <a:schemeClr val="accent6"/>
+    </dgm:fillClrLst>
+    <dgm:linClrLst meth="repeat">
+      <a:schemeClr val="lt1"/>
+    </dgm:linClrLst>
+    <dgm:effectClrLst/>
+    <dgm:txLinClrLst/>
+    <dgm:txFillClrLst/>
+    <dgm:txEffectClrLst/>
+  </dgm:styleLbl>
+  <dgm:styleLbl name="vennNode1">
+    <dgm:fillClrLst meth="repeat">
+      <a:schemeClr val="accent2">
+        <a:alpha val="50000"/>
+      </a:schemeClr>
+      <a:schemeClr val="accent3">
+        <a:alpha val="50000"/>
+      </a:schemeClr>
+      <a:schemeClr val="accent4">
+        <a:alpha val="50000"/>
+      </a:schemeClr>
+      <a:schemeClr val="accent5">
+        <a:alpha val="50000"/>
+      </a:schemeClr>
+      <a:schemeClr val="accent6">
+        <a:alpha val="50000"/>
+      </a:schemeClr>
+    </dgm:fillClrLst>
+    <dgm:linClrLst meth="repeat">
+      <a:schemeClr val="lt1"/>
+    </dgm:linClrLst>
+    <dgm:effectClrLst/>
+    <dgm:txLinClrLst/>
+    <dgm:txFillClrLst/>
+    <dgm:txEffectClrLst/>
+  </dgm:styleLbl>
+  <dgm:styleLbl name="node2">
+    <dgm:fillClrLst>
+      <a:schemeClr val="accent2"/>
+    </dgm:fillClrLst>
+    <dgm:linClrLst meth="repeat">
+      <a:schemeClr val="lt1"/>
+    </dgm:linClrLst>
+    <dgm:effectClrLst/>
+    <dgm:txLinClrLst/>
+    <dgm:txFillClrLst/>
+    <dgm:txEffectClrLst/>
+  </dgm:styleLbl>
+  <dgm:styleLbl name="node3">
+    <dgm:fillClrLst>
+      <a:schemeClr val="accent3"/>
+    </dgm:fillClrLst>
+    <dgm:linClrLst meth="repeat">
+      <a:schemeClr val="lt1"/>
+    </dgm:linClrLst>
+    <dgm:effectClrLst/>
+    <dgm:txLinClrLst/>
+    <dgm:txFillClrLst/>
+    <dgm:txEffectClrLst/>
+  </dgm:styleLbl>
+  <dgm:styleLbl name="node4">
+    <dgm:fillClrLst>
+      <a:schemeClr val="accent4"/>
+    </dgm:fillClrLst>
+    <dgm:linClrLst meth="repeat">
+      <a:schemeClr val="lt1"/>
+    </dgm:linClrLst>
+    <dgm:effectClrLst/>
+    <dgm:txLinClrLst/>
+    <dgm:txFillClrLst/>
+    <dgm:txEffectClrLst/>
+  </dgm:styleLbl>
+  <dgm:styleLbl name="fgImgPlace1">
+    <dgm:fillClrLst meth="repeat">
+      <a:schemeClr val="accent2">
+        <a:tint val="50000"/>
+      </a:schemeClr>
+      <a:schemeClr val="accent3">
+        <a:tint val="50000"/>
+      </a:schemeClr>
+      <a:schemeClr val="accent4">
+        <a:tint val="50000"/>
+      </a:schemeClr>
+      <a:schemeClr val="accent5">
+        <a:tint val="50000"/>
+      </a:schemeClr>
+      <a:schemeClr val="accent6">
+        <a:tint val="50000"/>
+      </a:schemeClr>
+    </dgm:fillClrLst>
+    <dgm:linClrLst meth="repeat">
+      <a:schemeClr val="lt1"/>
+    </dgm:linClrLst>
+    <dgm:effectClrLst/>
+    <dgm:txLinClrLst/>
+    <dgm:txFillClrLst meth="repeat">
+      <a:schemeClr val="lt1"/>
+    </dgm:txFillClrLst>
+    <dgm:txEffectClrLst/>
+  </dgm:styleLbl>
+  <dgm:styleLbl name="alignImgPlace1">
+    <dgm:fillClrLst>
+      <a:schemeClr val="accent1">
+        <a:tint val="50000"/>
+      </a:schemeClr>
+      <a:schemeClr val="accent2">
+        <a:tint val="20000"/>
+      </a:schemeClr>
+    </dgm:fillClrLst>
+    <dgm:linClrLst meth="repeat">
+      <a:schemeClr val="lt1"/>
+    </dgm:linClrLst>
+    <dgm:effectClrLst/>
+    <dgm:txLinClrLst/>
+    <dgm:txFillClrLst meth="repeat">
+      <a:schemeClr val="lt1"/>
+    </dgm:txFillClrLst>
+    <dgm:txEffectClrLst/>
+  </dgm:styleLbl>
+  <dgm:styleLbl name="bgImgPlace1">
+    <dgm:fillClrLst>
+      <a:schemeClr val="accent1">
+        <a:tint val="50000"/>
+      </a:schemeClr>
+      <a:schemeClr val="accent2">
         <a:tint val="20000"/>
       </a:schemeClr>
     </dgm:fillClrLst>
@@ -2503,6 +3421,1086 @@
   <dgm:extLst>
     <a:ext uri="http://schemas.microsoft.com/office/drawing/2008/diagram">
       <dsp:dataModelExt xmlns:dsp="http://schemas.microsoft.com/office/drawing/2008/diagram" relId="rId8" minVer="http://schemas.openxmlformats.org/drawingml/2006/diagram"/>
+    </a:ext>
+  </dgm:extLst>
+</dgm:dataModel>
+</file>
+
+<file path=ppt/diagrams/data2.xml><?xml version="1.0" encoding="utf-8"?>
+<dgm:dataModel xmlns:dgm="http://schemas.openxmlformats.org/drawingml/2006/diagram" xmlns:a="http://schemas.openxmlformats.org/drawingml/2006/main">
+  <dgm:ptLst>
+    <dgm:pt modelId="{1E3613E2-3E71-4E72-A010-0AC6B259CC3A}" type="doc">
+      <dgm:prSet loTypeId="urn:microsoft.com/office/officeart/2005/8/layout/chevron2" loCatId="list" qsTypeId="urn:microsoft.com/office/officeart/2005/8/quickstyle/simple1" qsCatId="simple" csTypeId="urn:microsoft.com/office/officeart/2005/8/colors/colorful1" csCatId="colorful" phldr="1"/>
+      <dgm:spPr/>
+      <dgm:t>
+        <a:bodyPr/>
+        <a:lstStyle/>
+        <a:p>
+          <a:endParaRPr lang="en-US"/>
+        </a:p>
+      </dgm:t>
+    </dgm:pt>
+    <dgm:pt modelId="{419D00FA-BA4C-4B32-947D-03A69AD34F47}">
+      <dgm:prSet phldrT="[Text]"/>
+      <dgm:spPr/>
+      <dgm:t>
+        <a:bodyPr/>
+        <a:lstStyle/>
+        <a:p>
+          <a:r>
+            <a:rPr lang="en-US" dirty="0" smtClean="0">
+              <a:cs typeface="B Nazanin" panose="00000400000000000000" pitchFamily="2" charset="-78"/>
+            </a:rPr>
+            <a:t>1</a:t>
+          </a:r>
+          <a:endParaRPr lang="en-US" dirty="0">
+            <a:cs typeface="B Nazanin" panose="00000400000000000000" pitchFamily="2" charset="-78"/>
+          </a:endParaRPr>
+        </a:p>
+      </dgm:t>
+    </dgm:pt>
+    <dgm:pt modelId="{711D4BF3-6036-425B-8FAA-733121D60359}" type="parTrans" cxnId="{98993792-2F17-473C-A732-A13F75D64D38}">
+      <dgm:prSet/>
+      <dgm:spPr/>
+      <dgm:t>
+        <a:bodyPr/>
+        <a:lstStyle/>
+        <a:p>
+          <a:endParaRPr lang="en-US"/>
+        </a:p>
+      </dgm:t>
+    </dgm:pt>
+    <dgm:pt modelId="{FC8EAAA0-8793-480D-BBFC-37BD7AF44A07}" type="sibTrans" cxnId="{98993792-2F17-473C-A732-A13F75D64D38}">
+      <dgm:prSet/>
+      <dgm:spPr/>
+      <dgm:t>
+        <a:bodyPr/>
+        <a:lstStyle/>
+        <a:p>
+          <a:endParaRPr lang="en-US"/>
+        </a:p>
+      </dgm:t>
+    </dgm:pt>
+    <dgm:pt modelId="{E457B3BD-0EBE-4211-8F13-E908738123EC}">
+      <dgm:prSet phldrT="[Text]"/>
+      <dgm:spPr/>
+      <dgm:t>
+        <a:bodyPr/>
+        <a:lstStyle/>
+        <a:p>
+          <a:pPr rtl="1"/>
+          <a:r>
+            <a:rPr lang="fa-IR" dirty="0" smtClean="0">
+              <a:cs typeface="B Nazanin" panose="00000400000000000000" pitchFamily="2" charset="-78"/>
+            </a:rPr>
+            <a:t>حذف جملات معترضه و قیودات</a:t>
+          </a:r>
+          <a:endParaRPr lang="en-US" dirty="0">
+            <a:cs typeface="B Nazanin" panose="00000400000000000000" pitchFamily="2" charset="-78"/>
+          </a:endParaRPr>
+        </a:p>
+      </dgm:t>
+    </dgm:pt>
+    <dgm:pt modelId="{AA5C58D1-F94B-4E54-80C0-6CF3908DBA15}" type="parTrans" cxnId="{2E86FB2C-4F75-4417-854B-A186EF91D930}">
+      <dgm:prSet/>
+      <dgm:spPr/>
+      <dgm:t>
+        <a:bodyPr/>
+        <a:lstStyle/>
+        <a:p>
+          <a:endParaRPr lang="en-US"/>
+        </a:p>
+      </dgm:t>
+    </dgm:pt>
+    <dgm:pt modelId="{9B482D9F-20E4-4B63-B310-8A9ED9ED08A0}" type="sibTrans" cxnId="{2E86FB2C-4F75-4417-854B-A186EF91D930}">
+      <dgm:prSet/>
+      <dgm:spPr/>
+      <dgm:t>
+        <a:bodyPr/>
+        <a:lstStyle/>
+        <a:p>
+          <a:endParaRPr lang="en-US"/>
+        </a:p>
+      </dgm:t>
+    </dgm:pt>
+    <dgm:pt modelId="{6F4512AA-8AEC-4ED3-850C-47CFF09A1DD8}">
+      <dgm:prSet phldrT="[Text]"/>
+      <dgm:spPr/>
+      <dgm:t>
+        <a:bodyPr/>
+        <a:lstStyle/>
+        <a:p>
+          <a:r>
+            <a:rPr lang="en-US" dirty="0" smtClean="0">
+              <a:cs typeface="B Nazanin" panose="00000400000000000000" pitchFamily="2" charset="-78"/>
+            </a:rPr>
+            <a:t>2</a:t>
+          </a:r>
+          <a:endParaRPr lang="en-US" dirty="0">
+            <a:cs typeface="B Nazanin" panose="00000400000000000000" pitchFamily="2" charset="-78"/>
+          </a:endParaRPr>
+        </a:p>
+      </dgm:t>
+    </dgm:pt>
+    <dgm:pt modelId="{6EC1552E-9A92-42ED-971E-A3DB85A2ECCE}" type="parTrans" cxnId="{06EAAB83-37AF-4FC3-A13A-E883BC610893}">
+      <dgm:prSet/>
+      <dgm:spPr/>
+      <dgm:t>
+        <a:bodyPr/>
+        <a:lstStyle/>
+        <a:p>
+          <a:endParaRPr lang="en-US"/>
+        </a:p>
+      </dgm:t>
+    </dgm:pt>
+    <dgm:pt modelId="{F324D48D-7C86-40C8-A56B-84A1DF168722}" type="sibTrans" cxnId="{06EAAB83-37AF-4FC3-A13A-E883BC610893}">
+      <dgm:prSet/>
+      <dgm:spPr/>
+      <dgm:t>
+        <a:bodyPr/>
+        <a:lstStyle/>
+        <a:p>
+          <a:endParaRPr lang="en-US"/>
+        </a:p>
+      </dgm:t>
+    </dgm:pt>
+    <dgm:pt modelId="{39349842-151F-49EE-AF48-503F2B7F88E3}">
+      <dgm:prSet phldrT="[Text]"/>
+      <dgm:spPr/>
+      <dgm:t>
+        <a:bodyPr/>
+        <a:lstStyle/>
+        <a:p>
+          <a:pPr rtl="1"/>
+          <a:r>
+            <a:rPr lang="fa-IR" dirty="0" smtClean="0">
+              <a:cs typeface="B Nazanin" panose="00000400000000000000" pitchFamily="2" charset="-78"/>
+            </a:rPr>
+            <a:t>حذف استلزامات از جمله</a:t>
+          </a:r>
+          <a:endParaRPr lang="en-US" dirty="0">
+            <a:cs typeface="B Nazanin" panose="00000400000000000000" pitchFamily="2" charset="-78"/>
+          </a:endParaRPr>
+        </a:p>
+      </dgm:t>
+    </dgm:pt>
+    <dgm:pt modelId="{9FDA18A0-4329-4151-B951-ED18BF32BC55}" type="parTrans" cxnId="{1F0CA4C3-D479-4295-9953-3BAB3C0BFD08}">
+      <dgm:prSet/>
+      <dgm:spPr/>
+      <dgm:t>
+        <a:bodyPr/>
+        <a:lstStyle/>
+        <a:p>
+          <a:endParaRPr lang="en-US"/>
+        </a:p>
+      </dgm:t>
+    </dgm:pt>
+    <dgm:pt modelId="{C1B1B414-4F0A-4A18-A537-302F96A8D605}" type="sibTrans" cxnId="{1F0CA4C3-D479-4295-9953-3BAB3C0BFD08}">
+      <dgm:prSet/>
+      <dgm:spPr/>
+      <dgm:t>
+        <a:bodyPr/>
+        <a:lstStyle/>
+        <a:p>
+          <a:endParaRPr lang="en-US"/>
+        </a:p>
+      </dgm:t>
+    </dgm:pt>
+    <dgm:pt modelId="{8E86D9B2-26F3-4199-A4F9-F940191B24B9}">
+      <dgm:prSet phldrT="[Text]"/>
+      <dgm:spPr/>
+      <dgm:t>
+        <a:bodyPr/>
+        <a:lstStyle/>
+        <a:p>
+          <a:r>
+            <a:rPr lang="en-US" dirty="0" smtClean="0">
+              <a:cs typeface="B Nazanin" panose="00000400000000000000" pitchFamily="2" charset="-78"/>
+            </a:rPr>
+            <a:t>3</a:t>
+          </a:r>
+          <a:endParaRPr lang="en-US" dirty="0">
+            <a:cs typeface="B Nazanin" panose="00000400000000000000" pitchFamily="2" charset="-78"/>
+          </a:endParaRPr>
+        </a:p>
+      </dgm:t>
+    </dgm:pt>
+    <dgm:pt modelId="{E45E2FAE-7C75-4F33-857C-2F25B718CF16}" type="parTrans" cxnId="{13A7F6FE-C727-456F-8068-E238AC2E5646}">
+      <dgm:prSet/>
+      <dgm:spPr/>
+      <dgm:t>
+        <a:bodyPr/>
+        <a:lstStyle/>
+        <a:p>
+          <a:endParaRPr lang="en-US"/>
+        </a:p>
+      </dgm:t>
+    </dgm:pt>
+    <dgm:pt modelId="{A853342E-AE5D-4DC1-92BC-D1A482D34370}" type="sibTrans" cxnId="{13A7F6FE-C727-456F-8068-E238AC2E5646}">
+      <dgm:prSet/>
+      <dgm:spPr/>
+      <dgm:t>
+        <a:bodyPr/>
+        <a:lstStyle/>
+        <a:p>
+          <a:endParaRPr lang="en-US"/>
+        </a:p>
+      </dgm:t>
+    </dgm:pt>
+    <dgm:pt modelId="{00B32734-DF01-4907-AE13-2CCC218DB189}">
+      <dgm:prSet phldrT="[Text]"/>
+      <dgm:spPr/>
+      <dgm:t>
+        <a:bodyPr/>
+        <a:lstStyle/>
+        <a:p>
+          <a:pPr rtl="1"/>
+          <a:r>
+            <a:rPr lang="fa-IR" dirty="0" smtClean="0">
+              <a:cs typeface="B Nazanin" panose="00000400000000000000" pitchFamily="2" charset="-78"/>
+            </a:rPr>
+            <a:t>یافتن قالب جمله</a:t>
+          </a:r>
+          <a:endParaRPr lang="en-US" dirty="0">
+            <a:cs typeface="B Nazanin" panose="00000400000000000000" pitchFamily="2" charset="-78"/>
+          </a:endParaRPr>
+        </a:p>
+      </dgm:t>
+    </dgm:pt>
+    <dgm:pt modelId="{8EA5C4C3-21AF-4B1B-B819-E2DA7125E19B}" type="parTrans" cxnId="{4E5C23F4-D866-41A2-8161-583141D1FE41}">
+      <dgm:prSet/>
+      <dgm:spPr/>
+      <dgm:t>
+        <a:bodyPr/>
+        <a:lstStyle/>
+        <a:p>
+          <a:endParaRPr lang="en-US"/>
+        </a:p>
+      </dgm:t>
+    </dgm:pt>
+    <dgm:pt modelId="{0846F603-9437-4A75-A542-295EFDB5CD58}" type="sibTrans" cxnId="{4E5C23F4-D866-41A2-8161-583141D1FE41}">
+      <dgm:prSet/>
+      <dgm:spPr/>
+      <dgm:t>
+        <a:bodyPr/>
+        <a:lstStyle/>
+        <a:p>
+          <a:endParaRPr lang="en-US"/>
+        </a:p>
+      </dgm:t>
+    </dgm:pt>
+    <dgm:pt modelId="{2CC93364-1F55-4E99-891A-2A3D099C5095}">
+      <dgm:prSet phldrT="[Text]"/>
+      <dgm:spPr/>
+      <dgm:t>
+        <a:bodyPr/>
+        <a:lstStyle/>
+        <a:p>
+          <a:pPr rtl="1"/>
+          <a:r>
+            <a:rPr lang="fa-IR" dirty="0" smtClean="0">
+              <a:cs typeface="B Nazanin" panose="00000400000000000000" pitchFamily="2" charset="-78"/>
+            </a:rPr>
+            <a:t>استخراج روابط با داشتن قالب</a:t>
+          </a:r>
+          <a:endParaRPr lang="en-US" dirty="0">
+            <a:cs typeface="B Nazanin" panose="00000400000000000000" pitchFamily="2" charset="-78"/>
+          </a:endParaRPr>
+        </a:p>
+      </dgm:t>
+    </dgm:pt>
+    <dgm:pt modelId="{393FC899-21D0-4835-81B2-07B028F661B1}" type="parTrans" cxnId="{B5415A24-156F-4B43-80D7-44F7B7308CC2}">
+      <dgm:prSet/>
+      <dgm:spPr/>
+      <dgm:t>
+        <a:bodyPr/>
+        <a:lstStyle/>
+        <a:p>
+          <a:endParaRPr lang="en-US"/>
+        </a:p>
+      </dgm:t>
+    </dgm:pt>
+    <dgm:pt modelId="{CF0701DC-4CA8-48EF-B02F-2FC1142CBBB7}" type="sibTrans" cxnId="{B5415A24-156F-4B43-80D7-44F7B7308CC2}">
+      <dgm:prSet/>
+      <dgm:spPr/>
+      <dgm:t>
+        <a:bodyPr/>
+        <a:lstStyle/>
+        <a:p>
+          <a:endParaRPr lang="en-US"/>
+        </a:p>
+      </dgm:t>
+    </dgm:pt>
+    <dgm:pt modelId="{C26BC2A9-86FF-4C61-87F5-CFC63CCAF72B}">
+      <dgm:prSet phldrT="[Text]"/>
+      <dgm:spPr/>
+      <dgm:t>
+        <a:bodyPr/>
+        <a:lstStyle/>
+        <a:p>
+          <a:r>
+            <a:rPr lang="en-US" dirty="0" smtClean="0">
+              <a:cs typeface="B Nazanin" panose="00000400000000000000" pitchFamily="2" charset="-78"/>
+            </a:rPr>
+            <a:t>4</a:t>
+          </a:r>
+          <a:endParaRPr lang="en-US" dirty="0">
+            <a:cs typeface="B Nazanin" panose="00000400000000000000" pitchFamily="2" charset="-78"/>
+          </a:endParaRPr>
+        </a:p>
+      </dgm:t>
+    </dgm:pt>
+    <dgm:pt modelId="{A1568900-DCCB-4552-B973-2833EF98492D}" type="parTrans" cxnId="{59918D48-E3B8-4F00-9879-57C4FC5DC3D3}">
+      <dgm:prSet/>
+      <dgm:spPr/>
+      <dgm:t>
+        <a:bodyPr/>
+        <a:lstStyle/>
+        <a:p>
+          <a:endParaRPr lang="en-US"/>
+        </a:p>
+      </dgm:t>
+    </dgm:pt>
+    <dgm:pt modelId="{A6A171F2-4F8C-4686-BC49-BF191BC0B7A3}" type="sibTrans" cxnId="{59918D48-E3B8-4F00-9879-57C4FC5DC3D3}">
+      <dgm:prSet/>
+      <dgm:spPr/>
+      <dgm:t>
+        <a:bodyPr/>
+        <a:lstStyle/>
+        <a:p>
+          <a:endParaRPr lang="en-US"/>
+        </a:p>
+      </dgm:t>
+    </dgm:pt>
+    <dgm:pt modelId="{FC3976F8-710E-4E89-A20F-69185E5E000E}">
+      <dgm:prSet phldrT="[Text]"/>
+      <dgm:spPr/>
+      <dgm:t>
+        <a:bodyPr/>
+        <a:lstStyle/>
+        <a:p>
+          <a:pPr rtl="1"/>
+          <a:r>
+            <a:rPr lang="fa-IR" dirty="0" smtClean="0">
+              <a:cs typeface="B Nazanin" panose="00000400000000000000" pitchFamily="2" charset="-78"/>
+            </a:rPr>
+            <a:t>افزودن استلزامات به جمله</a:t>
+          </a:r>
+          <a:endParaRPr lang="en-US" dirty="0">
+            <a:cs typeface="B Nazanin" panose="00000400000000000000" pitchFamily="2" charset="-78"/>
+          </a:endParaRPr>
+        </a:p>
+      </dgm:t>
+    </dgm:pt>
+    <dgm:pt modelId="{A0A72122-31D4-4435-BACE-19389D98D0F1}" type="parTrans" cxnId="{EC740634-39FE-4079-AA8D-599CF1045CEC}">
+      <dgm:prSet/>
+      <dgm:spPr/>
+      <dgm:t>
+        <a:bodyPr/>
+        <a:lstStyle/>
+        <a:p>
+          <a:endParaRPr lang="en-US"/>
+        </a:p>
+      </dgm:t>
+    </dgm:pt>
+    <dgm:pt modelId="{9A9973E0-1440-4064-A8EF-5E3DEECF96CD}" type="sibTrans" cxnId="{EC740634-39FE-4079-AA8D-599CF1045CEC}">
+      <dgm:prSet/>
+      <dgm:spPr/>
+      <dgm:t>
+        <a:bodyPr/>
+        <a:lstStyle/>
+        <a:p>
+          <a:endParaRPr lang="en-US"/>
+        </a:p>
+      </dgm:t>
+    </dgm:pt>
+    <dgm:pt modelId="{C7E7429C-34F5-4700-9BF4-AC2B59C6B6A5}">
+      <dgm:prSet phldrT="[Text]"/>
+      <dgm:spPr/>
+      <dgm:t>
+        <a:bodyPr/>
+        <a:lstStyle/>
+        <a:p>
+          <a:pPr rtl="1"/>
+          <a:r>
+            <a:rPr lang="fa-IR" dirty="0" smtClean="0">
+              <a:cs typeface="B Nazanin" panose="00000400000000000000" pitchFamily="2" charset="-78"/>
+            </a:rPr>
+            <a:t>افزودن قیودات</a:t>
+          </a:r>
+          <a:endParaRPr lang="en-US" dirty="0">
+            <a:cs typeface="B Nazanin" panose="00000400000000000000" pitchFamily="2" charset="-78"/>
+          </a:endParaRPr>
+        </a:p>
+      </dgm:t>
+    </dgm:pt>
+    <dgm:pt modelId="{489C97CE-D805-431B-A5D6-7F4806BA6ABB}" type="parTrans" cxnId="{FBACD2BA-9720-4C93-8C6B-C76321A061E4}">
+      <dgm:prSet/>
+      <dgm:spPr/>
+      <dgm:t>
+        <a:bodyPr/>
+        <a:lstStyle/>
+        <a:p>
+          <a:endParaRPr lang="en-US"/>
+        </a:p>
+      </dgm:t>
+    </dgm:pt>
+    <dgm:pt modelId="{39EB3205-3BA3-4C1E-AF15-738D7769BC5C}" type="sibTrans" cxnId="{FBACD2BA-9720-4C93-8C6B-C76321A061E4}">
+      <dgm:prSet/>
+      <dgm:spPr/>
+      <dgm:t>
+        <a:bodyPr/>
+        <a:lstStyle/>
+        <a:p>
+          <a:endParaRPr lang="en-US"/>
+        </a:p>
+      </dgm:t>
+    </dgm:pt>
+    <dgm:pt modelId="{E1C5C937-245B-4786-90C3-0AF45F863110}">
+      <dgm:prSet phldrT="[Text]"/>
+      <dgm:spPr/>
+      <dgm:t>
+        <a:bodyPr/>
+        <a:lstStyle/>
+        <a:p>
+          <a:pPr rtl="1"/>
+          <a:r>
+            <a:rPr lang="fa-IR" dirty="0" smtClean="0">
+              <a:cs typeface="B Nazanin" panose="00000400000000000000" pitchFamily="2" charset="-78"/>
+            </a:rPr>
+            <a:t>استخراج روابط کامل</a:t>
+          </a:r>
+          <a:endParaRPr lang="en-US" dirty="0">
+            <a:cs typeface="B Nazanin" panose="00000400000000000000" pitchFamily="2" charset="-78"/>
+          </a:endParaRPr>
+        </a:p>
+      </dgm:t>
+    </dgm:pt>
+    <dgm:pt modelId="{9D930182-4DBE-4D62-B1BD-E97CBA4030B5}" type="parTrans" cxnId="{874B741B-8B1A-43CC-ADAA-EBD0F27755A2}">
+      <dgm:prSet/>
+      <dgm:spPr/>
+      <dgm:t>
+        <a:bodyPr/>
+        <a:lstStyle/>
+        <a:p>
+          <a:endParaRPr lang="en-US"/>
+        </a:p>
+      </dgm:t>
+    </dgm:pt>
+    <dgm:pt modelId="{8411234E-A9F2-4953-A586-9EB026353CDC}" type="sibTrans" cxnId="{874B741B-8B1A-43CC-ADAA-EBD0F27755A2}">
+      <dgm:prSet/>
+      <dgm:spPr/>
+      <dgm:t>
+        <a:bodyPr/>
+        <a:lstStyle/>
+        <a:p>
+          <a:endParaRPr lang="en-US"/>
+        </a:p>
+      </dgm:t>
+    </dgm:pt>
+    <dgm:pt modelId="{0685AAF4-F5D2-4488-93F0-1E6298355129}">
+      <dgm:prSet phldrT="[Text]"/>
+      <dgm:spPr/>
+      <dgm:t>
+        <a:bodyPr/>
+        <a:lstStyle/>
+        <a:p>
+          <a:pPr rtl="1"/>
+          <a:r>
+            <a:rPr lang="fa-IR" dirty="0" smtClean="0">
+              <a:cs typeface="B Nazanin" panose="00000400000000000000" pitchFamily="2" charset="-78"/>
+            </a:rPr>
+            <a:t>یافتن روابط در هستان شناسی</a:t>
+          </a:r>
+          <a:endParaRPr lang="en-US" dirty="0">
+            <a:cs typeface="B Nazanin" panose="00000400000000000000" pitchFamily="2" charset="-78"/>
+          </a:endParaRPr>
+        </a:p>
+      </dgm:t>
+    </dgm:pt>
+    <dgm:pt modelId="{A552EE83-FB60-46F2-A100-8526385D17D3}" type="parTrans" cxnId="{B33B6992-91F9-41B1-8271-F938ADBB96C8}">
+      <dgm:prSet/>
+      <dgm:spPr/>
+      <dgm:t>
+        <a:bodyPr/>
+        <a:lstStyle/>
+        <a:p>
+          <a:endParaRPr lang="en-US"/>
+        </a:p>
+      </dgm:t>
+    </dgm:pt>
+    <dgm:pt modelId="{EA500694-3AF9-4DD7-8896-FB1869D0DD91}" type="sibTrans" cxnId="{B33B6992-91F9-41B1-8271-F938ADBB96C8}">
+      <dgm:prSet/>
+      <dgm:spPr/>
+      <dgm:t>
+        <a:bodyPr/>
+        <a:lstStyle/>
+        <a:p>
+          <a:endParaRPr lang="en-US"/>
+        </a:p>
+      </dgm:t>
+    </dgm:pt>
+    <dgm:pt modelId="{CFDB5A7E-025D-471E-AF9D-DD25BCAB9CF0}">
+      <dgm:prSet phldrT="[Text]"/>
+      <dgm:spPr/>
+      <dgm:t>
+        <a:bodyPr/>
+        <a:lstStyle/>
+        <a:p>
+          <a:r>
+            <a:rPr lang="en-US" dirty="0" smtClean="0">
+              <a:cs typeface="B Nazanin" panose="00000400000000000000" pitchFamily="2" charset="-78"/>
+            </a:rPr>
+            <a:t>5</a:t>
+          </a:r>
+          <a:endParaRPr lang="en-US" dirty="0">
+            <a:cs typeface="B Nazanin" panose="00000400000000000000" pitchFamily="2" charset="-78"/>
+          </a:endParaRPr>
+        </a:p>
+      </dgm:t>
+    </dgm:pt>
+    <dgm:pt modelId="{138ABDAB-2ED5-4D75-94F4-6188F62B3E12}" type="parTrans" cxnId="{15B8749E-73A6-417C-B2B4-9ABA60F62089}">
+      <dgm:prSet/>
+      <dgm:spPr/>
+      <dgm:t>
+        <a:bodyPr/>
+        <a:lstStyle/>
+        <a:p>
+          <a:endParaRPr lang="en-US"/>
+        </a:p>
+      </dgm:t>
+    </dgm:pt>
+    <dgm:pt modelId="{5B85F8B2-5B7F-4F5F-8943-BB8B801BFEDC}" type="sibTrans" cxnId="{15B8749E-73A6-417C-B2B4-9ABA60F62089}">
+      <dgm:prSet/>
+      <dgm:spPr/>
+      <dgm:t>
+        <a:bodyPr/>
+        <a:lstStyle/>
+        <a:p>
+          <a:endParaRPr lang="en-US"/>
+        </a:p>
+      </dgm:t>
+    </dgm:pt>
+    <dgm:pt modelId="{501304FE-FE16-420E-99A1-D967A341D2EA}">
+      <dgm:prSet phldrT="[Text]"/>
+      <dgm:spPr/>
+      <dgm:t>
+        <a:bodyPr/>
+        <a:lstStyle/>
+        <a:p>
+          <a:r>
+            <a:rPr lang="en-US" dirty="0" smtClean="0">
+              <a:cs typeface="B Nazanin" panose="00000400000000000000" pitchFamily="2" charset="-78"/>
+            </a:rPr>
+            <a:t>6</a:t>
+          </a:r>
+          <a:endParaRPr lang="en-US" dirty="0">
+            <a:cs typeface="B Nazanin" panose="00000400000000000000" pitchFamily="2" charset="-78"/>
+          </a:endParaRPr>
+        </a:p>
+      </dgm:t>
+    </dgm:pt>
+    <dgm:pt modelId="{B222E391-A2B3-4DA9-A59C-54B596916F62}" type="parTrans" cxnId="{406A85C6-A41F-430D-B0AA-E31BABC14CB5}">
+      <dgm:prSet/>
+      <dgm:spPr/>
+      <dgm:t>
+        <a:bodyPr/>
+        <a:lstStyle/>
+        <a:p>
+          <a:endParaRPr lang="en-US"/>
+        </a:p>
+      </dgm:t>
+    </dgm:pt>
+    <dgm:pt modelId="{FB62BA2B-0623-40CB-8616-BC434F16D161}" type="sibTrans" cxnId="{406A85C6-A41F-430D-B0AA-E31BABC14CB5}">
+      <dgm:prSet/>
+      <dgm:spPr/>
+      <dgm:t>
+        <a:bodyPr/>
+        <a:lstStyle/>
+        <a:p>
+          <a:endParaRPr lang="en-US"/>
+        </a:p>
+      </dgm:t>
+    </dgm:pt>
+    <dgm:pt modelId="{1DCE7E36-1378-417F-8759-13BF6CB32F03}">
+      <dgm:prSet phldrT="[Text]"/>
+      <dgm:spPr/>
+      <dgm:t>
+        <a:bodyPr/>
+        <a:lstStyle/>
+        <a:p>
+          <a:r>
+            <a:rPr lang="en-US" dirty="0" smtClean="0">
+              <a:cs typeface="B Nazanin" panose="00000400000000000000" pitchFamily="2" charset="-78"/>
+            </a:rPr>
+            <a:t>7</a:t>
+          </a:r>
+          <a:endParaRPr lang="en-US" dirty="0">
+            <a:cs typeface="B Nazanin" panose="00000400000000000000" pitchFamily="2" charset="-78"/>
+          </a:endParaRPr>
+        </a:p>
+      </dgm:t>
+    </dgm:pt>
+    <dgm:pt modelId="{DF53BED7-BA20-43BC-A6E0-E4051CC976B6}" type="parTrans" cxnId="{653EB26F-373E-4DA8-931F-1056E8A2399A}">
+      <dgm:prSet/>
+      <dgm:spPr/>
+      <dgm:t>
+        <a:bodyPr/>
+        <a:lstStyle/>
+        <a:p>
+          <a:endParaRPr lang="en-US"/>
+        </a:p>
+      </dgm:t>
+    </dgm:pt>
+    <dgm:pt modelId="{386FDE54-1F2A-4D02-BB6F-F583701B16F9}" type="sibTrans" cxnId="{653EB26F-373E-4DA8-931F-1056E8A2399A}">
+      <dgm:prSet/>
+      <dgm:spPr/>
+      <dgm:t>
+        <a:bodyPr/>
+        <a:lstStyle/>
+        <a:p>
+          <a:endParaRPr lang="en-US"/>
+        </a:p>
+      </dgm:t>
+    </dgm:pt>
+    <dgm:pt modelId="{798E2AA2-AC8F-4815-99A3-3098BD888399}">
+      <dgm:prSet phldrT="[Text]"/>
+      <dgm:spPr/>
+      <dgm:t>
+        <a:bodyPr/>
+        <a:lstStyle/>
+        <a:p>
+          <a:r>
+            <a:rPr lang="en-US" dirty="0" smtClean="0">
+              <a:cs typeface="B Nazanin" panose="00000400000000000000" pitchFamily="2" charset="-78"/>
+            </a:rPr>
+            <a:t>8</a:t>
+          </a:r>
+          <a:endParaRPr lang="en-US" dirty="0">
+            <a:cs typeface="B Nazanin" panose="00000400000000000000" pitchFamily="2" charset="-78"/>
+          </a:endParaRPr>
+        </a:p>
+      </dgm:t>
+    </dgm:pt>
+    <dgm:pt modelId="{264E013D-1D63-4A30-BE6F-334BD7BB8C66}" type="parTrans" cxnId="{35140408-1C3C-4099-AD6C-BEE1067A4276}">
+      <dgm:prSet/>
+      <dgm:spPr/>
+      <dgm:t>
+        <a:bodyPr/>
+        <a:lstStyle/>
+        <a:p>
+          <a:endParaRPr lang="en-US"/>
+        </a:p>
+      </dgm:t>
+    </dgm:pt>
+    <dgm:pt modelId="{3D399D91-213E-41CC-9199-B73FC3E91549}" type="sibTrans" cxnId="{35140408-1C3C-4099-AD6C-BEE1067A4276}">
+      <dgm:prSet/>
+      <dgm:spPr/>
+      <dgm:t>
+        <a:bodyPr/>
+        <a:lstStyle/>
+        <a:p>
+          <a:endParaRPr lang="en-US"/>
+        </a:p>
+      </dgm:t>
+    </dgm:pt>
+    <dgm:pt modelId="{4B466BBE-4978-4A61-869F-873CE52B5888}" type="pres">
+      <dgm:prSet presAssocID="{1E3613E2-3E71-4E72-A010-0AC6B259CC3A}" presName="linearFlow" presStyleCnt="0">
+        <dgm:presLayoutVars>
+          <dgm:dir/>
+          <dgm:animLvl val="lvl"/>
+          <dgm:resizeHandles val="exact"/>
+        </dgm:presLayoutVars>
+      </dgm:prSet>
+      <dgm:spPr/>
+      <dgm:t>
+        <a:bodyPr/>
+        <a:lstStyle/>
+        <a:p>
+          <a:endParaRPr lang="en-US"/>
+        </a:p>
+      </dgm:t>
+    </dgm:pt>
+    <dgm:pt modelId="{CCCD290D-0A98-4F3F-9AED-882802534B09}" type="pres">
+      <dgm:prSet presAssocID="{419D00FA-BA4C-4B32-947D-03A69AD34F47}" presName="composite" presStyleCnt="0"/>
+      <dgm:spPr/>
+    </dgm:pt>
+    <dgm:pt modelId="{AA1CF953-3253-466B-8025-832A4A28805A}" type="pres">
+      <dgm:prSet presAssocID="{419D00FA-BA4C-4B32-947D-03A69AD34F47}" presName="parentText" presStyleLbl="alignNode1" presStyleIdx="0" presStyleCnt="8">
+        <dgm:presLayoutVars>
+          <dgm:chMax val="1"/>
+          <dgm:bulletEnabled val="1"/>
+        </dgm:presLayoutVars>
+      </dgm:prSet>
+      <dgm:spPr/>
+      <dgm:t>
+        <a:bodyPr/>
+        <a:lstStyle/>
+        <a:p>
+          <a:endParaRPr lang="en-US"/>
+        </a:p>
+      </dgm:t>
+    </dgm:pt>
+    <dgm:pt modelId="{40F29E48-9DB1-4135-8DDD-4A38A5AD60DA}" type="pres">
+      <dgm:prSet presAssocID="{419D00FA-BA4C-4B32-947D-03A69AD34F47}" presName="descendantText" presStyleLbl="alignAcc1" presStyleIdx="0" presStyleCnt="8" custLinFactNeighborY="-1026">
+        <dgm:presLayoutVars>
+          <dgm:bulletEnabled val="1"/>
+        </dgm:presLayoutVars>
+      </dgm:prSet>
+      <dgm:spPr/>
+      <dgm:t>
+        <a:bodyPr/>
+        <a:lstStyle/>
+        <a:p>
+          <a:endParaRPr lang="en-US"/>
+        </a:p>
+      </dgm:t>
+    </dgm:pt>
+    <dgm:pt modelId="{8FDE2367-B13A-45A3-B6A1-4520C554C797}" type="pres">
+      <dgm:prSet presAssocID="{FC8EAAA0-8793-480D-BBFC-37BD7AF44A07}" presName="sp" presStyleCnt="0"/>
+      <dgm:spPr/>
+    </dgm:pt>
+    <dgm:pt modelId="{76629022-B08B-43EF-A300-39F51A3A9ADE}" type="pres">
+      <dgm:prSet presAssocID="{6F4512AA-8AEC-4ED3-850C-47CFF09A1DD8}" presName="composite" presStyleCnt="0"/>
+      <dgm:spPr/>
+    </dgm:pt>
+    <dgm:pt modelId="{8FA4F64E-DC20-4F02-9B25-46F9F9262634}" type="pres">
+      <dgm:prSet presAssocID="{6F4512AA-8AEC-4ED3-850C-47CFF09A1DD8}" presName="parentText" presStyleLbl="alignNode1" presStyleIdx="1" presStyleCnt="8">
+        <dgm:presLayoutVars>
+          <dgm:chMax val="1"/>
+          <dgm:bulletEnabled val="1"/>
+        </dgm:presLayoutVars>
+      </dgm:prSet>
+      <dgm:spPr/>
+      <dgm:t>
+        <a:bodyPr/>
+        <a:lstStyle/>
+        <a:p>
+          <a:endParaRPr lang="en-US"/>
+        </a:p>
+      </dgm:t>
+    </dgm:pt>
+    <dgm:pt modelId="{32AFF5C7-F31F-45A2-9DB1-B2514219A698}" type="pres">
+      <dgm:prSet presAssocID="{6F4512AA-8AEC-4ED3-850C-47CFF09A1DD8}" presName="descendantText" presStyleLbl="alignAcc1" presStyleIdx="1" presStyleCnt="8">
+        <dgm:presLayoutVars>
+          <dgm:bulletEnabled val="1"/>
+        </dgm:presLayoutVars>
+      </dgm:prSet>
+      <dgm:spPr/>
+      <dgm:t>
+        <a:bodyPr/>
+        <a:lstStyle/>
+        <a:p>
+          <a:endParaRPr lang="en-US"/>
+        </a:p>
+      </dgm:t>
+    </dgm:pt>
+    <dgm:pt modelId="{55D2572C-A1B2-4AD6-A693-57071925E2BB}" type="pres">
+      <dgm:prSet presAssocID="{F324D48D-7C86-40C8-A56B-84A1DF168722}" presName="sp" presStyleCnt="0"/>
+      <dgm:spPr/>
+    </dgm:pt>
+    <dgm:pt modelId="{A0D8CCDF-72B5-4F9C-8A1C-1EDD31D12816}" type="pres">
+      <dgm:prSet presAssocID="{8E86D9B2-26F3-4199-A4F9-F940191B24B9}" presName="composite" presStyleCnt="0"/>
+      <dgm:spPr/>
+    </dgm:pt>
+    <dgm:pt modelId="{B3110918-3EBA-403C-B2D9-4C62D47D382F}" type="pres">
+      <dgm:prSet presAssocID="{8E86D9B2-26F3-4199-A4F9-F940191B24B9}" presName="parentText" presStyleLbl="alignNode1" presStyleIdx="2" presStyleCnt="8">
+        <dgm:presLayoutVars>
+          <dgm:chMax val="1"/>
+          <dgm:bulletEnabled val="1"/>
+        </dgm:presLayoutVars>
+      </dgm:prSet>
+      <dgm:spPr/>
+      <dgm:t>
+        <a:bodyPr/>
+        <a:lstStyle/>
+        <a:p>
+          <a:endParaRPr lang="en-US"/>
+        </a:p>
+      </dgm:t>
+    </dgm:pt>
+    <dgm:pt modelId="{B5C7A154-46D4-43AB-B06A-26B06AA5E9B3}" type="pres">
+      <dgm:prSet presAssocID="{8E86D9B2-26F3-4199-A4F9-F940191B24B9}" presName="descendantText" presStyleLbl="alignAcc1" presStyleIdx="2" presStyleCnt="8">
+        <dgm:presLayoutVars>
+          <dgm:bulletEnabled val="1"/>
+        </dgm:presLayoutVars>
+      </dgm:prSet>
+      <dgm:spPr/>
+      <dgm:t>
+        <a:bodyPr/>
+        <a:lstStyle/>
+        <a:p>
+          <a:endParaRPr lang="en-US"/>
+        </a:p>
+      </dgm:t>
+    </dgm:pt>
+    <dgm:pt modelId="{BA871E2F-9BD5-43CE-8A83-F928C3615CBB}" type="pres">
+      <dgm:prSet presAssocID="{A853342E-AE5D-4DC1-92BC-D1A482D34370}" presName="sp" presStyleCnt="0"/>
+      <dgm:spPr/>
+    </dgm:pt>
+    <dgm:pt modelId="{3A8067AD-B164-49BA-8B3F-1847196BC449}" type="pres">
+      <dgm:prSet presAssocID="{C26BC2A9-86FF-4C61-87F5-CFC63CCAF72B}" presName="composite" presStyleCnt="0"/>
+      <dgm:spPr/>
+    </dgm:pt>
+    <dgm:pt modelId="{935EA921-E45D-4CEE-8832-FF1EFDBA722C}" type="pres">
+      <dgm:prSet presAssocID="{C26BC2A9-86FF-4C61-87F5-CFC63CCAF72B}" presName="parentText" presStyleLbl="alignNode1" presStyleIdx="3" presStyleCnt="8">
+        <dgm:presLayoutVars>
+          <dgm:chMax val="1"/>
+          <dgm:bulletEnabled val="1"/>
+        </dgm:presLayoutVars>
+      </dgm:prSet>
+      <dgm:spPr/>
+      <dgm:t>
+        <a:bodyPr/>
+        <a:lstStyle/>
+        <a:p>
+          <a:endParaRPr lang="en-US"/>
+        </a:p>
+      </dgm:t>
+    </dgm:pt>
+    <dgm:pt modelId="{1ED41DB1-A08E-44B2-83D0-FD43440852F1}" type="pres">
+      <dgm:prSet presAssocID="{C26BC2A9-86FF-4C61-87F5-CFC63CCAF72B}" presName="descendantText" presStyleLbl="alignAcc1" presStyleIdx="3" presStyleCnt="8">
+        <dgm:presLayoutVars>
+          <dgm:bulletEnabled val="1"/>
+        </dgm:presLayoutVars>
+      </dgm:prSet>
+      <dgm:spPr/>
+      <dgm:t>
+        <a:bodyPr/>
+        <a:lstStyle/>
+        <a:p>
+          <a:endParaRPr lang="en-US"/>
+        </a:p>
+      </dgm:t>
+    </dgm:pt>
+    <dgm:pt modelId="{F97A8D05-C13F-4B3F-ABF8-66C11E6AA8E4}" type="pres">
+      <dgm:prSet presAssocID="{A6A171F2-4F8C-4686-BC49-BF191BC0B7A3}" presName="sp" presStyleCnt="0"/>
+      <dgm:spPr/>
+    </dgm:pt>
+    <dgm:pt modelId="{D01B9C99-766F-434A-BD95-20741D58B1A1}" type="pres">
+      <dgm:prSet presAssocID="{CFDB5A7E-025D-471E-AF9D-DD25BCAB9CF0}" presName="composite" presStyleCnt="0"/>
+      <dgm:spPr/>
+    </dgm:pt>
+    <dgm:pt modelId="{4400C8F8-8EC5-485B-B134-8973E08CA1AB}" type="pres">
+      <dgm:prSet presAssocID="{CFDB5A7E-025D-471E-AF9D-DD25BCAB9CF0}" presName="parentText" presStyleLbl="alignNode1" presStyleIdx="4" presStyleCnt="8">
+        <dgm:presLayoutVars>
+          <dgm:chMax val="1"/>
+          <dgm:bulletEnabled val="1"/>
+        </dgm:presLayoutVars>
+      </dgm:prSet>
+      <dgm:spPr/>
+      <dgm:t>
+        <a:bodyPr/>
+        <a:lstStyle/>
+        <a:p>
+          <a:endParaRPr lang="en-US"/>
+        </a:p>
+      </dgm:t>
+    </dgm:pt>
+    <dgm:pt modelId="{88F270B4-0420-4E01-9E55-7B3B9CAC7FC1}" type="pres">
+      <dgm:prSet presAssocID="{CFDB5A7E-025D-471E-AF9D-DD25BCAB9CF0}" presName="descendantText" presStyleLbl="alignAcc1" presStyleIdx="4" presStyleCnt="8">
+        <dgm:presLayoutVars>
+          <dgm:bulletEnabled val="1"/>
+        </dgm:presLayoutVars>
+      </dgm:prSet>
+      <dgm:spPr/>
+      <dgm:t>
+        <a:bodyPr/>
+        <a:lstStyle/>
+        <a:p>
+          <a:endParaRPr lang="en-US"/>
+        </a:p>
+      </dgm:t>
+    </dgm:pt>
+    <dgm:pt modelId="{6AFED253-F6AF-4D71-819E-B46060BC284E}" type="pres">
+      <dgm:prSet presAssocID="{5B85F8B2-5B7F-4F5F-8943-BB8B801BFEDC}" presName="sp" presStyleCnt="0"/>
+      <dgm:spPr/>
+    </dgm:pt>
+    <dgm:pt modelId="{6BE47F02-6BCF-4616-B4B7-667511BACADC}" type="pres">
+      <dgm:prSet presAssocID="{501304FE-FE16-420E-99A1-D967A341D2EA}" presName="composite" presStyleCnt="0"/>
+      <dgm:spPr/>
+    </dgm:pt>
+    <dgm:pt modelId="{AF04CE51-A133-40D1-88A0-811D3E451483}" type="pres">
+      <dgm:prSet presAssocID="{501304FE-FE16-420E-99A1-D967A341D2EA}" presName="parentText" presStyleLbl="alignNode1" presStyleIdx="5" presStyleCnt="8">
+        <dgm:presLayoutVars>
+          <dgm:chMax val="1"/>
+          <dgm:bulletEnabled val="1"/>
+        </dgm:presLayoutVars>
+      </dgm:prSet>
+      <dgm:spPr/>
+      <dgm:t>
+        <a:bodyPr/>
+        <a:lstStyle/>
+        <a:p>
+          <a:endParaRPr lang="en-US"/>
+        </a:p>
+      </dgm:t>
+    </dgm:pt>
+    <dgm:pt modelId="{C570CA93-A6DA-4AEB-BE5C-5A1BB735436D}" type="pres">
+      <dgm:prSet presAssocID="{501304FE-FE16-420E-99A1-D967A341D2EA}" presName="descendantText" presStyleLbl="alignAcc1" presStyleIdx="5" presStyleCnt="8">
+        <dgm:presLayoutVars>
+          <dgm:bulletEnabled val="1"/>
+        </dgm:presLayoutVars>
+      </dgm:prSet>
+      <dgm:spPr/>
+      <dgm:t>
+        <a:bodyPr/>
+        <a:lstStyle/>
+        <a:p>
+          <a:endParaRPr lang="en-US"/>
+        </a:p>
+      </dgm:t>
+    </dgm:pt>
+    <dgm:pt modelId="{32620A9A-8E3E-4148-ADEC-F9C5CC133612}" type="pres">
+      <dgm:prSet presAssocID="{FB62BA2B-0623-40CB-8616-BC434F16D161}" presName="sp" presStyleCnt="0"/>
+      <dgm:spPr/>
+    </dgm:pt>
+    <dgm:pt modelId="{45B1531A-1DC7-4ABB-8E1E-0EDAF2230757}" type="pres">
+      <dgm:prSet presAssocID="{1DCE7E36-1378-417F-8759-13BF6CB32F03}" presName="composite" presStyleCnt="0"/>
+      <dgm:spPr/>
+    </dgm:pt>
+    <dgm:pt modelId="{30D6CB60-1F11-4696-8A8E-B726FAC98CC2}" type="pres">
+      <dgm:prSet presAssocID="{1DCE7E36-1378-417F-8759-13BF6CB32F03}" presName="parentText" presStyleLbl="alignNode1" presStyleIdx="6" presStyleCnt="8">
+        <dgm:presLayoutVars>
+          <dgm:chMax val="1"/>
+          <dgm:bulletEnabled val="1"/>
+        </dgm:presLayoutVars>
+      </dgm:prSet>
+      <dgm:spPr/>
+      <dgm:t>
+        <a:bodyPr/>
+        <a:lstStyle/>
+        <a:p>
+          <a:endParaRPr lang="en-US"/>
+        </a:p>
+      </dgm:t>
+    </dgm:pt>
+    <dgm:pt modelId="{D574FB3E-CE46-40FD-898C-D6F5D43620EA}" type="pres">
+      <dgm:prSet presAssocID="{1DCE7E36-1378-417F-8759-13BF6CB32F03}" presName="descendantText" presStyleLbl="alignAcc1" presStyleIdx="6" presStyleCnt="8">
+        <dgm:presLayoutVars>
+          <dgm:bulletEnabled val="1"/>
+        </dgm:presLayoutVars>
+      </dgm:prSet>
+      <dgm:spPr/>
+      <dgm:t>
+        <a:bodyPr/>
+        <a:lstStyle/>
+        <a:p>
+          <a:endParaRPr lang="en-US"/>
+        </a:p>
+      </dgm:t>
+    </dgm:pt>
+    <dgm:pt modelId="{C81D755E-A8CD-48C5-A532-66976B182A45}" type="pres">
+      <dgm:prSet presAssocID="{386FDE54-1F2A-4D02-BB6F-F583701B16F9}" presName="sp" presStyleCnt="0"/>
+      <dgm:spPr/>
+    </dgm:pt>
+    <dgm:pt modelId="{75885429-F435-4260-B061-E3222605F67C}" type="pres">
+      <dgm:prSet presAssocID="{798E2AA2-AC8F-4815-99A3-3098BD888399}" presName="composite" presStyleCnt="0"/>
+      <dgm:spPr/>
+    </dgm:pt>
+    <dgm:pt modelId="{D9930E57-9A0A-4432-9DE1-199E68A88956}" type="pres">
+      <dgm:prSet presAssocID="{798E2AA2-AC8F-4815-99A3-3098BD888399}" presName="parentText" presStyleLbl="alignNode1" presStyleIdx="7" presStyleCnt="8">
+        <dgm:presLayoutVars>
+          <dgm:chMax val="1"/>
+          <dgm:bulletEnabled val="1"/>
+        </dgm:presLayoutVars>
+      </dgm:prSet>
+      <dgm:spPr/>
+      <dgm:t>
+        <a:bodyPr/>
+        <a:lstStyle/>
+        <a:p>
+          <a:endParaRPr lang="en-US"/>
+        </a:p>
+      </dgm:t>
+    </dgm:pt>
+    <dgm:pt modelId="{8809EBA4-1F1C-4730-A88A-38DAF50AFBC9}" type="pres">
+      <dgm:prSet presAssocID="{798E2AA2-AC8F-4815-99A3-3098BD888399}" presName="descendantText" presStyleLbl="alignAcc1" presStyleIdx="7" presStyleCnt="8">
+        <dgm:presLayoutVars>
+          <dgm:bulletEnabled val="1"/>
+        </dgm:presLayoutVars>
+      </dgm:prSet>
+      <dgm:spPr/>
+      <dgm:t>
+        <a:bodyPr/>
+        <a:lstStyle/>
+        <a:p>
+          <a:endParaRPr lang="en-US"/>
+        </a:p>
+      </dgm:t>
+    </dgm:pt>
+  </dgm:ptLst>
+  <dgm:cxnLst>
+    <dgm:cxn modelId="{98993792-2F17-473C-A732-A13F75D64D38}" srcId="{1E3613E2-3E71-4E72-A010-0AC6B259CC3A}" destId="{419D00FA-BA4C-4B32-947D-03A69AD34F47}" srcOrd="0" destOrd="0" parTransId="{711D4BF3-6036-425B-8FAA-733121D60359}" sibTransId="{FC8EAAA0-8793-480D-BBFC-37BD7AF44A07}"/>
+    <dgm:cxn modelId="{EBF90333-EF4D-477A-A48A-2F2677494B8B}" type="presOf" srcId="{FC3976F8-710E-4E89-A20F-69185E5E000E}" destId="{88F270B4-0420-4E01-9E55-7B3B9CAC7FC1}" srcOrd="0" destOrd="0" presId="urn:microsoft.com/office/officeart/2005/8/layout/chevron2"/>
+    <dgm:cxn modelId="{2FE6D6A4-7623-4F12-AED1-331877621E53}" type="presOf" srcId="{39349842-151F-49EE-AF48-503F2B7F88E3}" destId="{32AFF5C7-F31F-45A2-9DB1-B2514219A698}" srcOrd="0" destOrd="0" presId="urn:microsoft.com/office/officeart/2005/8/layout/chevron2"/>
+    <dgm:cxn modelId="{EC740634-39FE-4079-AA8D-599CF1045CEC}" srcId="{CFDB5A7E-025D-471E-AF9D-DD25BCAB9CF0}" destId="{FC3976F8-710E-4E89-A20F-69185E5E000E}" srcOrd="0" destOrd="0" parTransId="{A0A72122-31D4-4435-BACE-19389D98D0F1}" sibTransId="{9A9973E0-1440-4064-A8EF-5E3DEECF96CD}"/>
+    <dgm:cxn modelId="{874B741B-8B1A-43CC-ADAA-EBD0F27755A2}" srcId="{1DCE7E36-1378-417F-8759-13BF6CB32F03}" destId="{E1C5C937-245B-4786-90C3-0AF45F863110}" srcOrd="0" destOrd="0" parTransId="{9D930182-4DBE-4D62-B1BD-E97CBA4030B5}" sibTransId="{8411234E-A9F2-4953-A586-9EB026353CDC}"/>
+    <dgm:cxn modelId="{406A85C6-A41F-430D-B0AA-E31BABC14CB5}" srcId="{1E3613E2-3E71-4E72-A010-0AC6B259CC3A}" destId="{501304FE-FE16-420E-99A1-D967A341D2EA}" srcOrd="5" destOrd="0" parTransId="{B222E391-A2B3-4DA9-A59C-54B596916F62}" sibTransId="{FB62BA2B-0623-40CB-8616-BC434F16D161}"/>
+    <dgm:cxn modelId="{FBACD2BA-9720-4C93-8C6B-C76321A061E4}" srcId="{501304FE-FE16-420E-99A1-D967A341D2EA}" destId="{C7E7429C-34F5-4700-9BF4-AC2B59C6B6A5}" srcOrd="0" destOrd="0" parTransId="{489C97CE-D805-431B-A5D6-7F4806BA6ABB}" sibTransId="{39EB3205-3BA3-4C1E-AF15-738D7769BC5C}"/>
+    <dgm:cxn modelId="{13A7F6FE-C727-456F-8068-E238AC2E5646}" srcId="{1E3613E2-3E71-4E72-A010-0AC6B259CC3A}" destId="{8E86D9B2-26F3-4199-A4F9-F940191B24B9}" srcOrd="2" destOrd="0" parTransId="{E45E2FAE-7C75-4F33-857C-2F25B718CF16}" sibTransId="{A853342E-AE5D-4DC1-92BC-D1A482D34370}"/>
+    <dgm:cxn modelId="{EBD3F34E-CF27-4A74-9BDB-121005AA0BF2}" type="presOf" srcId="{501304FE-FE16-420E-99A1-D967A341D2EA}" destId="{AF04CE51-A133-40D1-88A0-811D3E451483}" srcOrd="0" destOrd="0" presId="urn:microsoft.com/office/officeart/2005/8/layout/chevron2"/>
+    <dgm:cxn modelId="{C28A1BFA-E383-4197-BB4E-0D901A49CCA1}" type="presOf" srcId="{C26BC2A9-86FF-4C61-87F5-CFC63CCAF72B}" destId="{935EA921-E45D-4CEE-8832-FF1EFDBA722C}" srcOrd="0" destOrd="0" presId="urn:microsoft.com/office/officeart/2005/8/layout/chevron2"/>
+    <dgm:cxn modelId="{06EAAB83-37AF-4FC3-A13A-E883BC610893}" srcId="{1E3613E2-3E71-4E72-A010-0AC6B259CC3A}" destId="{6F4512AA-8AEC-4ED3-850C-47CFF09A1DD8}" srcOrd="1" destOrd="0" parTransId="{6EC1552E-9A92-42ED-971E-A3DB85A2ECCE}" sibTransId="{F324D48D-7C86-40C8-A56B-84A1DF168722}"/>
+    <dgm:cxn modelId="{03C27533-0958-457C-9CC0-31FE43B3FDC3}" type="presOf" srcId="{E1C5C937-245B-4786-90C3-0AF45F863110}" destId="{D574FB3E-CE46-40FD-898C-D6F5D43620EA}" srcOrd="0" destOrd="0" presId="urn:microsoft.com/office/officeart/2005/8/layout/chevron2"/>
+    <dgm:cxn modelId="{D7683C84-BF48-40E3-928E-C33C2578AD82}" type="presOf" srcId="{C7E7429C-34F5-4700-9BF4-AC2B59C6B6A5}" destId="{C570CA93-A6DA-4AEB-BE5C-5A1BB735436D}" srcOrd="0" destOrd="0" presId="urn:microsoft.com/office/officeart/2005/8/layout/chevron2"/>
+    <dgm:cxn modelId="{59918D48-E3B8-4F00-9879-57C4FC5DC3D3}" srcId="{1E3613E2-3E71-4E72-A010-0AC6B259CC3A}" destId="{C26BC2A9-86FF-4C61-87F5-CFC63CCAF72B}" srcOrd="3" destOrd="0" parTransId="{A1568900-DCCB-4552-B973-2833EF98492D}" sibTransId="{A6A171F2-4F8C-4686-BC49-BF191BC0B7A3}"/>
+    <dgm:cxn modelId="{139644E3-4A33-46C8-88DA-B096CA715725}" type="presOf" srcId="{CFDB5A7E-025D-471E-AF9D-DD25BCAB9CF0}" destId="{4400C8F8-8EC5-485B-B134-8973E08CA1AB}" srcOrd="0" destOrd="0" presId="urn:microsoft.com/office/officeart/2005/8/layout/chevron2"/>
+    <dgm:cxn modelId="{4E5C23F4-D866-41A2-8161-583141D1FE41}" srcId="{8E86D9B2-26F3-4199-A4F9-F940191B24B9}" destId="{00B32734-DF01-4907-AE13-2CCC218DB189}" srcOrd="0" destOrd="0" parTransId="{8EA5C4C3-21AF-4B1B-B819-E2DA7125E19B}" sibTransId="{0846F603-9437-4A75-A542-295EFDB5CD58}"/>
+    <dgm:cxn modelId="{7F0C226B-427E-4BB1-B41F-BB7075B520FA}" type="presOf" srcId="{8E86D9B2-26F3-4199-A4F9-F940191B24B9}" destId="{B3110918-3EBA-403C-B2D9-4C62D47D382F}" srcOrd="0" destOrd="0" presId="urn:microsoft.com/office/officeart/2005/8/layout/chevron2"/>
+    <dgm:cxn modelId="{B33B6992-91F9-41B1-8271-F938ADBB96C8}" srcId="{798E2AA2-AC8F-4815-99A3-3098BD888399}" destId="{0685AAF4-F5D2-4488-93F0-1E6298355129}" srcOrd="0" destOrd="0" parTransId="{A552EE83-FB60-46F2-A100-8526385D17D3}" sibTransId="{EA500694-3AF9-4DD7-8896-FB1869D0DD91}"/>
+    <dgm:cxn modelId="{5AA2A6B1-1F68-4B11-A34F-D96603667384}" type="presOf" srcId="{798E2AA2-AC8F-4815-99A3-3098BD888399}" destId="{D9930E57-9A0A-4432-9DE1-199E68A88956}" srcOrd="0" destOrd="0" presId="urn:microsoft.com/office/officeart/2005/8/layout/chevron2"/>
+    <dgm:cxn modelId="{ABABEB0C-E813-441C-AEE4-756364BB4975}" type="presOf" srcId="{00B32734-DF01-4907-AE13-2CCC218DB189}" destId="{B5C7A154-46D4-43AB-B06A-26B06AA5E9B3}" srcOrd="0" destOrd="0" presId="urn:microsoft.com/office/officeart/2005/8/layout/chevron2"/>
+    <dgm:cxn modelId="{15B8749E-73A6-417C-B2B4-9ABA60F62089}" srcId="{1E3613E2-3E71-4E72-A010-0AC6B259CC3A}" destId="{CFDB5A7E-025D-471E-AF9D-DD25BCAB9CF0}" srcOrd="4" destOrd="0" parTransId="{138ABDAB-2ED5-4D75-94F4-6188F62B3E12}" sibTransId="{5B85F8B2-5B7F-4F5F-8943-BB8B801BFEDC}"/>
+    <dgm:cxn modelId="{CECFF2CB-AE8A-4CD9-BCC9-4A5FAD2DAF18}" type="presOf" srcId="{1DCE7E36-1378-417F-8759-13BF6CB32F03}" destId="{30D6CB60-1F11-4696-8A8E-B726FAC98CC2}" srcOrd="0" destOrd="0" presId="urn:microsoft.com/office/officeart/2005/8/layout/chevron2"/>
+    <dgm:cxn modelId="{653EB26F-373E-4DA8-931F-1056E8A2399A}" srcId="{1E3613E2-3E71-4E72-A010-0AC6B259CC3A}" destId="{1DCE7E36-1378-417F-8759-13BF6CB32F03}" srcOrd="6" destOrd="0" parTransId="{DF53BED7-BA20-43BC-A6E0-E4051CC976B6}" sibTransId="{386FDE54-1F2A-4D02-BB6F-F583701B16F9}"/>
+    <dgm:cxn modelId="{B5415A24-156F-4B43-80D7-44F7B7308CC2}" srcId="{C26BC2A9-86FF-4C61-87F5-CFC63CCAF72B}" destId="{2CC93364-1F55-4E99-891A-2A3D099C5095}" srcOrd="0" destOrd="0" parTransId="{393FC899-21D0-4835-81B2-07B028F661B1}" sibTransId="{CF0701DC-4CA8-48EF-B02F-2FC1142CBBB7}"/>
+    <dgm:cxn modelId="{243490C9-C45B-4878-AFAD-7F671BACC1E0}" type="presOf" srcId="{0685AAF4-F5D2-4488-93F0-1E6298355129}" destId="{8809EBA4-1F1C-4730-A88A-38DAF50AFBC9}" srcOrd="0" destOrd="0" presId="urn:microsoft.com/office/officeart/2005/8/layout/chevron2"/>
+    <dgm:cxn modelId="{35140408-1C3C-4099-AD6C-BEE1067A4276}" srcId="{1E3613E2-3E71-4E72-A010-0AC6B259CC3A}" destId="{798E2AA2-AC8F-4815-99A3-3098BD888399}" srcOrd="7" destOrd="0" parTransId="{264E013D-1D63-4A30-BE6F-334BD7BB8C66}" sibTransId="{3D399D91-213E-41CC-9199-B73FC3E91549}"/>
+    <dgm:cxn modelId="{9EC9D433-4DD4-47C1-863A-FE24CADFFB99}" type="presOf" srcId="{419D00FA-BA4C-4B32-947D-03A69AD34F47}" destId="{AA1CF953-3253-466B-8025-832A4A28805A}" srcOrd="0" destOrd="0" presId="urn:microsoft.com/office/officeart/2005/8/layout/chevron2"/>
+    <dgm:cxn modelId="{94B6DDA1-C77F-4230-B55E-D8964AAFF947}" type="presOf" srcId="{6F4512AA-8AEC-4ED3-850C-47CFF09A1DD8}" destId="{8FA4F64E-DC20-4F02-9B25-46F9F9262634}" srcOrd="0" destOrd="0" presId="urn:microsoft.com/office/officeart/2005/8/layout/chevron2"/>
+    <dgm:cxn modelId="{2E86FB2C-4F75-4417-854B-A186EF91D930}" srcId="{419D00FA-BA4C-4B32-947D-03A69AD34F47}" destId="{E457B3BD-0EBE-4211-8F13-E908738123EC}" srcOrd="0" destOrd="0" parTransId="{AA5C58D1-F94B-4E54-80C0-6CF3908DBA15}" sibTransId="{9B482D9F-20E4-4B63-B310-8A9ED9ED08A0}"/>
+    <dgm:cxn modelId="{D7460368-D5CF-4A6B-9B27-3D66B502519C}" type="presOf" srcId="{1E3613E2-3E71-4E72-A010-0AC6B259CC3A}" destId="{4B466BBE-4978-4A61-869F-873CE52B5888}" srcOrd="0" destOrd="0" presId="urn:microsoft.com/office/officeart/2005/8/layout/chevron2"/>
+    <dgm:cxn modelId="{C1F33E1C-0287-42C8-AB89-2C35A3F8D5E4}" type="presOf" srcId="{2CC93364-1F55-4E99-891A-2A3D099C5095}" destId="{1ED41DB1-A08E-44B2-83D0-FD43440852F1}" srcOrd="0" destOrd="0" presId="urn:microsoft.com/office/officeart/2005/8/layout/chevron2"/>
+    <dgm:cxn modelId="{D4BDC257-0F88-4B18-84A8-DB1FBEDD0502}" type="presOf" srcId="{E457B3BD-0EBE-4211-8F13-E908738123EC}" destId="{40F29E48-9DB1-4135-8DDD-4A38A5AD60DA}" srcOrd="0" destOrd="0" presId="urn:microsoft.com/office/officeart/2005/8/layout/chevron2"/>
+    <dgm:cxn modelId="{1F0CA4C3-D479-4295-9953-3BAB3C0BFD08}" srcId="{6F4512AA-8AEC-4ED3-850C-47CFF09A1DD8}" destId="{39349842-151F-49EE-AF48-503F2B7F88E3}" srcOrd="0" destOrd="0" parTransId="{9FDA18A0-4329-4151-B951-ED18BF32BC55}" sibTransId="{C1B1B414-4F0A-4A18-A537-302F96A8D605}"/>
+    <dgm:cxn modelId="{7C3044F0-D93B-4196-9735-F5D02103E168}" type="presParOf" srcId="{4B466BBE-4978-4A61-869F-873CE52B5888}" destId="{CCCD290D-0A98-4F3F-9AED-882802534B09}" srcOrd="0" destOrd="0" presId="urn:microsoft.com/office/officeart/2005/8/layout/chevron2"/>
+    <dgm:cxn modelId="{E8DA292B-C0BB-4D2B-91B0-E55DBF7DBF01}" type="presParOf" srcId="{CCCD290D-0A98-4F3F-9AED-882802534B09}" destId="{AA1CF953-3253-466B-8025-832A4A28805A}" srcOrd="0" destOrd="0" presId="urn:microsoft.com/office/officeart/2005/8/layout/chevron2"/>
+    <dgm:cxn modelId="{CBCB03B7-1ECC-45CB-AC00-94DCBDBA239C}" type="presParOf" srcId="{CCCD290D-0A98-4F3F-9AED-882802534B09}" destId="{40F29E48-9DB1-4135-8DDD-4A38A5AD60DA}" srcOrd="1" destOrd="0" presId="urn:microsoft.com/office/officeart/2005/8/layout/chevron2"/>
+    <dgm:cxn modelId="{42C02F47-37FD-4978-A6F8-4FDBF233BBE4}" type="presParOf" srcId="{4B466BBE-4978-4A61-869F-873CE52B5888}" destId="{8FDE2367-B13A-45A3-B6A1-4520C554C797}" srcOrd="1" destOrd="0" presId="urn:microsoft.com/office/officeart/2005/8/layout/chevron2"/>
+    <dgm:cxn modelId="{7D3A2B6F-03E6-4087-814C-8AE32ED36564}" type="presParOf" srcId="{4B466BBE-4978-4A61-869F-873CE52B5888}" destId="{76629022-B08B-43EF-A300-39F51A3A9ADE}" srcOrd="2" destOrd="0" presId="urn:microsoft.com/office/officeart/2005/8/layout/chevron2"/>
+    <dgm:cxn modelId="{B0D4AF3F-FDD0-417E-BFCE-EE8E3CD358C4}" type="presParOf" srcId="{76629022-B08B-43EF-A300-39F51A3A9ADE}" destId="{8FA4F64E-DC20-4F02-9B25-46F9F9262634}" srcOrd="0" destOrd="0" presId="urn:microsoft.com/office/officeart/2005/8/layout/chevron2"/>
+    <dgm:cxn modelId="{E631018C-2C32-4816-AFEF-2BDFCBA63F37}" type="presParOf" srcId="{76629022-B08B-43EF-A300-39F51A3A9ADE}" destId="{32AFF5C7-F31F-45A2-9DB1-B2514219A698}" srcOrd="1" destOrd="0" presId="urn:microsoft.com/office/officeart/2005/8/layout/chevron2"/>
+    <dgm:cxn modelId="{EB8F015C-B73E-4B2A-A057-9CA3E3F2E22E}" type="presParOf" srcId="{4B466BBE-4978-4A61-869F-873CE52B5888}" destId="{55D2572C-A1B2-4AD6-A693-57071925E2BB}" srcOrd="3" destOrd="0" presId="urn:microsoft.com/office/officeart/2005/8/layout/chevron2"/>
+    <dgm:cxn modelId="{E85B135C-7A59-41FC-87C0-861A32DC0356}" type="presParOf" srcId="{4B466BBE-4978-4A61-869F-873CE52B5888}" destId="{A0D8CCDF-72B5-4F9C-8A1C-1EDD31D12816}" srcOrd="4" destOrd="0" presId="urn:microsoft.com/office/officeart/2005/8/layout/chevron2"/>
+    <dgm:cxn modelId="{35C365DF-4F2C-4FB2-9247-0AA3B98C605F}" type="presParOf" srcId="{A0D8CCDF-72B5-4F9C-8A1C-1EDD31D12816}" destId="{B3110918-3EBA-403C-B2D9-4C62D47D382F}" srcOrd="0" destOrd="0" presId="urn:microsoft.com/office/officeart/2005/8/layout/chevron2"/>
+    <dgm:cxn modelId="{5813249D-D43A-41A3-970E-153CB5301AF8}" type="presParOf" srcId="{A0D8CCDF-72B5-4F9C-8A1C-1EDD31D12816}" destId="{B5C7A154-46D4-43AB-B06A-26B06AA5E9B3}" srcOrd="1" destOrd="0" presId="urn:microsoft.com/office/officeart/2005/8/layout/chevron2"/>
+    <dgm:cxn modelId="{B43EAD54-197D-47F9-94B6-337430A46E18}" type="presParOf" srcId="{4B466BBE-4978-4A61-869F-873CE52B5888}" destId="{BA871E2F-9BD5-43CE-8A83-F928C3615CBB}" srcOrd="5" destOrd="0" presId="urn:microsoft.com/office/officeart/2005/8/layout/chevron2"/>
+    <dgm:cxn modelId="{207A8FB4-82F3-465F-ADFE-F4AEDF2F83BB}" type="presParOf" srcId="{4B466BBE-4978-4A61-869F-873CE52B5888}" destId="{3A8067AD-B164-49BA-8B3F-1847196BC449}" srcOrd="6" destOrd="0" presId="urn:microsoft.com/office/officeart/2005/8/layout/chevron2"/>
+    <dgm:cxn modelId="{A42CD3A7-5B88-4B13-A02C-4560A25C6E6B}" type="presParOf" srcId="{3A8067AD-B164-49BA-8B3F-1847196BC449}" destId="{935EA921-E45D-4CEE-8832-FF1EFDBA722C}" srcOrd="0" destOrd="0" presId="urn:microsoft.com/office/officeart/2005/8/layout/chevron2"/>
+    <dgm:cxn modelId="{10F5B900-ED7E-48D8-A95A-7C0DEF235195}" type="presParOf" srcId="{3A8067AD-B164-49BA-8B3F-1847196BC449}" destId="{1ED41DB1-A08E-44B2-83D0-FD43440852F1}" srcOrd="1" destOrd="0" presId="urn:microsoft.com/office/officeart/2005/8/layout/chevron2"/>
+    <dgm:cxn modelId="{93732A39-38B8-4435-8444-E191E07633DD}" type="presParOf" srcId="{4B466BBE-4978-4A61-869F-873CE52B5888}" destId="{F97A8D05-C13F-4B3F-ABF8-66C11E6AA8E4}" srcOrd="7" destOrd="0" presId="urn:microsoft.com/office/officeart/2005/8/layout/chevron2"/>
+    <dgm:cxn modelId="{46DBB450-E8C5-4786-9D44-5E81A5563DBA}" type="presParOf" srcId="{4B466BBE-4978-4A61-869F-873CE52B5888}" destId="{D01B9C99-766F-434A-BD95-20741D58B1A1}" srcOrd="8" destOrd="0" presId="urn:microsoft.com/office/officeart/2005/8/layout/chevron2"/>
+    <dgm:cxn modelId="{2E4BE7DE-D657-41BB-9901-F4A4077DA1A1}" type="presParOf" srcId="{D01B9C99-766F-434A-BD95-20741D58B1A1}" destId="{4400C8F8-8EC5-485B-B134-8973E08CA1AB}" srcOrd="0" destOrd="0" presId="urn:microsoft.com/office/officeart/2005/8/layout/chevron2"/>
+    <dgm:cxn modelId="{420348AD-BC9B-49D7-88AC-22DDF288AA97}" type="presParOf" srcId="{D01B9C99-766F-434A-BD95-20741D58B1A1}" destId="{88F270B4-0420-4E01-9E55-7B3B9CAC7FC1}" srcOrd="1" destOrd="0" presId="urn:microsoft.com/office/officeart/2005/8/layout/chevron2"/>
+    <dgm:cxn modelId="{BD283148-A34F-4A54-B671-8BB86A6DAB0C}" type="presParOf" srcId="{4B466BBE-4978-4A61-869F-873CE52B5888}" destId="{6AFED253-F6AF-4D71-819E-B46060BC284E}" srcOrd="9" destOrd="0" presId="urn:microsoft.com/office/officeart/2005/8/layout/chevron2"/>
+    <dgm:cxn modelId="{E672B918-4713-4329-9ED6-69F6F71D931E}" type="presParOf" srcId="{4B466BBE-4978-4A61-869F-873CE52B5888}" destId="{6BE47F02-6BCF-4616-B4B7-667511BACADC}" srcOrd="10" destOrd="0" presId="urn:microsoft.com/office/officeart/2005/8/layout/chevron2"/>
+    <dgm:cxn modelId="{6B932996-E545-40E2-907E-DAFA7582B768}" type="presParOf" srcId="{6BE47F02-6BCF-4616-B4B7-667511BACADC}" destId="{AF04CE51-A133-40D1-88A0-811D3E451483}" srcOrd="0" destOrd="0" presId="urn:microsoft.com/office/officeart/2005/8/layout/chevron2"/>
+    <dgm:cxn modelId="{F7ECCD15-617E-45CB-B9B5-A5370284075E}" type="presParOf" srcId="{6BE47F02-6BCF-4616-B4B7-667511BACADC}" destId="{C570CA93-A6DA-4AEB-BE5C-5A1BB735436D}" srcOrd="1" destOrd="0" presId="urn:microsoft.com/office/officeart/2005/8/layout/chevron2"/>
+    <dgm:cxn modelId="{FD7B6850-4109-4649-8D32-6D65AECD837A}" type="presParOf" srcId="{4B466BBE-4978-4A61-869F-873CE52B5888}" destId="{32620A9A-8E3E-4148-ADEC-F9C5CC133612}" srcOrd="11" destOrd="0" presId="urn:microsoft.com/office/officeart/2005/8/layout/chevron2"/>
+    <dgm:cxn modelId="{B40021CA-3B4F-4E09-9D56-A4881F51AE02}" type="presParOf" srcId="{4B466BBE-4978-4A61-869F-873CE52B5888}" destId="{45B1531A-1DC7-4ABB-8E1E-0EDAF2230757}" srcOrd="12" destOrd="0" presId="urn:microsoft.com/office/officeart/2005/8/layout/chevron2"/>
+    <dgm:cxn modelId="{B1E1AB92-49E5-4FA7-B088-C4DB04F1827C}" type="presParOf" srcId="{45B1531A-1DC7-4ABB-8E1E-0EDAF2230757}" destId="{30D6CB60-1F11-4696-8A8E-B726FAC98CC2}" srcOrd="0" destOrd="0" presId="urn:microsoft.com/office/officeart/2005/8/layout/chevron2"/>
+    <dgm:cxn modelId="{B2D76CA9-8F0C-4828-8B06-CA05CA3CB890}" type="presParOf" srcId="{45B1531A-1DC7-4ABB-8E1E-0EDAF2230757}" destId="{D574FB3E-CE46-40FD-898C-D6F5D43620EA}" srcOrd="1" destOrd="0" presId="urn:microsoft.com/office/officeart/2005/8/layout/chevron2"/>
+    <dgm:cxn modelId="{E62D56D3-7950-413D-942A-D5D2F70BD830}" type="presParOf" srcId="{4B466BBE-4978-4A61-869F-873CE52B5888}" destId="{C81D755E-A8CD-48C5-A532-66976B182A45}" srcOrd="13" destOrd="0" presId="urn:microsoft.com/office/officeart/2005/8/layout/chevron2"/>
+    <dgm:cxn modelId="{39A48917-639E-425C-9FBF-B89B9CB55E57}" type="presParOf" srcId="{4B466BBE-4978-4A61-869F-873CE52B5888}" destId="{75885429-F435-4260-B061-E3222605F67C}" srcOrd="14" destOrd="0" presId="urn:microsoft.com/office/officeart/2005/8/layout/chevron2"/>
+    <dgm:cxn modelId="{0312C92E-3EA5-4B23-A59C-FBDCC53B8011}" type="presParOf" srcId="{75885429-F435-4260-B061-E3222605F67C}" destId="{D9930E57-9A0A-4432-9DE1-199E68A88956}" srcOrd="0" destOrd="0" presId="urn:microsoft.com/office/officeart/2005/8/layout/chevron2"/>
+    <dgm:cxn modelId="{9205B91F-6D6F-4A99-ABDF-904036DB42FF}" type="presParOf" srcId="{75885429-F435-4260-B061-E3222605F67C}" destId="{8809EBA4-1F1C-4730-A88A-38DAF50AFBC9}" srcOrd="1" destOrd="0" presId="urn:microsoft.com/office/officeart/2005/8/layout/chevron2"/>
+  </dgm:cxnLst>
+  <dgm:bg/>
+  <dgm:whole/>
+  <dgm:extLst>
+    <a:ext uri="http://schemas.microsoft.com/office/drawing/2008/diagram">
+      <dsp:dataModelExt xmlns:dsp="http://schemas.microsoft.com/office/drawing/2008/diagram" relId="rId6" minVer="http://schemas.openxmlformats.org/drawingml/2006/diagram"/>
     </a:ext>
   </dgm:extLst>
 </dgm:dataModel>
@@ -5341,6 +7339,1314 @@
 </dsp:drawing>
 </file>
 
+<file path=ppt/diagrams/drawing2.xml><?xml version="1.0" encoding="utf-8"?>
+<dsp:drawing xmlns:dgm="http://schemas.openxmlformats.org/drawingml/2006/diagram" xmlns:dsp="http://schemas.microsoft.com/office/drawing/2008/diagram" xmlns:a="http://schemas.openxmlformats.org/drawingml/2006/main">
+  <dsp:spTree>
+    <dsp:nvGrpSpPr>
+      <dsp:cNvPr id="0" name=""/>
+      <dsp:cNvGrpSpPr/>
+    </dsp:nvGrpSpPr>
+    <dsp:grpSpPr/>
+    <dsp:sp modelId="{AA1CF953-3253-466B-8025-832A4A28805A}">
+      <dsp:nvSpPr>
+        <dsp:cNvPr id="0" name=""/>
+        <dsp:cNvSpPr/>
+      </dsp:nvSpPr>
+      <dsp:spPr>
+        <a:xfrm rot="5400000">
+          <a:off x="-111125" y="113456"/>
+          <a:ext cx="740833" cy="518583"/>
+        </a:xfrm>
+        <a:prstGeom prst="chevron">
+          <a:avLst/>
+        </a:prstGeom>
+        <a:solidFill>
+          <a:schemeClr val="accent2">
+            <a:hueOff val="0"/>
+            <a:satOff val="0"/>
+            <a:lumOff val="0"/>
+            <a:alphaOff val="0"/>
+          </a:schemeClr>
+        </a:solidFill>
+        <a:ln w="15875" cap="rnd" cmpd="sng" algn="ctr">
+          <a:solidFill>
+            <a:schemeClr val="accent2">
+              <a:hueOff val="0"/>
+              <a:satOff val="0"/>
+              <a:lumOff val="0"/>
+              <a:alphaOff val="0"/>
+            </a:schemeClr>
+          </a:solidFill>
+          <a:prstDash val="solid"/>
+        </a:ln>
+        <a:effectLst/>
+      </dsp:spPr>
+      <dsp:style>
+        <a:lnRef idx="2">
+          <a:scrgbClr r="0" g="0" b="0"/>
+        </a:lnRef>
+        <a:fillRef idx="1">
+          <a:scrgbClr r="0" g="0" b="0"/>
+        </a:fillRef>
+        <a:effectRef idx="0">
+          <a:scrgbClr r="0" g="0" b="0"/>
+        </a:effectRef>
+        <a:fontRef idx="minor">
+          <a:schemeClr val="lt1"/>
+        </a:fontRef>
+      </dsp:style>
+      <dsp:txBody>
+        <a:bodyPr spcFirstLastPara="0" vert="horz" wrap="square" lIns="8890" tIns="8890" rIns="8890" bIns="8890" numCol="1" spcCol="1270" anchor="ctr" anchorCtr="0">
+          <a:noAutofit/>
+        </a:bodyPr>
+        <a:lstStyle/>
+        <a:p>
+          <a:pPr lvl="0" algn="ctr" defTabSz="622300">
+            <a:lnSpc>
+              <a:spcPct val="90000"/>
+            </a:lnSpc>
+            <a:spcBef>
+              <a:spcPct val="0"/>
+            </a:spcBef>
+            <a:spcAft>
+              <a:spcPct val="35000"/>
+            </a:spcAft>
+          </a:pPr>
+          <a:r>
+            <a:rPr lang="en-US" sz="1400" kern="1200" dirty="0" smtClean="0">
+              <a:cs typeface="B Nazanin" panose="00000400000000000000" pitchFamily="2" charset="-78"/>
+            </a:rPr>
+            <a:t>1</a:t>
+          </a:r>
+          <a:endParaRPr lang="en-US" sz="1400" kern="1200" dirty="0">
+            <a:cs typeface="B Nazanin" panose="00000400000000000000" pitchFamily="2" charset="-78"/>
+          </a:endParaRPr>
+        </a:p>
+      </dsp:txBody>
+      <dsp:txXfrm rot="-5400000">
+        <a:off x="1" y="261623"/>
+        <a:ext cx="518583" cy="222250"/>
+      </dsp:txXfrm>
+    </dsp:sp>
+    <dsp:sp modelId="{40F29E48-9DB1-4135-8DDD-4A38A5AD60DA}">
+      <dsp:nvSpPr>
+        <dsp:cNvPr id="0" name=""/>
+        <dsp:cNvSpPr/>
+      </dsp:nvSpPr>
+      <dsp:spPr>
+        <a:xfrm rot="5400000">
+          <a:off x="2280193" y="-1761610"/>
+          <a:ext cx="481541" cy="4004762"/>
+        </a:xfrm>
+        <a:prstGeom prst="round2SameRect">
+          <a:avLst/>
+        </a:prstGeom>
+        <a:solidFill>
+          <a:schemeClr val="lt1">
+            <a:alpha val="90000"/>
+            <a:hueOff val="0"/>
+            <a:satOff val="0"/>
+            <a:lumOff val="0"/>
+            <a:alphaOff val="0"/>
+          </a:schemeClr>
+        </a:solidFill>
+        <a:ln w="15875" cap="rnd" cmpd="sng" algn="ctr">
+          <a:solidFill>
+            <a:schemeClr val="accent2">
+              <a:hueOff val="0"/>
+              <a:satOff val="0"/>
+              <a:lumOff val="0"/>
+              <a:alphaOff val="0"/>
+            </a:schemeClr>
+          </a:solidFill>
+          <a:prstDash val="solid"/>
+        </a:ln>
+        <a:effectLst/>
+      </dsp:spPr>
+      <dsp:style>
+        <a:lnRef idx="2">
+          <a:scrgbClr r="0" g="0" b="0"/>
+        </a:lnRef>
+        <a:fillRef idx="1">
+          <a:scrgbClr r="0" g="0" b="0"/>
+        </a:fillRef>
+        <a:effectRef idx="0">
+          <a:scrgbClr r="0" g="0" b="0"/>
+        </a:effectRef>
+        <a:fontRef idx="minor"/>
+      </dsp:style>
+      <dsp:txBody>
+        <a:bodyPr spcFirstLastPara="0" vert="horz" wrap="square" lIns="156464" tIns="13970" rIns="13970" bIns="13970" numCol="1" spcCol="1270" anchor="ctr" anchorCtr="0">
+          <a:noAutofit/>
+        </a:bodyPr>
+        <a:lstStyle/>
+        <a:p>
+          <a:pPr marL="228600" lvl="1" indent="-228600" algn="r" defTabSz="977900" rtl="1">
+            <a:lnSpc>
+              <a:spcPct val="90000"/>
+            </a:lnSpc>
+            <a:spcBef>
+              <a:spcPct val="0"/>
+            </a:spcBef>
+            <a:spcAft>
+              <a:spcPct val="15000"/>
+            </a:spcAft>
+            <a:buChar char="••"/>
+          </a:pPr>
+          <a:r>
+            <a:rPr lang="fa-IR" sz="2200" kern="1200" dirty="0" smtClean="0">
+              <a:cs typeface="B Nazanin" panose="00000400000000000000" pitchFamily="2" charset="-78"/>
+            </a:rPr>
+            <a:t>حذف جملات معترضه و قیودات</a:t>
+          </a:r>
+          <a:endParaRPr lang="en-US" sz="2200" kern="1200" dirty="0">
+            <a:cs typeface="B Nazanin" panose="00000400000000000000" pitchFamily="2" charset="-78"/>
+          </a:endParaRPr>
+        </a:p>
+      </dsp:txBody>
+      <dsp:txXfrm rot="-5400000">
+        <a:off x="518583" y="23507"/>
+        <a:ext cx="3981255" cy="434527"/>
+      </dsp:txXfrm>
+    </dsp:sp>
+    <dsp:sp modelId="{8FA4F64E-DC20-4F02-9B25-46F9F9262634}">
+      <dsp:nvSpPr>
+        <dsp:cNvPr id="0" name=""/>
+        <dsp:cNvSpPr/>
+      </dsp:nvSpPr>
+      <dsp:spPr>
+        <a:xfrm rot="5400000">
+          <a:off x="-111125" y="781052"/>
+          <a:ext cx="740833" cy="518583"/>
+        </a:xfrm>
+        <a:prstGeom prst="chevron">
+          <a:avLst/>
+        </a:prstGeom>
+        <a:solidFill>
+          <a:schemeClr val="accent3">
+            <a:hueOff val="0"/>
+            <a:satOff val="0"/>
+            <a:lumOff val="0"/>
+            <a:alphaOff val="0"/>
+          </a:schemeClr>
+        </a:solidFill>
+        <a:ln w="15875" cap="rnd" cmpd="sng" algn="ctr">
+          <a:solidFill>
+            <a:schemeClr val="accent3">
+              <a:hueOff val="0"/>
+              <a:satOff val="0"/>
+              <a:lumOff val="0"/>
+              <a:alphaOff val="0"/>
+            </a:schemeClr>
+          </a:solidFill>
+          <a:prstDash val="solid"/>
+        </a:ln>
+        <a:effectLst/>
+      </dsp:spPr>
+      <dsp:style>
+        <a:lnRef idx="2">
+          <a:scrgbClr r="0" g="0" b="0"/>
+        </a:lnRef>
+        <a:fillRef idx="1">
+          <a:scrgbClr r="0" g="0" b="0"/>
+        </a:fillRef>
+        <a:effectRef idx="0">
+          <a:scrgbClr r="0" g="0" b="0"/>
+        </a:effectRef>
+        <a:fontRef idx="minor">
+          <a:schemeClr val="lt1"/>
+        </a:fontRef>
+      </dsp:style>
+      <dsp:txBody>
+        <a:bodyPr spcFirstLastPara="0" vert="horz" wrap="square" lIns="8890" tIns="8890" rIns="8890" bIns="8890" numCol="1" spcCol="1270" anchor="ctr" anchorCtr="0">
+          <a:noAutofit/>
+        </a:bodyPr>
+        <a:lstStyle/>
+        <a:p>
+          <a:pPr lvl="0" algn="ctr" defTabSz="622300">
+            <a:lnSpc>
+              <a:spcPct val="90000"/>
+            </a:lnSpc>
+            <a:spcBef>
+              <a:spcPct val="0"/>
+            </a:spcBef>
+            <a:spcAft>
+              <a:spcPct val="35000"/>
+            </a:spcAft>
+          </a:pPr>
+          <a:r>
+            <a:rPr lang="en-US" sz="1400" kern="1200" dirty="0" smtClean="0">
+              <a:cs typeface="B Nazanin" panose="00000400000000000000" pitchFamily="2" charset="-78"/>
+            </a:rPr>
+            <a:t>2</a:t>
+          </a:r>
+          <a:endParaRPr lang="en-US" sz="1400" kern="1200" dirty="0">
+            <a:cs typeface="B Nazanin" panose="00000400000000000000" pitchFamily="2" charset="-78"/>
+          </a:endParaRPr>
+        </a:p>
+      </dsp:txBody>
+      <dsp:txXfrm rot="-5400000">
+        <a:off x="1" y="929219"/>
+        <a:ext cx="518583" cy="222250"/>
+      </dsp:txXfrm>
+    </dsp:sp>
+    <dsp:sp modelId="{32AFF5C7-F31F-45A2-9DB1-B2514219A698}">
+      <dsp:nvSpPr>
+        <dsp:cNvPr id="0" name=""/>
+        <dsp:cNvSpPr/>
+      </dsp:nvSpPr>
+      <dsp:spPr>
+        <a:xfrm rot="5400000">
+          <a:off x="2280193" y="-1091683"/>
+          <a:ext cx="481541" cy="4004762"/>
+        </a:xfrm>
+        <a:prstGeom prst="round2SameRect">
+          <a:avLst/>
+        </a:prstGeom>
+        <a:solidFill>
+          <a:schemeClr val="lt1">
+            <a:alpha val="90000"/>
+            <a:hueOff val="0"/>
+            <a:satOff val="0"/>
+            <a:lumOff val="0"/>
+            <a:alphaOff val="0"/>
+          </a:schemeClr>
+        </a:solidFill>
+        <a:ln w="15875" cap="rnd" cmpd="sng" algn="ctr">
+          <a:solidFill>
+            <a:schemeClr val="accent3">
+              <a:hueOff val="0"/>
+              <a:satOff val="0"/>
+              <a:lumOff val="0"/>
+              <a:alphaOff val="0"/>
+            </a:schemeClr>
+          </a:solidFill>
+          <a:prstDash val="solid"/>
+        </a:ln>
+        <a:effectLst/>
+      </dsp:spPr>
+      <dsp:style>
+        <a:lnRef idx="2">
+          <a:scrgbClr r="0" g="0" b="0"/>
+        </a:lnRef>
+        <a:fillRef idx="1">
+          <a:scrgbClr r="0" g="0" b="0"/>
+        </a:fillRef>
+        <a:effectRef idx="0">
+          <a:scrgbClr r="0" g="0" b="0"/>
+        </a:effectRef>
+        <a:fontRef idx="minor"/>
+      </dsp:style>
+      <dsp:txBody>
+        <a:bodyPr spcFirstLastPara="0" vert="horz" wrap="square" lIns="156464" tIns="13970" rIns="13970" bIns="13970" numCol="1" spcCol="1270" anchor="ctr" anchorCtr="0">
+          <a:noAutofit/>
+        </a:bodyPr>
+        <a:lstStyle/>
+        <a:p>
+          <a:pPr marL="228600" lvl="1" indent="-228600" algn="r" defTabSz="977900" rtl="1">
+            <a:lnSpc>
+              <a:spcPct val="90000"/>
+            </a:lnSpc>
+            <a:spcBef>
+              <a:spcPct val="0"/>
+            </a:spcBef>
+            <a:spcAft>
+              <a:spcPct val="15000"/>
+            </a:spcAft>
+            <a:buChar char="••"/>
+          </a:pPr>
+          <a:r>
+            <a:rPr lang="fa-IR" sz="2200" kern="1200" dirty="0" smtClean="0">
+              <a:cs typeface="B Nazanin" panose="00000400000000000000" pitchFamily="2" charset="-78"/>
+            </a:rPr>
+            <a:t>حذف استلزامات از جمله</a:t>
+          </a:r>
+          <a:endParaRPr lang="en-US" sz="2200" kern="1200" dirty="0">
+            <a:cs typeface="B Nazanin" panose="00000400000000000000" pitchFamily="2" charset="-78"/>
+          </a:endParaRPr>
+        </a:p>
+      </dsp:txBody>
+      <dsp:txXfrm rot="-5400000">
+        <a:off x="518583" y="693434"/>
+        <a:ext cx="3981255" cy="434527"/>
+      </dsp:txXfrm>
+    </dsp:sp>
+    <dsp:sp modelId="{B3110918-3EBA-403C-B2D9-4C62D47D382F}">
+      <dsp:nvSpPr>
+        <dsp:cNvPr id="0" name=""/>
+        <dsp:cNvSpPr/>
+      </dsp:nvSpPr>
+      <dsp:spPr>
+        <a:xfrm rot="5400000">
+          <a:off x="-111125" y="1448647"/>
+          <a:ext cx="740833" cy="518583"/>
+        </a:xfrm>
+        <a:prstGeom prst="chevron">
+          <a:avLst/>
+        </a:prstGeom>
+        <a:solidFill>
+          <a:schemeClr val="accent4">
+            <a:hueOff val="0"/>
+            <a:satOff val="0"/>
+            <a:lumOff val="0"/>
+            <a:alphaOff val="0"/>
+          </a:schemeClr>
+        </a:solidFill>
+        <a:ln w="15875" cap="rnd" cmpd="sng" algn="ctr">
+          <a:solidFill>
+            <a:schemeClr val="accent4">
+              <a:hueOff val="0"/>
+              <a:satOff val="0"/>
+              <a:lumOff val="0"/>
+              <a:alphaOff val="0"/>
+            </a:schemeClr>
+          </a:solidFill>
+          <a:prstDash val="solid"/>
+        </a:ln>
+        <a:effectLst/>
+      </dsp:spPr>
+      <dsp:style>
+        <a:lnRef idx="2">
+          <a:scrgbClr r="0" g="0" b="0"/>
+        </a:lnRef>
+        <a:fillRef idx="1">
+          <a:scrgbClr r="0" g="0" b="0"/>
+        </a:fillRef>
+        <a:effectRef idx="0">
+          <a:scrgbClr r="0" g="0" b="0"/>
+        </a:effectRef>
+        <a:fontRef idx="minor">
+          <a:schemeClr val="lt1"/>
+        </a:fontRef>
+      </dsp:style>
+      <dsp:txBody>
+        <a:bodyPr spcFirstLastPara="0" vert="horz" wrap="square" lIns="8890" tIns="8890" rIns="8890" bIns="8890" numCol="1" spcCol="1270" anchor="ctr" anchorCtr="0">
+          <a:noAutofit/>
+        </a:bodyPr>
+        <a:lstStyle/>
+        <a:p>
+          <a:pPr lvl="0" algn="ctr" defTabSz="622300">
+            <a:lnSpc>
+              <a:spcPct val="90000"/>
+            </a:lnSpc>
+            <a:spcBef>
+              <a:spcPct val="0"/>
+            </a:spcBef>
+            <a:spcAft>
+              <a:spcPct val="35000"/>
+            </a:spcAft>
+          </a:pPr>
+          <a:r>
+            <a:rPr lang="en-US" sz="1400" kern="1200" dirty="0" smtClean="0">
+              <a:cs typeface="B Nazanin" panose="00000400000000000000" pitchFamily="2" charset="-78"/>
+            </a:rPr>
+            <a:t>3</a:t>
+          </a:r>
+          <a:endParaRPr lang="en-US" sz="1400" kern="1200" dirty="0">
+            <a:cs typeface="B Nazanin" panose="00000400000000000000" pitchFamily="2" charset="-78"/>
+          </a:endParaRPr>
+        </a:p>
+      </dsp:txBody>
+      <dsp:txXfrm rot="-5400000">
+        <a:off x="1" y="1596814"/>
+        <a:ext cx="518583" cy="222250"/>
+      </dsp:txXfrm>
+    </dsp:sp>
+    <dsp:sp modelId="{B5C7A154-46D4-43AB-B06A-26B06AA5E9B3}">
+      <dsp:nvSpPr>
+        <dsp:cNvPr id="0" name=""/>
+        <dsp:cNvSpPr/>
+      </dsp:nvSpPr>
+      <dsp:spPr>
+        <a:xfrm rot="5400000">
+          <a:off x="2280193" y="-424087"/>
+          <a:ext cx="481541" cy="4004762"/>
+        </a:xfrm>
+        <a:prstGeom prst="round2SameRect">
+          <a:avLst/>
+        </a:prstGeom>
+        <a:solidFill>
+          <a:schemeClr val="lt1">
+            <a:alpha val="90000"/>
+            <a:hueOff val="0"/>
+            <a:satOff val="0"/>
+            <a:lumOff val="0"/>
+            <a:alphaOff val="0"/>
+          </a:schemeClr>
+        </a:solidFill>
+        <a:ln w="15875" cap="rnd" cmpd="sng" algn="ctr">
+          <a:solidFill>
+            <a:schemeClr val="accent4">
+              <a:hueOff val="0"/>
+              <a:satOff val="0"/>
+              <a:lumOff val="0"/>
+              <a:alphaOff val="0"/>
+            </a:schemeClr>
+          </a:solidFill>
+          <a:prstDash val="solid"/>
+        </a:ln>
+        <a:effectLst/>
+      </dsp:spPr>
+      <dsp:style>
+        <a:lnRef idx="2">
+          <a:scrgbClr r="0" g="0" b="0"/>
+        </a:lnRef>
+        <a:fillRef idx="1">
+          <a:scrgbClr r="0" g="0" b="0"/>
+        </a:fillRef>
+        <a:effectRef idx="0">
+          <a:scrgbClr r="0" g="0" b="0"/>
+        </a:effectRef>
+        <a:fontRef idx="minor"/>
+      </dsp:style>
+      <dsp:txBody>
+        <a:bodyPr spcFirstLastPara="0" vert="horz" wrap="square" lIns="156464" tIns="13970" rIns="13970" bIns="13970" numCol="1" spcCol="1270" anchor="ctr" anchorCtr="0">
+          <a:noAutofit/>
+        </a:bodyPr>
+        <a:lstStyle/>
+        <a:p>
+          <a:pPr marL="228600" lvl="1" indent="-228600" algn="r" defTabSz="977900" rtl="1">
+            <a:lnSpc>
+              <a:spcPct val="90000"/>
+            </a:lnSpc>
+            <a:spcBef>
+              <a:spcPct val="0"/>
+            </a:spcBef>
+            <a:spcAft>
+              <a:spcPct val="15000"/>
+            </a:spcAft>
+            <a:buChar char="••"/>
+          </a:pPr>
+          <a:r>
+            <a:rPr lang="fa-IR" sz="2200" kern="1200" dirty="0" smtClean="0">
+              <a:cs typeface="B Nazanin" panose="00000400000000000000" pitchFamily="2" charset="-78"/>
+            </a:rPr>
+            <a:t>یافتن قالب جمله</a:t>
+          </a:r>
+          <a:endParaRPr lang="en-US" sz="2200" kern="1200" dirty="0">
+            <a:cs typeface="B Nazanin" panose="00000400000000000000" pitchFamily="2" charset="-78"/>
+          </a:endParaRPr>
+        </a:p>
+      </dsp:txBody>
+      <dsp:txXfrm rot="-5400000">
+        <a:off x="518583" y="1361030"/>
+        <a:ext cx="3981255" cy="434527"/>
+      </dsp:txXfrm>
+    </dsp:sp>
+    <dsp:sp modelId="{935EA921-E45D-4CEE-8832-FF1EFDBA722C}">
+      <dsp:nvSpPr>
+        <dsp:cNvPr id="0" name=""/>
+        <dsp:cNvSpPr/>
+      </dsp:nvSpPr>
+      <dsp:spPr>
+        <a:xfrm rot="5400000">
+          <a:off x="-111125" y="2116243"/>
+          <a:ext cx="740833" cy="518583"/>
+        </a:xfrm>
+        <a:prstGeom prst="chevron">
+          <a:avLst/>
+        </a:prstGeom>
+        <a:solidFill>
+          <a:schemeClr val="accent5">
+            <a:hueOff val="0"/>
+            <a:satOff val="0"/>
+            <a:lumOff val="0"/>
+            <a:alphaOff val="0"/>
+          </a:schemeClr>
+        </a:solidFill>
+        <a:ln w="15875" cap="rnd" cmpd="sng" algn="ctr">
+          <a:solidFill>
+            <a:schemeClr val="accent5">
+              <a:hueOff val="0"/>
+              <a:satOff val="0"/>
+              <a:lumOff val="0"/>
+              <a:alphaOff val="0"/>
+            </a:schemeClr>
+          </a:solidFill>
+          <a:prstDash val="solid"/>
+        </a:ln>
+        <a:effectLst/>
+      </dsp:spPr>
+      <dsp:style>
+        <a:lnRef idx="2">
+          <a:scrgbClr r="0" g="0" b="0"/>
+        </a:lnRef>
+        <a:fillRef idx="1">
+          <a:scrgbClr r="0" g="0" b="0"/>
+        </a:fillRef>
+        <a:effectRef idx="0">
+          <a:scrgbClr r="0" g="0" b="0"/>
+        </a:effectRef>
+        <a:fontRef idx="minor">
+          <a:schemeClr val="lt1"/>
+        </a:fontRef>
+      </dsp:style>
+      <dsp:txBody>
+        <a:bodyPr spcFirstLastPara="0" vert="horz" wrap="square" lIns="8890" tIns="8890" rIns="8890" bIns="8890" numCol="1" spcCol="1270" anchor="ctr" anchorCtr="0">
+          <a:noAutofit/>
+        </a:bodyPr>
+        <a:lstStyle/>
+        <a:p>
+          <a:pPr lvl="0" algn="ctr" defTabSz="622300">
+            <a:lnSpc>
+              <a:spcPct val="90000"/>
+            </a:lnSpc>
+            <a:spcBef>
+              <a:spcPct val="0"/>
+            </a:spcBef>
+            <a:spcAft>
+              <a:spcPct val="35000"/>
+            </a:spcAft>
+          </a:pPr>
+          <a:r>
+            <a:rPr lang="en-US" sz="1400" kern="1200" dirty="0" smtClean="0">
+              <a:cs typeface="B Nazanin" panose="00000400000000000000" pitchFamily="2" charset="-78"/>
+            </a:rPr>
+            <a:t>4</a:t>
+          </a:r>
+          <a:endParaRPr lang="en-US" sz="1400" kern="1200" dirty="0">
+            <a:cs typeface="B Nazanin" panose="00000400000000000000" pitchFamily="2" charset="-78"/>
+          </a:endParaRPr>
+        </a:p>
+      </dsp:txBody>
+      <dsp:txXfrm rot="-5400000">
+        <a:off x="1" y="2264410"/>
+        <a:ext cx="518583" cy="222250"/>
+      </dsp:txXfrm>
+    </dsp:sp>
+    <dsp:sp modelId="{1ED41DB1-A08E-44B2-83D0-FD43440852F1}">
+      <dsp:nvSpPr>
+        <dsp:cNvPr id="0" name=""/>
+        <dsp:cNvSpPr/>
+      </dsp:nvSpPr>
+      <dsp:spPr>
+        <a:xfrm rot="5400000">
+          <a:off x="2280193" y="243508"/>
+          <a:ext cx="481541" cy="4004762"/>
+        </a:xfrm>
+        <a:prstGeom prst="round2SameRect">
+          <a:avLst/>
+        </a:prstGeom>
+        <a:solidFill>
+          <a:schemeClr val="lt1">
+            <a:alpha val="90000"/>
+            <a:hueOff val="0"/>
+            <a:satOff val="0"/>
+            <a:lumOff val="0"/>
+            <a:alphaOff val="0"/>
+          </a:schemeClr>
+        </a:solidFill>
+        <a:ln w="15875" cap="rnd" cmpd="sng" algn="ctr">
+          <a:solidFill>
+            <a:schemeClr val="accent5">
+              <a:hueOff val="0"/>
+              <a:satOff val="0"/>
+              <a:lumOff val="0"/>
+              <a:alphaOff val="0"/>
+            </a:schemeClr>
+          </a:solidFill>
+          <a:prstDash val="solid"/>
+        </a:ln>
+        <a:effectLst/>
+      </dsp:spPr>
+      <dsp:style>
+        <a:lnRef idx="2">
+          <a:scrgbClr r="0" g="0" b="0"/>
+        </a:lnRef>
+        <a:fillRef idx="1">
+          <a:scrgbClr r="0" g="0" b="0"/>
+        </a:fillRef>
+        <a:effectRef idx="0">
+          <a:scrgbClr r="0" g="0" b="0"/>
+        </a:effectRef>
+        <a:fontRef idx="minor"/>
+      </dsp:style>
+      <dsp:txBody>
+        <a:bodyPr spcFirstLastPara="0" vert="horz" wrap="square" lIns="156464" tIns="13970" rIns="13970" bIns="13970" numCol="1" spcCol="1270" anchor="ctr" anchorCtr="0">
+          <a:noAutofit/>
+        </a:bodyPr>
+        <a:lstStyle/>
+        <a:p>
+          <a:pPr marL="228600" lvl="1" indent="-228600" algn="r" defTabSz="977900" rtl="1">
+            <a:lnSpc>
+              <a:spcPct val="90000"/>
+            </a:lnSpc>
+            <a:spcBef>
+              <a:spcPct val="0"/>
+            </a:spcBef>
+            <a:spcAft>
+              <a:spcPct val="15000"/>
+            </a:spcAft>
+            <a:buChar char="••"/>
+          </a:pPr>
+          <a:r>
+            <a:rPr lang="fa-IR" sz="2200" kern="1200" dirty="0" smtClean="0">
+              <a:cs typeface="B Nazanin" panose="00000400000000000000" pitchFamily="2" charset="-78"/>
+            </a:rPr>
+            <a:t>استخراج روابط با داشتن قالب</a:t>
+          </a:r>
+          <a:endParaRPr lang="en-US" sz="2200" kern="1200" dirty="0">
+            <a:cs typeface="B Nazanin" panose="00000400000000000000" pitchFamily="2" charset="-78"/>
+          </a:endParaRPr>
+        </a:p>
+      </dsp:txBody>
+      <dsp:txXfrm rot="-5400000">
+        <a:off x="518583" y="2028626"/>
+        <a:ext cx="3981255" cy="434527"/>
+      </dsp:txXfrm>
+    </dsp:sp>
+    <dsp:sp modelId="{4400C8F8-8EC5-485B-B134-8973E08CA1AB}">
+      <dsp:nvSpPr>
+        <dsp:cNvPr id="0" name=""/>
+        <dsp:cNvSpPr/>
+      </dsp:nvSpPr>
+      <dsp:spPr>
+        <a:xfrm rot="5400000">
+          <a:off x="-111125" y="2783839"/>
+          <a:ext cx="740833" cy="518583"/>
+        </a:xfrm>
+        <a:prstGeom prst="chevron">
+          <a:avLst/>
+        </a:prstGeom>
+        <a:solidFill>
+          <a:schemeClr val="accent6">
+            <a:hueOff val="0"/>
+            <a:satOff val="0"/>
+            <a:lumOff val="0"/>
+            <a:alphaOff val="0"/>
+          </a:schemeClr>
+        </a:solidFill>
+        <a:ln w="15875" cap="rnd" cmpd="sng" algn="ctr">
+          <a:solidFill>
+            <a:schemeClr val="accent6">
+              <a:hueOff val="0"/>
+              <a:satOff val="0"/>
+              <a:lumOff val="0"/>
+              <a:alphaOff val="0"/>
+            </a:schemeClr>
+          </a:solidFill>
+          <a:prstDash val="solid"/>
+        </a:ln>
+        <a:effectLst/>
+      </dsp:spPr>
+      <dsp:style>
+        <a:lnRef idx="2">
+          <a:scrgbClr r="0" g="0" b="0"/>
+        </a:lnRef>
+        <a:fillRef idx="1">
+          <a:scrgbClr r="0" g="0" b="0"/>
+        </a:fillRef>
+        <a:effectRef idx="0">
+          <a:scrgbClr r="0" g="0" b="0"/>
+        </a:effectRef>
+        <a:fontRef idx="minor">
+          <a:schemeClr val="lt1"/>
+        </a:fontRef>
+      </dsp:style>
+      <dsp:txBody>
+        <a:bodyPr spcFirstLastPara="0" vert="horz" wrap="square" lIns="8890" tIns="8890" rIns="8890" bIns="8890" numCol="1" spcCol="1270" anchor="ctr" anchorCtr="0">
+          <a:noAutofit/>
+        </a:bodyPr>
+        <a:lstStyle/>
+        <a:p>
+          <a:pPr lvl="0" algn="ctr" defTabSz="622300">
+            <a:lnSpc>
+              <a:spcPct val="90000"/>
+            </a:lnSpc>
+            <a:spcBef>
+              <a:spcPct val="0"/>
+            </a:spcBef>
+            <a:spcAft>
+              <a:spcPct val="35000"/>
+            </a:spcAft>
+          </a:pPr>
+          <a:r>
+            <a:rPr lang="en-US" sz="1400" kern="1200" dirty="0" smtClean="0">
+              <a:cs typeface="B Nazanin" panose="00000400000000000000" pitchFamily="2" charset="-78"/>
+            </a:rPr>
+            <a:t>5</a:t>
+          </a:r>
+          <a:endParaRPr lang="en-US" sz="1400" kern="1200" dirty="0">
+            <a:cs typeface="B Nazanin" panose="00000400000000000000" pitchFamily="2" charset="-78"/>
+          </a:endParaRPr>
+        </a:p>
+      </dsp:txBody>
+      <dsp:txXfrm rot="-5400000">
+        <a:off x="1" y="2932006"/>
+        <a:ext cx="518583" cy="222250"/>
+      </dsp:txXfrm>
+    </dsp:sp>
+    <dsp:sp modelId="{88F270B4-0420-4E01-9E55-7B3B9CAC7FC1}">
+      <dsp:nvSpPr>
+        <dsp:cNvPr id="0" name=""/>
+        <dsp:cNvSpPr/>
+      </dsp:nvSpPr>
+      <dsp:spPr>
+        <a:xfrm rot="5400000">
+          <a:off x="2280193" y="911104"/>
+          <a:ext cx="481541" cy="4004762"/>
+        </a:xfrm>
+        <a:prstGeom prst="round2SameRect">
+          <a:avLst/>
+        </a:prstGeom>
+        <a:solidFill>
+          <a:schemeClr val="lt1">
+            <a:alpha val="90000"/>
+            <a:hueOff val="0"/>
+            <a:satOff val="0"/>
+            <a:lumOff val="0"/>
+            <a:alphaOff val="0"/>
+          </a:schemeClr>
+        </a:solidFill>
+        <a:ln w="15875" cap="rnd" cmpd="sng" algn="ctr">
+          <a:solidFill>
+            <a:schemeClr val="accent6">
+              <a:hueOff val="0"/>
+              <a:satOff val="0"/>
+              <a:lumOff val="0"/>
+              <a:alphaOff val="0"/>
+            </a:schemeClr>
+          </a:solidFill>
+          <a:prstDash val="solid"/>
+        </a:ln>
+        <a:effectLst/>
+      </dsp:spPr>
+      <dsp:style>
+        <a:lnRef idx="2">
+          <a:scrgbClr r="0" g="0" b="0"/>
+        </a:lnRef>
+        <a:fillRef idx="1">
+          <a:scrgbClr r="0" g="0" b="0"/>
+        </a:fillRef>
+        <a:effectRef idx="0">
+          <a:scrgbClr r="0" g="0" b="0"/>
+        </a:effectRef>
+        <a:fontRef idx="minor"/>
+      </dsp:style>
+      <dsp:txBody>
+        <a:bodyPr spcFirstLastPara="0" vert="horz" wrap="square" lIns="156464" tIns="13970" rIns="13970" bIns="13970" numCol="1" spcCol="1270" anchor="ctr" anchorCtr="0">
+          <a:noAutofit/>
+        </a:bodyPr>
+        <a:lstStyle/>
+        <a:p>
+          <a:pPr marL="228600" lvl="1" indent="-228600" algn="r" defTabSz="977900" rtl="1">
+            <a:lnSpc>
+              <a:spcPct val="90000"/>
+            </a:lnSpc>
+            <a:spcBef>
+              <a:spcPct val="0"/>
+            </a:spcBef>
+            <a:spcAft>
+              <a:spcPct val="15000"/>
+            </a:spcAft>
+            <a:buChar char="••"/>
+          </a:pPr>
+          <a:r>
+            <a:rPr lang="fa-IR" sz="2200" kern="1200" dirty="0" smtClean="0">
+              <a:cs typeface="B Nazanin" panose="00000400000000000000" pitchFamily="2" charset="-78"/>
+            </a:rPr>
+            <a:t>افزودن استلزامات به جمله</a:t>
+          </a:r>
+          <a:endParaRPr lang="en-US" sz="2200" kern="1200" dirty="0">
+            <a:cs typeface="B Nazanin" panose="00000400000000000000" pitchFamily="2" charset="-78"/>
+          </a:endParaRPr>
+        </a:p>
+      </dsp:txBody>
+      <dsp:txXfrm rot="-5400000">
+        <a:off x="518583" y="2696222"/>
+        <a:ext cx="3981255" cy="434527"/>
+      </dsp:txXfrm>
+    </dsp:sp>
+    <dsp:sp modelId="{AF04CE51-A133-40D1-88A0-811D3E451483}">
+      <dsp:nvSpPr>
+        <dsp:cNvPr id="0" name=""/>
+        <dsp:cNvSpPr/>
+      </dsp:nvSpPr>
+      <dsp:spPr>
+        <a:xfrm rot="5400000">
+          <a:off x="-111125" y="3451435"/>
+          <a:ext cx="740833" cy="518583"/>
+        </a:xfrm>
+        <a:prstGeom prst="chevron">
+          <a:avLst/>
+        </a:prstGeom>
+        <a:solidFill>
+          <a:schemeClr val="accent2">
+            <a:hueOff val="0"/>
+            <a:satOff val="0"/>
+            <a:lumOff val="0"/>
+            <a:alphaOff val="0"/>
+          </a:schemeClr>
+        </a:solidFill>
+        <a:ln w="15875" cap="rnd" cmpd="sng" algn="ctr">
+          <a:solidFill>
+            <a:schemeClr val="accent2">
+              <a:hueOff val="0"/>
+              <a:satOff val="0"/>
+              <a:lumOff val="0"/>
+              <a:alphaOff val="0"/>
+            </a:schemeClr>
+          </a:solidFill>
+          <a:prstDash val="solid"/>
+        </a:ln>
+        <a:effectLst/>
+      </dsp:spPr>
+      <dsp:style>
+        <a:lnRef idx="2">
+          <a:scrgbClr r="0" g="0" b="0"/>
+        </a:lnRef>
+        <a:fillRef idx="1">
+          <a:scrgbClr r="0" g="0" b="0"/>
+        </a:fillRef>
+        <a:effectRef idx="0">
+          <a:scrgbClr r="0" g="0" b="0"/>
+        </a:effectRef>
+        <a:fontRef idx="minor">
+          <a:schemeClr val="lt1"/>
+        </a:fontRef>
+      </dsp:style>
+      <dsp:txBody>
+        <a:bodyPr spcFirstLastPara="0" vert="horz" wrap="square" lIns="8890" tIns="8890" rIns="8890" bIns="8890" numCol="1" spcCol="1270" anchor="ctr" anchorCtr="0">
+          <a:noAutofit/>
+        </a:bodyPr>
+        <a:lstStyle/>
+        <a:p>
+          <a:pPr lvl="0" algn="ctr" defTabSz="622300">
+            <a:lnSpc>
+              <a:spcPct val="90000"/>
+            </a:lnSpc>
+            <a:spcBef>
+              <a:spcPct val="0"/>
+            </a:spcBef>
+            <a:spcAft>
+              <a:spcPct val="35000"/>
+            </a:spcAft>
+          </a:pPr>
+          <a:r>
+            <a:rPr lang="en-US" sz="1400" kern="1200" dirty="0" smtClean="0">
+              <a:cs typeface="B Nazanin" panose="00000400000000000000" pitchFamily="2" charset="-78"/>
+            </a:rPr>
+            <a:t>6</a:t>
+          </a:r>
+          <a:endParaRPr lang="en-US" sz="1400" kern="1200" dirty="0">
+            <a:cs typeface="B Nazanin" panose="00000400000000000000" pitchFamily="2" charset="-78"/>
+          </a:endParaRPr>
+        </a:p>
+      </dsp:txBody>
+      <dsp:txXfrm rot="-5400000">
+        <a:off x="1" y="3599602"/>
+        <a:ext cx="518583" cy="222250"/>
+      </dsp:txXfrm>
+    </dsp:sp>
+    <dsp:sp modelId="{C570CA93-A6DA-4AEB-BE5C-5A1BB735436D}">
+      <dsp:nvSpPr>
+        <dsp:cNvPr id="0" name=""/>
+        <dsp:cNvSpPr/>
+      </dsp:nvSpPr>
+      <dsp:spPr>
+        <a:xfrm rot="5400000">
+          <a:off x="2280193" y="1578700"/>
+          <a:ext cx="481541" cy="4004762"/>
+        </a:xfrm>
+        <a:prstGeom prst="round2SameRect">
+          <a:avLst/>
+        </a:prstGeom>
+        <a:solidFill>
+          <a:schemeClr val="lt1">
+            <a:alpha val="90000"/>
+            <a:hueOff val="0"/>
+            <a:satOff val="0"/>
+            <a:lumOff val="0"/>
+            <a:alphaOff val="0"/>
+          </a:schemeClr>
+        </a:solidFill>
+        <a:ln w="15875" cap="rnd" cmpd="sng" algn="ctr">
+          <a:solidFill>
+            <a:schemeClr val="accent2">
+              <a:hueOff val="0"/>
+              <a:satOff val="0"/>
+              <a:lumOff val="0"/>
+              <a:alphaOff val="0"/>
+            </a:schemeClr>
+          </a:solidFill>
+          <a:prstDash val="solid"/>
+        </a:ln>
+        <a:effectLst/>
+      </dsp:spPr>
+      <dsp:style>
+        <a:lnRef idx="2">
+          <a:scrgbClr r="0" g="0" b="0"/>
+        </a:lnRef>
+        <a:fillRef idx="1">
+          <a:scrgbClr r="0" g="0" b="0"/>
+        </a:fillRef>
+        <a:effectRef idx="0">
+          <a:scrgbClr r="0" g="0" b="0"/>
+        </a:effectRef>
+        <a:fontRef idx="minor"/>
+      </dsp:style>
+      <dsp:txBody>
+        <a:bodyPr spcFirstLastPara="0" vert="horz" wrap="square" lIns="156464" tIns="13970" rIns="13970" bIns="13970" numCol="1" spcCol="1270" anchor="ctr" anchorCtr="0">
+          <a:noAutofit/>
+        </a:bodyPr>
+        <a:lstStyle/>
+        <a:p>
+          <a:pPr marL="228600" lvl="1" indent="-228600" algn="r" defTabSz="977900" rtl="1">
+            <a:lnSpc>
+              <a:spcPct val="90000"/>
+            </a:lnSpc>
+            <a:spcBef>
+              <a:spcPct val="0"/>
+            </a:spcBef>
+            <a:spcAft>
+              <a:spcPct val="15000"/>
+            </a:spcAft>
+            <a:buChar char="••"/>
+          </a:pPr>
+          <a:r>
+            <a:rPr lang="fa-IR" sz="2200" kern="1200" dirty="0" smtClean="0">
+              <a:cs typeface="B Nazanin" panose="00000400000000000000" pitchFamily="2" charset="-78"/>
+            </a:rPr>
+            <a:t>افزودن قیودات</a:t>
+          </a:r>
+          <a:endParaRPr lang="en-US" sz="2200" kern="1200" dirty="0">
+            <a:cs typeface="B Nazanin" panose="00000400000000000000" pitchFamily="2" charset="-78"/>
+          </a:endParaRPr>
+        </a:p>
+      </dsp:txBody>
+      <dsp:txXfrm rot="-5400000">
+        <a:off x="518583" y="3363818"/>
+        <a:ext cx="3981255" cy="434527"/>
+      </dsp:txXfrm>
+    </dsp:sp>
+    <dsp:sp modelId="{30D6CB60-1F11-4696-8A8E-B726FAC98CC2}">
+      <dsp:nvSpPr>
+        <dsp:cNvPr id="0" name=""/>
+        <dsp:cNvSpPr/>
+      </dsp:nvSpPr>
+      <dsp:spPr>
+        <a:xfrm rot="5400000">
+          <a:off x="-111125" y="4119031"/>
+          <a:ext cx="740833" cy="518583"/>
+        </a:xfrm>
+        <a:prstGeom prst="chevron">
+          <a:avLst/>
+        </a:prstGeom>
+        <a:solidFill>
+          <a:schemeClr val="accent3">
+            <a:hueOff val="0"/>
+            <a:satOff val="0"/>
+            <a:lumOff val="0"/>
+            <a:alphaOff val="0"/>
+          </a:schemeClr>
+        </a:solidFill>
+        <a:ln w="15875" cap="rnd" cmpd="sng" algn="ctr">
+          <a:solidFill>
+            <a:schemeClr val="accent3">
+              <a:hueOff val="0"/>
+              <a:satOff val="0"/>
+              <a:lumOff val="0"/>
+              <a:alphaOff val="0"/>
+            </a:schemeClr>
+          </a:solidFill>
+          <a:prstDash val="solid"/>
+        </a:ln>
+        <a:effectLst/>
+      </dsp:spPr>
+      <dsp:style>
+        <a:lnRef idx="2">
+          <a:scrgbClr r="0" g="0" b="0"/>
+        </a:lnRef>
+        <a:fillRef idx="1">
+          <a:scrgbClr r="0" g="0" b="0"/>
+        </a:fillRef>
+        <a:effectRef idx="0">
+          <a:scrgbClr r="0" g="0" b="0"/>
+        </a:effectRef>
+        <a:fontRef idx="minor">
+          <a:schemeClr val="lt1"/>
+        </a:fontRef>
+      </dsp:style>
+      <dsp:txBody>
+        <a:bodyPr spcFirstLastPara="0" vert="horz" wrap="square" lIns="8890" tIns="8890" rIns="8890" bIns="8890" numCol="1" spcCol="1270" anchor="ctr" anchorCtr="0">
+          <a:noAutofit/>
+        </a:bodyPr>
+        <a:lstStyle/>
+        <a:p>
+          <a:pPr lvl="0" algn="ctr" defTabSz="622300">
+            <a:lnSpc>
+              <a:spcPct val="90000"/>
+            </a:lnSpc>
+            <a:spcBef>
+              <a:spcPct val="0"/>
+            </a:spcBef>
+            <a:spcAft>
+              <a:spcPct val="35000"/>
+            </a:spcAft>
+          </a:pPr>
+          <a:r>
+            <a:rPr lang="en-US" sz="1400" kern="1200" dirty="0" smtClean="0">
+              <a:cs typeface="B Nazanin" panose="00000400000000000000" pitchFamily="2" charset="-78"/>
+            </a:rPr>
+            <a:t>7</a:t>
+          </a:r>
+          <a:endParaRPr lang="en-US" sz="1400" kern="1200" dirty="0">
+            <a:cs typeface="B Nazanin" panose="00000400000000000000" pitchFamily="2" charset="-78"/>
+          </a:endParaRPr>
+        </a:p>
+      </dsp:txBody>
+      <dsp:txXfrm rot="-5400000">
+        <a:off x="1" y="4267198"/>
+        <a:ext cx="518583" cy="222250"/>
+      </dsp:txXfrm>
+    </dsp:sp>
+    <dsp:sp modelId="{D574FB3E-CE46-40FD-898C-D6F5D43620EA}">
+      <dsp:nvSpPr>
+        <dsp:cNvPr id="0" name=""/>
+        <dsp:cNvSpPr/>
+      </dsp:nvSpPr>
+      <dsp:spPr>
+        <a:xfrm rot="5400000">
+          <a:off x="2280193" y="2246296"/>
+          <a:ext cx="481541" cy="4004762"/>
+        </a:xfrm>
+        <a:prstGeom prst="round2SameRect">
+          <a:avLst/>
+        </a:prstGeom>
+        <a:solidFill>
+          <a:schemeClr val="lt1">
+            <a:alpha val="90000"/>
+            <a:hueOff val="0"/>
+            <a:satOff val="0"/>
+            <a:lumOff val="0"/>
+            <a:alphaOff val="0"/>
+          </a:schemeClr>
+        </a:solidFill>
+        <a:ln w="15875" cap="rnd" cmpd="sng" algn="ctr">
+          <a:solidFill>
+            <a:schemeClr val="accent3">
+              <a:hueOff val="0"/>
+              <a:satOff val="0"/>
+              <a:lumOff val="0"/>
+              <a:alphaOff val="0"/>
+            </a:schemeClr>
+          </a:solidFill>
+          <a:prstDash val="solid"/>
+        </a:ln>
+        <a:effectLst/>
+      </dsp:spPr>
+      <dsp:style>
+        <a:lnRef idx="2">
+          <a:scrgbClr r="0" g="0" b="0"/>
+        </a:lnRef>
+        <a:fillRef idx="1">
+          <a:scrgbClr r="0" g="0" b="0"/>
+        </a:fillRef>
+        <a:effectRef idx="0">
+          <a:scrgbClr r="0" g="0" b="0"/>
+        </a:effectRef>
+        <a:fontRef idx="minor"/>
+      </dsp:style>
+      <dsp:txBody>
+        <a:bodyPr spcFirstLastPara="0" vert="horz" wrap="square" lIns="156464" tIns="13970" rIns="13970" bIns="13970" numCol="1" spcCol="1270" anchor="ctr" anchorCtr="0">
+          <a:noAutofit/>
+        </a:bodyPr>
+        <a:lstStyle/>
+        <a:p>
+          <a:pPr marL="228600" lvl="1" indent="-228600" algn="r" defTabSz="977900" rtl="1">
+            <a:lnSpc>
+              <a:spcPct val="90000"/>
+            </a:lnSpc>
+            <a:spcBef>
+              <a:spcPct val="0"/>
+            </a:spcBef>
+            <a:spcAft>
+              <a:spcPct val="15000"/>
+            </a:spcAft>
+            <a:buChar char="••"/>
+          </a:pPr>
+          <a:r>
+            <a:rPr lang="fa-IR" sz="2200" kern="1200" dirty="0" smtClean="0">
+              <a:cs typeface="B Nazanin" panose="00000400000000000000" pitchFamily="2" charset="-78"/>
+            </a:rPr>
+            <a:t>استخراج روابط کامل</a:t>
+          </a:r>
+          <a:endParaRPr lang="en-US" sz="2200" kern="1200" dirty="0">
+            <a:cs typeface="B Nazanin" panose="00000400000000000000" pitchFamily="2" charset="-78"/>
+          </a:endParaRPr>
+        </a:p>
+      </dsp:txBody>
+      <dsp:txXfrm rot="-5400000">
+        <a:off x="518583" y="4031414"/>
+        <a:ext cx="3981255" cy="434527"/>
+      </dsp:txXfrm>
+    </dsp:sp>
+    <dsp:sp modelId="{D9930E57-9A0A-4432-9DE1-199E68A88956}">
+      <dsp:nvSpPr>
+        <dsp:cNvPr id="0" name=""/>
+        <dsp:cNvSpPr/>
+      </dsp:nvSpPr>
+      <dsp:spPr>
+        <a:xfrm rot="5400000">
+          <a:off x="-111125" y="4786627"/>
+          <a:ext cx="740833" cy="518583"/>
+        </a:xfrm>
+        <a:prstGeom prst="chevron">
+          <a:avLst/>
+        </a:prstGeom>
+        <a:solidFill>
+          <a:schemeClr val="accent4">
+            <a:hueOff val="0"/>
+            <a:satOff val="0"/>
+            <a:lumOff val="0"/>
+            <a:alphaOff val="0"/>
+          </a:schemeClr>
+        </a:solidFill>
+        <a:ln w="15875" cap="rnd" cmpd="sng" algn="ctr">
+          <a:solidFill>
+            <a:schemeClr val="accent4">
+              <a:hueOff val="0"/>
+              <a:satOff val="0"/>
+              <a:lumOff val="0"/>
+              <a:alphaOff val="0"/>
+            </a:schemeClr>
+          </a:solidFill>
+          <a:prstDash val="solid"/>
+        </a:ln>
+        <a:effectLst/>
+      </dsp:spPr>
+      <dsp:style>
+        <a:lnRef idx="2">
+          <a:scrgbClr r="0" g="0" b="0"/>
+        </a:lnRef>
+        <a:fillRef idx="1">
+          <a:scrgbClr r="0" g="0" b="0"/>
+        </a:fillRef>
+        <a:effectRef idx="0">
+          <a:scrgbClr r="0" g="0" b="0"/>
+        </a:effectRef>
+        <a:fontRef idx="minor">
+          <a:schemeClr val="lt1"/>
+        </a:fontRef>
+      </dsp:style>
+      <dsp:txBody>
+        <a:bodyPr spcFirstLastPara="0" vert="horz" wrap="square" lIns="8890" tIns="8890" rIns="8890" bIns="8890" numCol="1" spcCol="1270" anchor="ctr" anchorCtr="0">
+          <a:noAutofit/>
+        </a:bodyPr>
+        <a:lstStyle/>
+        <a:p>
+          <a:pPr lvl="0" algn="ctr" defTabSz="622300">
+            <a:lnSpc>
+              <a:spcPct val="90000"/>
+            </a:lnSpc>
+            <a:spcBef>
+              <a:spcPct val="0"/>
+            </a:spcBef>
+            <a:spcAft>
+              <a:spcPct val="35000"/>
+            </a:spcAft>
+          </a:pPr>
+          <a:r>
+            <a:rPr lang="en-US" sz="1400" kern="1200" dirty="0" smtClean="0">
+              <a:cs typeface="B Nazanin" panose="00000400000000000000" pitchFamily="2" charset="-78"/>
+            </a:rPr>
+            <a:t>8</a:t>
+          </a:r>
+          <a:endParaRPr lang="en-US" sz="1400" kern="1200" dirty="0">
+            <a:cs typeface="B Nazanin" panose="00000400000000000000" pitchFamily="2" charset="-78"/>
+          </a:endParaRPr>
+        </a:p>
+      </dsp:txBody>
+      <dsp:txXfrm rot="-5400000">
+        <a:off x="1" y="4934794"/>
+        <a:ext cx="518583" cy="222250"/>
+      </dsp:txXfrm>
+    </dsp:sp>
+    <dsp:sp modelId="{8809EBA4-1F1C-4730-A88A-38DAF50AFBC9}">
+      <dsp:nvSpPr>
+        <dsp:cNvPr id="0" name=""/>
+        <dsp:cNvSpPr/>
+      </dsp:nvSpPr>
+      <dsp:spPr>
+        <a:xfrm rot="5400000">
+          <a:off x="2280193" y="2913891"/>
+          <a:ext cx="481541" cy="4004762"/>
+        </a:xfrm>
+        <a:prstGeom prst="round2SameRect">
+          <a:avLst/>
+        </a:prstGeom>
+        <a:solidFill>
+          <a:schemeClr val="lt1">
+            <a:alpha val="90000"/>
+            <a:hueOff val="0"/>
+            <a:satOff val="0"/>
+            <a:lumOff val="0"/>
+            <a:alphaOff val="0"/>
+          </a:schemeClr>
+        </a:solidFill>
+        <a:ln w="15875" cap="rnd" cmpd="sng" algn="ctr">
+          <a:solidFill>
+            <a:schemeClr val="accent4">
+              <a:hueOff val="0"/>
+              <a:satOff val="0"/>
+              <a:lumOff val="0"/>
+              <a:alphaOff val="0"/>
+            </a:schemeClr>
+          </a:solidFill>
+          <a:prstDash val="solid"/>
+        </a:ln>
+        <a:effectLst/>
+      </dsp:spPr>
+      <dsp:style>
+        <a:lnRef idx="2">
+          <a:scrgbClr r="0" g="0" b="0"/>
+        </a:lnRef>
+        <a:fillRef idx="1">
+          <a:scrgbClr r="0" g="0" b="0"/>
+        </a:fillRef>
+        <a:effectRef idx="0">
+          <a:scrgbClr r="0" g="0" b="0"/>
+        </a:effectRef>
+        <a:fontRef idx="minor"/>
+      </dsp:style>
+      <dsp:txBody>
+        <a:bodyPr spcFirstLastPara="0" vert="horz" wrap="square" lIns="156464" tIns="13970" rIns="13970" bIns="13970" numCol="1" spcCol="1270" anchor="ctr" anchorCtr="0">
+          <a:noAutofit/>
+        </a:bodyPr>
+        <a:lstStyle/>
+        <a:p>
+          <a:pPr marL="228600" lvl="1" indent="-228600" algn="r" defTabSz="977900" rtl="1">
+            <a:lnSpc>
+              <a:spcPct val="90000"/>
+            </a:lnSpc>
+            <a:spcBef>
+              <a:spcPct val="0"/>
+            </a:spcBef>
+            <a:spcAft>
+              <a:spcPct val="15000"/>
+            </a:spcAft>
+            <a:buChar char="••"/>
+          </a:pPr>
+          <a:r>
+            <a:rPr lang="fa-IR" sz="2200" kern="1200" dirty="0" smtClean="0">
+              <a:cs typeface="B Nazanin" panose="00000400000000000000" pitchFamily="2" charset="-78"/>
+            </a:rPr>
+            <a:t>یافتن روابط در هستان شناسی</a:t>
+          </a:r>
+          <a:endParaRPr lang="en-US" sz="2200" kern="1200" dirty="0">
+            <a:cs typeface="B Nazanin" panose="00000400000000000000" pitchFamily="2" charset="-78"/>
+          </a:endParaRPr>
+        </a:p>
+      </dsp:txBody>
+      <dsp:txXfrm rot="-5400000">
+        <a:off x="518583" y="4699009"/>
+        <a:ext cx="3981255" cy="434527"/>
+      </dsp:txXfrm>
+    </dsp:sp>
+  </dsp:spTree>
+</dsp:drawing>
+</file>
+
 <file path=ppt/diagrams/layout1.xml><?xml version="1.0" encoding="utf-8"?>
 <dgm:layoutDef xmlns:dgm="http://schemas.openxmlformats.org/drawingml/2006/diagram" xmlns:a="http://schemas.openxmlformats.org/drawingml/2006/main" uniqueId="urn:microsoft.com/office/officeart/2005/8/layout/hierarchy1">
   <dgm:title val=""/>
@@ -5904,7 +9210,1297 @@
 </dgm:layoutDef>
 </file>
 
+<file path=ppt/diagrams/layout2.xml><?xml version="1.0" encoding="utf-8"?>
+<dgm:layoutDef xmlns:dgm="http://schemas.openxmlformats.org/drawingml/2006/diagram" xmlns:a="http://schemas.openxmlformats.org/drawingml/2006/main" uniqueId="urn:microsoft.com/office/officeart/2005/8/layout/chevron2">
+  <dgm:title val=""/>
+  <dgm:desc val=""/>
+  <dgm:catLst>
+    <dgm:cat type="process" pri="12000"/>
+    <dgm:cat type="list" pri="16000"/>
+    <dgm:cat type="convert" pri="11000"/>
+  </dgm:catLst>
+  <dgm:sampData>
+    <dgm:dataModel>
+      <dgm:ptLst>
+        <dgm:pt modelId="0" type="doc"/>
+        <dgm:pt modelId="1">
+          <dgm:prSet phldr="1"/>
+        </dgm:pt>
+        <dgm:pt modelId="11">
+          <dgm:prSet phldr="1"/>
+        </dgm:pt>
+        <dgm:pt modelId="12">
+          <dgm:prSet phldr="1"/>
+        </dgm:pt>
+        <dgm:pt modelId="2">
+          <dgm:prSet phldr="1"/>
+        </dgm:pt>
+        <dgm:pt modelId="21">
+          <dgm:prSet phldr="1"/>
+        </dgm:pt>
+        <dgm:pt modelId="22">
+          <dgm:prSet phldr="1"/>
+        </dgm:pt>
+        <dgm:pt modelId="3">
+          <dgm:prSet phldr="1"/>
+        </dgm:pt>
+        <dgm:pt modelId="31">
+          <dgm:prSet phldr="1"/>
+        </dgm:pt>
+        <dgm:pt modelId="32">
+          <dgm:prSet phldr="1"/>
+        </dgm:pt>
+      </dgm:ptLst>
+      <dgm:cxnLst>
+        <dgm:cxn modelId="4" srcId="0" destId="1" srcOrd="0" destOrd="0"/>
+        <dgm:cxn modelId="5" srcId="0" destId="2" srcOrd="1" destOrd="0"/>
+        <dgm:cxn modelId="6" srcId="0" destId="3" srcOrd="2" destOrd="0"/>
+        <dgm:cxn modelId="13" srcId="1" destId="11" srcOrd="0" destOrd="0"/>
+        <dgm:cxn modelId="14" srcId="1" destId="12" srcOrd="1" destOrd="0"/>
+        <dgm:cxn modelId="23" srcId="2" destId="21" srcOrd="0" destOrd="0"/>
+        <dgm:cxn modelId="24" srcId="2" destId="22" srcOrd="1" destOrd="0"/>
+        <dgm:cxn modelId="33" srcId="3" destId="31" srcOrd="0" destOrd="0"/>
+        <dgm:cxn modelId="34" srcId="3" destId="32" srcOrd="1" destOrd="0"/>
+      </dgm:cxnLst>
+      <dgm:bg/>
+      <dgm:whole/>
+    </dgm:dataModel>
+  </dgm:sampData>
+  <dgm:styleData>
+    <dgm:dataModel>
+      <dgm:ptLst>
+        <dgm:pt modelId="0" type="doc"/>
+        <dgm:pt modelId="1"/>
+      </dgm:ptLst>
+      <dgm:cxnLst>
+        <dgm:cxn modelId="4" srcId="0" destId="1" srcOrd="0" destOrd="0"/>
+      </dgm:cxnLst>
+      <dgm:bg/>
+      <dgm:whole/>
+    </dgm:dataModel>
+  </dgm:styleData>
+  <dgm:clrData>
+    <dgm:dataModel>
+      <dgm:ptLst>
+        <dgm:pt modelId="0" type="doc"/>
+        <dgm:pt modelId="1"/>
+        <dgm:pt modelId="11"/>
+        <dgm:pt modelId="2"/>
+        <dgm:pt modelId="21"/>
+        <dgm:pt modelId="3"/>
+        <dgm:pt modelId="31"/>
+        <dgm:pt modelId="4"/>
+        <dgm:pt modelId="41"/>
+      </dgm:ptLst>
+      <dgm:cxnLst>
+        <dgm:cxn modelId="5" srcId="0" destId="1" srcOrd="0" destOrd="0"/>
+        <dgm:cxn modelId="6" srcId="0" destId="2" srcOrd="1" destOrd="0"/>
+        <dgm:cxn modelId="7" srcId="0" destId="3" srcOrd="2" destOrd="0"/>
+        <dgm:cxn modelId="8" srcId="0" destId="4" srcOrd="3" destOrd="0"/>
+        <dgm:cxn modelId="13" srcId="1" destId="11" srcOrd="0" destOrd="0"/>
+        <dgm:cxn modelId="23" srcId="2" destId="21" srcOrd="0" destOrd="0"/>
+        <dgm:cxn modelId="33" srcId="3" destId="31" srcOrd="0" destOrd="0"/>
+        <dgm:cxn modelId="43" srcId="4" destId="41" srcOrd="0" destOrd="0"/>
+      </dgm:cxnLst>
+      <dgm:bg/>
+      <dgm:whole/>
+    </dgm:dataModel>
+  </dgm:clrData>
+  <dgm:layoutNode name="linearFlow">
+    <dgm:varLst>
+      <dgm:dir/>
+      <dgm:animLvl val="lvl"/>
+      <dgm:resizeHandles val="exact"/>
+    </dgm:varLst>
+    <dgm:alg type="lin">
+      <dgm:param type="linDir" val="fromT"/>
+      <dgm:param type="nodeHorzAlign" val="l"/>
+    </dgm:alg>
+    <dgm:shape xmlns:r="http://schemas.openxmlformats.org/officeDocument/2006/relationships" r:blip="">
+      <dgm:adjLst/>
+    </dgm:shape>
+    <dgm:presOf/>
+    <dgm:constrLst>
+      <dgm:constr type="h" for="ch" forName="composite" refType="h"/>
+      <dgm:constr type="w" for="ch" forName="composite" refType="w"/>
+      <dgm:constr type="h" for="des" forName="parentText" op="equ"/>
+      <dgm:constr type="h" for="ch" forName="sp" val="-14.88"/>
+      <dgm:constr type="h" for="ch" forName="sp" refType="w" refFor="des" refForName="parentText" op="gte" fact="-0.3"/>
+      <dgm:constr type="primFontSz" for="des" forName="parentText" op="equ" val="65"/>
+      <dgm:constr type="primFontSz" for="des" forName="descendantText" op="equ" val="65"/>
+    </dgm:constrLst>
+    <dgm:ruleLst/>
+    <dgm:forEach name="Name0" axis="ch" ptType="node">
+      <dgm:layoutNode name="composite">
+        <dgm:alg type="composite"/>
+        <dgm:shape xmlns:r="http://schemas.openxmlformats.org/officeDocument/2006/relationships" r:blip="">
+          <dgm:adjLst/>
+        </dgm:shape>
+        <dgm:presOf/>
+        <dgm:choose name="Name1">
+          <dgm:if name="Name2" func="var" arg="dir" op="equ" val="norm">
+            <dgm:constrLst>
+              <dgm:constr type="t" for="ch" forName="parentText"/>
+              <dgm:constr type="l" for="ch" forName="parentText"/>
+              <dgm:constr type="w" for="ch" forName="parentText" refType="w" fact="0.4"/>
+              <dgm:constr type="h" for="ch" forName="parentText" refType="h"/>
+              <dgm:constr type="w" for="ch" forName="parentText" refType="w" op="lte" fact="0.5"/>
+              <dgm:constr type="w" for="ch" forName="parentText" refType="h" refFor="ch" refForName="parentText" op="lte" fact="0.7"/>
+              <dgm:constr type="h" for="ch" forName="parentText" refType="w" refFor="ch" refForName="parentText" op="lte" fact="3"/>
+              <dgm:constr type="l" for="ch" forName="descendantText" refType="w" refFor="ch" refForName="parentText"/>
+              <dgm:constr type="w" for="ch" forName="descendantText" refType="w"/>
+              <dgm:constr type="wOff" for="ch" forName="descendantText" refType="w" refFor="ch" refForName="parentText" fact="-1"/>
+              <dgm:constr type="t" for="ch" forName="descendantText"/>
+              <dgm:constr type="b" for="ch" forName="descendantText" refType="h" refFor="ch" refForName="parentText"/>
+              <dgm:constr type="bOff" for="ch" forName="descendantText" refType="w" refFor="ch" refForName="parentText" fact="-0.5"/>
+            </dgm:constrLst>
+          </dgm:if>
+          <dgm:else name="Name3">
+            <dgm:constrLst>
+              <dgm:constr type="t" for="ch" forName="parentText"/>
+              <dgm:constr type="r" for="ch" forName="parentText" refType="w"/>
+              <dgm:constr type="w" for="ch" forName="parentText" refType="w" fact="0.4"/>
+              <dgm:constr type="h" for="ch" forName="parentText" refType="h"/>
+              <dgm:constr type="w" for="ch" forName="parentText" refType="w" op="lte" fact="0.5"/>
+              <dgm:constr type="w" for="ch" forName="parentText" refType="h" refFor="ch" refForName="parentText" op="lte" fact="0.7"/>
+              <dgm:constr type="h" for="ch" forName="parentText" refType="w" refFor="ch" refForName="parentText" op="lte" fact="3"/>
+              <dgm:constr type="l" for="ch" forName="descendantText"/>
+              <dgm:constr type="w" for="ch" forName="descendantText" refType="w"/>
+              <dgm:constr type="wOff" for="ch" forName="descendantText" refType="w" refFor="ch" refForName="parentText" fact="-1"/>
+              <dgm:constr type="t" for="ch" forName="descendantText"/>
+              <dgm:constr type="b" for="ch" forName="descendantText" refType="h" refFor="ch" refForName="parentText"/>
+              <dgm:constr type="bOff" for="ch" forName="descendantText" refType="w" refFor="ch" refForName="parentText" fact="-0.5"/>
+            </dgm:constrLst>
+          </dgm:else>
+        </dgm:choose>
+        <dgm:ruleLst/>
+        <dgm:layoutNode name="parentText" styleLbl="alignNode1">
+          <dgm:varLst>
+            <dgm:chMax val="1"/>
+            <dgm:bulletEnabled val="1"/>
+          </dgm:varLst>
+          <dgm:alg type="tx"/>
+          <dgm:shape xmlns:r="http://schemas.openxmlformats.org/officeDocument/2006/relationships" rot="90" type="chevron" r:blip="">
+            <dgm:adjLst/>
+          </dgm:shape>
+          <dgm:presOf axis="self" ptType="node"/>
+          <dgm:constrLst>
+            <dgm:constr type="lMarg" refType="primFontSz" fact="0.05"/>
+            <dgm:constr type="rMarg" refType="primFontSz" fact="0.05"/>
+            <dgm:constr type="tMarg" refType="primFontSz" fact="0.05"/>
+            <dgm:constr type="bMarg" refType="primFontSz" fact="0.05"/>
+          </dgm:constrLst>
+          <dgm:ruleLst>
+            <dgm:rule type="h" val="100" fact="NaN" max="NaN"/>
+            <dgm:rule type="primFontSz" val="24" fact="NaN" max="NaN"/>
+            <dgm:rule type="h" val="110" fact="NaN" max="NaN"/>
+            <dgm:rule type="primFontSz" val="18" fact="NaN" max="NaN"/>
+            <dgm:rule type="h" val="INF" fact="NaN" max="NaN"/>
+            <dgm:rule type="primFontSz" val="5" fact="NaN" max="NaN"/>
+          </dgm:ruleLst>
+        </dgm:layoutNode>
+        <dgm:layoutNode name="descendantText" styleLbl="alignAcc1">
+          <dgm:varLst>
+            <dgm:bulletEnabled val="1"/>
+          </dgm:varLst>
+          <dgm:choose name="Name4">
+            <dgm:if name="Name5" func="var" arg="dir" op="equ" val="norm">
+              <dgm:alg type="tx">
+                <dgm:param type="stBulletLvl" val="1"/>
+                <dgm:param type="txAnchorVertCh" val="mid"/>
+              </dgm:alg>
+              <dgm:shape xmlns:r="http://schemas.openxmlformats.org/officeDocument/2006/relationships" rot="90" type="round2SameRect" r:blip="">
+                <dgm:adjLst/>
+              </dgm:shape>
+            </dgm:if>
+            <dgm:else name="Name6">
+              <dgm:alg type="tx">
+                <dgm:param type="stBulletLvl" val="1"/>
+                <dgm:param type="txAnchorVertCh" val="mid"/>
+              </dgm:alg>
+              <dgm:shape xmlns:r="http://schemas.openxmlformats.org/officeDocument/2006/relationships" rot="-90" type="round2SameRect" r:blip="">
+                <dgm:adjLst/>
+              </dgm:shape>
+            </dgm:else>
+          </dgm:choose>
+          <dgm:presOf axis="des" ptType="node"/>
+          <dgm:choose name="Name7">
+            <dgm:if name="Name8" func="var" arg="dir" op="equ" val="norm">
+              <dgm:constrLst>
+                <dgm:constr type="secFontSz" refType="primFontSz"/>
+                <dgm:constr type="tMarg" refType="primFontSz" fact="0.05"/>
+                <dgm:constr type="bMarg" refType="primFontSz" fact="0.05"/>
+                <dgm:constr type="rMarg" refType="primFontSz" fact="0.05"/>
+              </dgm:constrLst>
+            </dgm:if>
+            <dgm:else name="Name9">
+              <dgm:constrLst>
+                <dgm:constr type="secFontSz" refType="primFontSz"/>
+                <dgm:constr type="tMarg" refType="primFontSz" fact="0.05"/>
+                <dgm:constr type="bMarg" refType="primFontSz" fact="0.05"/>
+                <dgm:constr type="lMarg" refType="primFontSz" fact="0.05"/>
+              </dgm:constrLst>
+            </dgm:else>
+          </dgm:choose>
+          <dgm:ruleLst>
+            <dgm:rule type="primFontSz" val="5" fact="NaN" max="NaN"/>
+          </dgm:ruleLst>
+        </dgm:layoutNode>
+      </dgm:layoutNode>
+      <dgm:forEach name="Name10" axis="followSib" ptType="sibTrans" cnt="1">
+        <dgm:layoutNode name="sp">
+          <dgm:alg type="sp"/>
+          <dgm:shape xmlns:r="http://schemas.openxmlformats.org/officeDocument/2006/relationships" r:blip="">
+            <dgm:adjLst/>
+          </dgm:shape>
+          <dgm:presOf axis="self"/>
+          <dgm:constrLst>
+            <dgm:constr type="w" val="1"/>
+            <dgm:constr type="h" val="37.5"/>
+          </dgm:constrLst>
+          <dgm:ruleLst/>
+        </dgm:layoutNode>
+      </dgm:forEach>
+    </dgm:forEach>
+  </dgm:layoutNode>
+</dgm:layoutDef>
+</file>
+
 <file path=ppt/diagrams/quickStyle1.xml><?xml version="1.0" encoding="utf-8"?>
+<dgm:styleDef xmlns:dgm="http://schemas.openxmlformats.org/drawingml/2006/diagram" xmlns:a="http://schemas.openxmlformats.org/drawingml/2006/main" uniqueId="urn:microsoft.com/office/officeart/2005/8/quickstyle/simple1">
+  <dgm:title val=""/>
+  <dgm:desc val=""/>
+  <dgm:catLst>
+    <dgm:cat type="simple" pri="10100"/>
+  </dgm:catLst>
+  <dgm:scene3d>
+    <a:camera prst="orthographicFront"/>
+    <a:lightRig rig="threePt" dir="t"/>
+  </dgm:scene3d>
+  <dgm:styleLbl name="node0">
+    <dgm:scene3d>
+      <a:camera prst="orthographicFront"/>
+      <a:lightRig rig="threePt" dir="t"/>
+    </dgm:scene3d>
+    <dgm:sp3d/>
+    <dgm:txPr/>
+    <dgm:style>
+      <a:lnRef idx="2">
+        <a:scrgbClr r="0" g="0" b="0"/>
+      </a:lnRef>
+      <a:fillRef idx="1">
+        <a:scrgbClr r="0" g="0" b="0"/>
+      </a:fillRef>
+      <a:effectRef idx="0">
+        <a:scrgbClr r="0" g="0" b="0"/>
+      </a:effectRef>
+      <a:fontRef idx="minor">
+        <a:schemeClr val="lt1"/>
+      </a:fontRef>
+    </dgm:style>
+  </dgm:styleLbl>
+  <dgm:styleLbl name="lnNode1">
+    <dgm:scene3d>
+      <a:camera prst="orthographicFront"/>
+      <a:lightRig rig="threePt" dir="t"/>
+    </dgm:scene3d>
+    <dgm:sp3d/>
+    <dgm:txPr/>
+    <dgm:style>
+      <a:lnRef idx="2">
+        <a:scrgbClr r="0" g="0" b="0"/>
+      </a:lnRef>
+      <a:fillRef idx="1">
+        <a:scrgbClr r="0" g="0" b="0"/>
+      </a:fillRef>
+      <a:effectRef idx="0">
+        <a:scrgbClr r="0" g="0" b="0"/>
+      </a:effectRef>
+      <a:fontRef idx="minor">
+        <a:schemeClr val="lt1"/>
+      </a:fontRef>
+    </dgm:style>
+  </dgm:styleLbl>
+  <dgm:styleLbl name="vennNode1">
+    <dgm:scene3d>
+      <a:camera prst="orthographicFront"/>
+      <a:lightRig rig="threePt" dir="t"/>
+    </dgm:scene3d>
+    <dgm:sp3d/>
+    <dgm:txPr/>
+    <dgm:style>
+      <a:lnRef idx="2">
+        <a:scrgbClr r="0" g="0" b="0"/>
+      </a:lnRef>
+      <a:fillRef idx="1">
+        <a:scrgbClr r="0" g="0" b="0"/>
+      </a:fillRef>
+      <a:effectRef idx="0">
+        <a:scrgbClr r="0" g="0" b="0"/>
+      </a:effectRef>
+      <a:fontRef idx="minor">
+        <a:schemeClr val="tx1"/>
+      </a:fontRef>
+    </dgm:style>
+  </dgm:styleLbl>
+  <dgm:styleLbl name="alignNode1">
+    <dgm:scene3d>
+      <a:camera prst="orthographicFront"/>
+      <a:lightRig rig="threePt" dir="t"/>
+    </dgm:scene3d>
+    <dgm:sp3d/>
+    <dgm:txPr/>
+    <dgm:style>
+      <a:lnRef idx="2">
+        <a:scrgbClr r="0" g="0" b="0"/>
+      </a:lnRef>
+      <a:fillRef idx="1">
+        <a:scrgbClr r="0" g="0" b="0"/>
+      </a:fillRef>
+      <a:effectRef idx="0">
+        <a:scrgbClr r="0" g="0" b="0"/>
+      </a:effectRef>
+      <a:fontRef idx="minor">
+        <a:schemeClr val="lt1"/>
+      </a:fontRef>
+    </dgm:style>
+  </dgm:styleLbl>
+  <dgm:styleLbl name="node1">
+    <dgm:scene3d>
+      <a:camera prst="orthographicFront"/>
+      <a:lightRig rig="threePt" dir="t"/>
+    </dgm:scene3d>
+    <dgm:sp3d/>
+    <dgm:txPr/>
+    <dgm:style>
+      <a:lnRef idx="2">
+        <a:scrgbClr r="0" g="0" b="0"/>
+      </a:lnRef>
+      <a:fillRef idx="1">
+        <a:scrgbClr r="0" g="0" b="0"/>
+      </a:fillRef>
+      <a:effectRef idx="0">
+        <a:scrgbClr r="0" g="0" b="0"/>
+      </a:effectRef>
+      <a:fontRef idx="minor">
+        <a:schemeClr val="lt1"/>
+      </a:fontRef>
+    </dgm:style>
+  </dgm:styleLbl>
+  <dgm:styleLbl name="node2">
+    <dgm:scene3d>
+      <a:camera prst="orthographicFront"/>
+      <a:lightRig rig="threePt" dir="t"/>
+    </dgm:scene3d>
+    <dgm:sp3d/>
+    <dgm:txPr/>
+    <dgm:style>
+      <a:lnRef idx="2">
+        <a:scrgbClr r="0" g="0" b="0"/>
+      </a:lnRef>
+      <a:fillRef idx="1">
+        <a:scrgbClr r="0" g="0" b="0"/>
+      </a:fillRef>
+      <a:effectRef idx="0">
+        <a:scrgbClr r="0" g="0" b="0"/>
+      </a:effectRef>
+      <a:fontRef idx="minor">
+        <a:schemeClr val="lt1"/>
+      </a:fontRef>
+    </dgm:style>
+  </dgm:styleLbl>
+  <dgm:styleLbl name="node3">
+    <dgm:scene3d>
+      <a:camera prst="orthographicFront"/>
+      <a:lightRig rig="threePt" dir="t"/>
+    </dgm:scene3d>
+    <dgm:sp3d/>
+    <dgm:txPr/>
+    <dgm:style>
+      <a:lnRef idx="2">
+        <a:scrgbClr r="0" g="0" b="0"/>
+      </a:lnRef>
+      <a:fillRef idx="1">
+        <a:scrgbClr r="0" g="0" b="0"/>
+      </a:fillRef>
+      <a:effectRef idx="0">
+        <a:scrgbClr r="0" g="0" b="0"/>
+      </a:effectRef>
+      <a:fontRef idx="minor">
+        <a:schemeClr val="lt1"/>
+      </a:fontRef>
+    </dgm:style>
+  </dgm:styleLbl>
+  <dgm:styleLbl name="node4">
+    <dgm:scene3d>
+      <a:camera prst="orthographicFront"/>
+      <a:lightRig rig="threePt" dir="t"/>
+    </dgm:scene3d>
+    <dgm:sp3d/>
+    <dgm:txPr/>
+    <dgm:style>
+      <a:lnRef idx="2">
+        <a:scrgbClr r="0" g="0" b="0"/>
+      </a:lnRef>
+      <a:fillRef idx="1">
+        <a:scrgbClr r="0" g="0" b="0"/>
+      </a:fillRef>
+      <a:effectRef idx="0">
+        <a:scrgbClr r="0" g="0" b="0"/>
+      </a:effectRef>
+      <a:fontRef idx="minor">
+        <a:schemeClr val="lt1"/>
+      </a:fontRef>
+    </dgm:style>
+  </dgm:styleLbl>
+  <dgm:styleLbl name="fgImgPlace1">
+    <dgm:scene3d>
+      <a:camera prst="orthographicFront"/>
+      <a:lightRig rig="threePt" dir="t"/>
+    </dgm:scene3d>
+    <dgm:sp3d/>
+    <dgm:txPr/>
+    <dgm:style>
+      <a:lnRef idx="2">
+        <a:scrgbClr r="0" g="0" b="0"/>
+      </a:lnRef>
+      <a:fillRef idx="1">
+        <a:scrgbClr r="0" g="0" b="0"/>
+      </a:fillRef>
+      <a:effectRef idx="0">
+        <a:scrgbClr r="0" g="0" b="0"/>
+      </a:effectRef>
+      <a:fontRef idx="minor"/>
+    </dgm:style>
+  </dgm:styleLbl>
+  <dgm:styleLbl name="alignImgPlace1">
+    <dgm:scene3d>
+      <a:camera prst="orthographicFront"/>
+      <a:lightRig rig="threePt" dir="t"/>
+    </dgm:scene3d>
+    <dgm:sp3d/>
+    <dgm:txPr/>
+    <dgm:style>
+      <a:lnRef idx="2">
+        <a:scrgbClr r="0" g="0" b="0"/>
+      </a:lnRef>
+      <a:fillRef idx="1">
+        <a:scrgbClr r="0" g="0" b="0"/>
+      </a:fillRef>
+      <a:effectRef idx="0">
+        <a:scrgbClr r="0" g="0" b="0"/>
+      </a:effectRef>
+      <a:fontRef idx="minor"/>
+    </dgm:style>
+  </dgm:styleLbl>
+  <dgm:styleLbl name="bgImgPlace1">
+    <dgm:scene3d>
+      <a:camera prst="orthographicFront"/>
+      <a:lightRig rig="threePt" dir="t"/>
+    </dgm:scene3d>
+    <dgm:sp3d/>
+    <dgm:txPr/>
+    <dgm:style>
+      <a:lnRef idx="2">
+        <a:scrgbClr r="0" g="0" b="0"/>
+      </a:lnRef>
+      <a:fillRef idx="1">
+        <a:scrgbClr r="0" g="0" b="0"/>
+      </a:fillRef>
+      <a:effectRef idx="0">
+        <a:scrgbClr r="0" g="0" b="0"/>
+      </a:effectRef>
+      <a:fontRef idx="minor"/>
+    </dgm:style>
+  </dgm:styleLbl>
+  <dgm:styleLbl name="sibTrans2D1">
+    <dgm:scene3d>
+      <a:camera prst="orthographicFront"/>
+      <a:lightRig rig="threePt" dir="t"/>
+    </dgm:scene3d>
+    <dgm:sp3d/>
+    <dgm:txPr/>
+    <dgm:style>
+      <a:lnRef idx="0">
+        <a:scrgbClr r="0" g="0" b="0"/>
+      </a:lnRef>
+      <a:fillRef idx="1">
+        <a:scrgbClr r="0" g="0" b="0"/>
+      </a:fillRef>
+      <a:effectRef idx="0">
+        <a:scrgbClr r="0" g="0" b="0"/>
+      </a:effectRef>
+      <a:fontRef idx="minor">
+        <a:schemeClr val="lt1"/>
+      </a:fontRef>
+    </dgm:style>
+  </dgm:styleLbl>
+  <dgm:styleLbl name="fgSibTrans2D1">
+    <dgm:scene3d>
+      <a:camera prst="orthographicFront"/>
+      <a:lightRig rig="threePt" dir="t"/>
+    </dgm:scene3d>
+    <dgm:sp3d/>
+    <dgm:txPr/>
+    <dgm:style>
+      <a:lnRef idx="0">
+        <a:scrgbClr r="0" g="0" b="0"/>
+      </a:lnRef>
+      <a:fillRef idx="1">
+        <a:scrgbClr r="0" g="0" b="0"/>
+      </a:fillRef>
+      <a:effectRef idx="0">
+        <a:scrgbClr r="0" g="0" b="0"/>
+      </a:effectRef>
+      <a:fontRef idx="minor">
+        <a:schemeClr val="lt1"/>
+      </a:fontRef>
+    </dgm:style>
+  </dgm:styleLbl>
+  <dgm:styleLbl name="bgSibTrans2D1">
+    <dgm:scene3d>
+      <a:camera prst="orthographicFront"/>
+      <a:lightRig rig="threePt" dir="t"/>
+    </dgm:scene3d>
+    <dgm:sp3d/>
+    <dgm:txPr/>
+    <dgm:style>
+      <a:lnRef idx="0">
+        <a:scrgbClr r="0" g="0" b="0"/>
+      </a:lnRef>
+      <a:fillRef idx="1">
+        <a:scrgbClr r="0" g="0" b="0"/>
+      </a:fillRef>
+      <a:effectRef idx="0">
+        <a:scrgbClr r="0" g="0" b="0"/>
+      </a:effectRef>
+      <a:fontRef idx="minor">
+        <a:schemeClr val="lt1"/>
+      </a:fontRef>
+    </dgm:style>
+  </dgm:styleLbl>
+  <dgm:styleLbl name="sibTrans1D1">
+    <dgm:scene3d>
+      <a:camera prst="orthographicFront"/>
+      <a:lightRig rig="threePt" dir="t"/>
+    </dgm:scene3d>
+    <dgm:sp3d/>
+    <dgm:txPr/>
+    <dgm:style>
+      <a:lnRef idx="1">
+        <a:scrgbClr r="0" g="0" b="0"/>
+      </a:lnRef>
+      <a:fillRef idx="0">
+        <a:scrgbClr r="0" g="0" b="0"/>
+      </a:fillRef>
+      <a:effectRef idx="0">
+        <a:scrgbClr r="0" g="0" b="0"/>
+      </a:effectRef>
+      <a:fontRef idx="minor"/>
+    </dgm:style>
+  </dgm:styleLbl>
+  <dgm:styleLbl name="callout">
+    <dgm:scene3d>
+      <a:camera prst="orthographicFront"/>
+      <a:lightRig rig="threePt" dir="t"/>
+    </dgm:scene3d>
+    <dgm:sp3d/>
+    <dgm:txPr/>
+    <dgm:style>
+      <a:lnRef idx="2">
+        <a:scrgbClr r="0" g="0" b="0"/>
+      </a:lnRef>
+      <a:fillRef idx="1">
+        <a:scrgbClr r="0" g="0" b="0"/>
+      </a:fillRef>
+      <a:effectRef idx="0">
+        <a:scrgbClr r="0" g="0" b="0"/>
+      </a:effectRef>
+      <a:fontRef idx="minor"/>
+    </dgm:style>
+  </dgm:styleLbl>
+  <dgm:styleLbl name="asst0">
+    <dgm:scene3d>
+      <a:camera prst="orthographicFront"/>
+      <a:lightRig rig="threePt" dir="t"/>
+    </dgm:scene3d>
+    <dgm:sp3d/>
+    <dgm:txPr/>
+    <dgm:style>
+      <a:lnRef idx="2">
+        <a:scrgbClr r="0" g="0" b="0"/>
+      </a:lnRef>
+      <a:fillRef idx="1">
+        <a:scrgbClr r="0" g="0" b="0"/>
+      </a:fillRef>
+      <a:effectRef idx="0">
+        <a:scrgbClr r="0" g="0" b="0"/>
+      </a:effectRef>
+      <a:fontRef idx="minor">
+        <a:schemeClr val="lt1"/>
+      </a:fontRef>
+    </dgm:style>
+  </dgm:styleLbl>
+  <dgm:styleLbl name="asst1">
+    <dgm:scene3d>
+      <a:camera prst="orthographicFront"/>
+      <a:lightRig rig="threePt" dir="t"/>
+    </dgm:scene3d>
+    <dgm:sp3d/>
+    <dgm:txPr/>
+    <dgm:style>
+      <a:lnRef idx="2">
+        <a:scrgbClr r="0" g="0" b="0"/>
+      </a:lnRef>
+      <a:fillRef idx="1">
+        <a:scrgbClr r="0" g="0" b="0"/>
+      </a:fillRef>
+      <a:effectRef idx="0">
+        <a:scrgbClr r="0" g="0" b="0"/>
+      </a:effectRef>
+      <a:fontRef idx="minor">
+        <a:schemeClr val="lt1"/>
+      </a:fontRef>
+    </dgm:style>
+  </dgm:styleLbl>
+  <dgm:styleLbl name="asst2">
+    <dgm:scene3d>
+      <a:camera prst="orthographicFront"/>
+      <a:lightRig rig="threePt" dir="t"/>
+    </dgm:scene3d>
+    <dgm:sp3d/>
+    <dgm:txPr/>
+    <dgm:style>
+      <a:lnRef idx="2">
+        <a:scrgbClr r="0" g="0" b="0"/>
+      </a:lnRef>
+      <a:fillRef idx="1">
+        <a:scrgbClr r="0" g="0" b="0"/>
+      </a:fillRef>
+      <a:effectRef idx="0">
+        <a:scrgbClr r="0" g="0" b="0"/>
+      </a:effectRef>
+      <a:fontRef idx="minor">
+        <a:schemeClr val="lt1"/>
+      </a:fontRef>
+    </dgm:style>
+  </dgm:styleLbl>
+  <dgm:styleLbl name="asst3">
+    <dgm:scene3d>
+      <a:camera prst="orthographicFront"/>
+      <a:lightRig rig="threePt" dir="t"/>
+    </dgm:scene3d>
+    <dgm:sp3d/>
+    <dgm:txPr/>
+    <dgm:style>
+      <a:lnRef idx="2">
+        <a:scrgbClr r="0" g="0" b="0"/>
+      </a:lnRef>
+      <a:fillRef idx="1">
+        <a:scrgbClr r="0" g="0" b="0"/>
+      </a:fillRef>
+      <a:effectRef idx="0">
+        <a:scrgbClr r="0" g="0" b="0"/>
+      </a:effectRef>
+      <a:fontRef idx="minor">
+        <a:schemeClr val="lt1"/>
+      </a:fontRef>
+    </dgm:style>
+  </dgm:styleLbl>
+  <dgm:styleLbl name="asst4">
+    <dgm:scene3d>
+      <a:camera prst="orthographicFront"/>
+      <a:lightRig rig="threePt" dir="t"/>
+    </dgm:scene3d>
+    <dgm:sp3d/>
+    <dgm:txPr/>
+    <dgm:style>
+      <a:lnRef idx="2">
+        <a:scrgbClr r="0" g="0" b="0"/>
+      </a:lnRef>
+      <a:fillRef idx="1">
+        <a:scrgbClr r="0" g="0" b="0"/>
+      </a:fillRef>
+      <a:effectRef idx="0">
+        <a:scrgbClr r="0" g="0" b="0"/>
+      </a:effectRef>
+      <a:fontRef idx="minor">
+        <a:schemeClr val="lt1"/>
+      </a:fontRef>
+    </dgm:style>
+  </dgm:styleLbl>
+  <dgm:styleLbl name="parChTrans2D1">
+    <dgm:scene3d>
+      <a:camera prst="orthographicFront"/>
+      <a:lightRig rig="threePt" dir="t"/>
+    </dgm:scene3d>
+    <dgm:sp3d/>
+    <dgm:txPr/>
+    <dgm:style>
+      <a:lnRef idx="2">
+        <a:scrgbClr r="0" g="0" b="0"/>
+      </a:lnRef>
+      <a:fillRef idx="1">
+        <a:scrgbClr r="0" g="0" b="0"/>
+      </a:fillRef>
+      <a:effectRef idx="0">
+        <a:scrgbClr r="0" g="0" b="0"/>
+      </a:effectRef>
+      <a:fontRef idx="minor">
+        <a:schemeClr val="lt1"/>
+      </a:fontRef>
+    </dgm:style>
+  </dgm:styleLbl>
+  <dgm:styleLbl name="parChTrans2D2">
+    <dgm:scene3d>
+      <a:camera prst="orthographicFront"/>
+      <a:lightRig rig="threePt" dir="t"/>
+    </dgm:scene3d>
+    <dgm:sp3d/>
+    <dgm:txPr/>
+    <dgm:style>
+      <a:lnRef idx="2">
+        <a:scrgbClr r="0" g="0" b="0"/>
+      </a:lnRef>
+      <a:fillRef idx="1">
+        <a:scrgbClr r="0" g="0" b="0"/>
+      </a:fillRef>
+      <a:effectRef idx="0">
+        <a:scrgbClr r="0" g="0" b="0"/>
+      </a:effectRef>
+      <a:fontRef idx="minor">
+        <a:schemeClr val="lt1"/>
+      </a:fontRef>
+    </dgm:style>
+  </dgm:styleLbl>
+  <dgm:styleLbl name="parChTrans2D3">
+    <dgm:scene3d>
+      <a:camera prst="orthographicFront"/>
+      <a:lightRig rig="threePt" dir="t"/>
+    </dgm:scene3d>
+    <dgm:sp3d/>
+    <dgm:txPr/>
+    <dgm:style>
+      <a:lnRef idx="2">
+        <a:scrgbClr r="0" g="0" b="0"/>
+      </a:lnRef>
+      <a:fillRef idx="1">
+        <a:scrgbClr r="0" g="0" b="0"/>
+      </a:fillRef>
+      <a:effectRef idx="0">
+        <a:scrgbClr r="0" g="0" b="0"/>
+      </a:effectRef>
+      <a:fontRef idx="minor">
+        <a:schemeClr val="lt1"/>
+      </a:fontRef>
+    </dgm:style>
+  </dgm:styleLbl>
+  <dgm:styleLbl name="parChTrans2D4">
+    <dgm:scene3d>
+      <a:camera prst="orthographicFront"/>
+      <a:lightRig rig="threePt" dir="t"/>
+    </dgm:scene3d>
+    <dgm:sp3d/>
+    <dgm:txPr/>
+    <dgm:style>
+      <a:lnRef idx="2">
+        <a:scrgbClr r="0" g="0" b="0"/>
+      </a:lnRef>
+      <a:fillRef idx="1">
+        <a:scrgbClr r="0" g="0" b="0"/>
+      </a:fillRef>
+      <a:effectRef idx="0">
+        <a:scrgbClr r="0" g="0" b="0"/>
+      </a:effectRef>
+      <a:fontRef idx="minor">
+        <a:schemeClr val="lt1"/>
+      </a:fontRef>
+    </dgm:style>
+  </dgm:styleLbl>
+  <dgm:styleLbl name="parChTrans1D1">
+    <dgm:scene3d>
+      <a:camera prst="orthographicFront"/>
+      <a:lightRig rig="threePt" dir="t"/>
+    </dgm:scene3d>
+    <dgm:sp3d/>
+    <dgm:txPr/>
+    <dgm:style>
+      <a:lnRef idx="2">
+        <a:scrgbClr r="0" g="0" b="0"/>
+      </a:lnRef>
+      <a:fillRef idx="0">
+        <a:scrgbClr r="0" g="0" b="0"/>
+      </a:fillRef>
+      <a:effectRef idx="0">
+        <a:scrgbClr r="0" g="0" b="0"/>
+      </a:effectRef>
+      <a:fontRef idx="minor"/>
+    </dgm:style>
+  </dgm:styleLbl>
+  <dgm:styleLbl name="parChTrans1D2">
+    <dgm:scene3d>
+      <a:camera prst="orthographicFront"/>
+      <a:lightRig rig="threePt" dir="t"/>
+    </dgm:scene3d>
+    <dgm:sp3d/>
+    <dgm:txPr/>
+    <dgm:style>
+      <a:lnRef idx="2">
+        <a:scrgbClr r="0" g="0" b="0"/>
+      </a:lnRef>
+      <a:fillRef idx="0">
+        <a:scrgbClr r="0" g="0" b="0"/>
+      </a:fillRef>
+      <a:effectRef idx="0">
+        <a:scrgbClr r="0" g="0" b="0"/>
+      </a:effectRef>
+      <a:fontRef idx="minor"/>
+    </dgm:style>
+  </dgm:styleLbl>
+  <dgm:styleLbl name="parChTrans1D3">
+    <dgm:scene3d>
+      <a:camera prst="orthographicFront"/>
+      <a:lightRig rig="threePt" dir="t"/>
+    </dgm:scene3d>
+    <dgm:sp3d/>
+    <dgm:txPr/>
+    <dgm:style>
+      <a:lnRef idx="2">
+        <a:scrgbClr r="0" g="0" b="0"/>
+      </a:lnRef>
+      <a:fillRef idx="0">
+        <a:scrgbClr r="0" g="0" b="0"/>
+      </a:fillRef>
+      <a:effectRef idx="0">
+        <a:scrgbClr r="0" g="0" b="0"/>
+      </a:effectRef>
+      <a:fontRef idx="minor"/>
+    </dgm:style>
+  </dgm:styleLbl>
+  <dgm:styleLbl name="parChTrans1D4">
+    <dgm:scene3d>
+      <a:camera prst="orthographicFront"/>
+      <a:lightRig rig="threePt" dir="t"/>
+    </dgm:scene3d>
+    <dgm:sp3d/>
+    <dgm:txPr/>
+    <dgm:style>
+      <a:lnRef idx="2">
+        <a:scrgbClr r="0" g="0" b="0"/>
+      </a:lnRef>
+      <a:fillRef idx="0">
+        <a:scrgbClr r="0" g="0" b="0"/>
+      </a:fillRef>
+      <a:effectRef idx="0">
+        <a:scrgbClr r="0" g="0" b="0"/>
+      </a:effectRef>
+      <a:fontRef idx="minor"/>
+    </dgm:style>
+  </dgm:styleLbl>
+  <dgm:styleLbl name="fgAcc1">
+    <dgm:scene3d>
+      <a:camera prst="orthographicFront"/>
+      <a:lightRig rig="threePt" dir="t"/>
+    </dgm:scene3d>
+    <dgm:sp3d/>
+    <dgm:txPr/>
+    <dgm:style>
+      <a:lnRef idx="2">
+        <a:scrgbClr r="0" g="0" b="0"/>
+      </a:lnRef>
+      <a:fillRef idx="1">
+        <a:scrgbClr r="0" g="0" b="0"/>
+      </a:fillRef>
+      <a:effectRef idx="0">
+        <a:scrgbClr r="0" g="0" b="0"/>
+      </a:effectRef>
+      <a:fontRef idx="minor"/>
+    </dgm:style>
+  </dgm:styleLbl>
+  <dgm:styleLbl name="conFgAcc1">
+    <dgm:scene3d>
+      <a:camera prst="orthographicFront"/>
+      <a:lightRig rig="threePt" dir="t"/>
+    </dgm:scene3d>
+    <dgm:sp3d/>
+    <dgm:txPr/>
+    <dgm:style>
+      <a:lnRef idx="2">
+        <a:scrgbClr r="0" g="0" b="0"/>
+      </a:lnRef>
+      <a:fillRef idx="1">
+        <a:scrgbClr r="0" g="0" b="0"/>
+      </a:fillRef>
+      <a:effectRef idx="0">
+        <a:scrgbClr r="0" g="0" b="0"/>
+      </a:effectRef>
+      <a:fontRef idx="minor"/>
+    </dgm:style>
+  </dgm:styleLbl>
+  <dgm:styleLbl name="alignAcc1">
+    <dgm:scene3d>
+      <a:camera prst="orthographicFront"/>
+      <a:lightRig rig="threePt" dir="t"/>
+    </dgm:scene3d>
+    <dgm:sp3d/>
+    <dgm:txPr/>
+    <dgm:style>
+      <a:lnRef idx="2">
+        <a:scrgbClr r="0" g="0" b="0"/>
+      </a:lnRef>
+      <a:fillRef idx="1">
+        <a:scrgbClr r="0" g="0" b="0"/>
+      </a:fillRef>
+      <a:effectRef idx="0">
+        <a:scrgbClr r="0" g="0" b="0"/>
+      </a:effectRef>
+      <a:fontRef idx="minor"/>
+    </dgm:style>
+  </dgm:styleLbl>
+  <dgm:styleLbl name="trAlignAcc1">
+    <dgm:scene3d>
+      <a:camera prst="orthographicFront"/>
+      <a:lightRig rig="threePt" dir="t"/>
+    </dgm:scene3d>
+    <dgm:sp3d/>
+    <dgm:txPr/>
+    <dgm:style>
+      <a:lnRef idx="1">
+        <a:scrgbClr r="0" g="0" b="0"/>
+      </a:lnRef>
+      <a:fillRef idx="1">
+        <a:scrgbClr r="0" g="0" b="0"/>
+      </a:fillRef>
+      <a:effectRef idx="0">
+        <a:scrgbClr r="0" g="0" b="0"/>
+      </a:effectRef>
+      <a:fontRef idx="minor"/>
+    </dgm:style>
+  </dgm:styleLbl>
+  <dgm:styleLbl name="bgAcc1">
+    <dgm:scene3d>
+      <a:camera prst="orthographicFront"/>
+      <a:lightRig rig="threePt" dir="t"/>
+    </dgm:scene3d>
+    <dgm:sp3d/>
+    <dgm:txPr/>
+    <dgm:style>
+      <a:lnRef idx="2">
+        <a:scrgbClr r="0" g="0" b="0"/>
+      </a:lnRef>
+      <a:fillRef idx="1">
+        <a:scrgbClr r="0" g="0" b="0"/>
+      </a:fillRef>
+      <a:effectRef idx="0">
+        <a:scrgbClr r="0" g="0" b="0"/>
+      </a:effectRef>
+      <a:fontRef idx="minor"/>
+    </dgm:style>
+  </dgm:styleLbl>
+  <dgm:styleLbl name="solidFgAcc1">
+    <dgm:scene3d>
+      <a:camera prst="orthographicFront"/>
+      <a:lightRig rig="threePt" dir="t"/>
+    </dgm:scene3d>
+    <dgm:sp3d/>
+    <dgm:txPr/>
+    <dgm:style>
+      <a:lnRef idx="2">
+        <a:scrgbClr r="0" g="0" b="0"/>
+      </a:lnRef>
+      <a:fillRef idx="1">
+        <a:scrgbClr r="0" g="0" b="0"/>
+      </a:fillRef>
+      <a:effectRef idx="0">
+        <a:scrgbClr r="0" g="0" b="0"/>
+      </a:effectRef>
+      <a:fontRef idx="minor"/>
+    </dgm:style>
+  </dgm:styleLbl>
+  <dgm:styleLbl name="solidAlignAcc1">
+    <dgm:scene3d>
+      <a:camera prst="orthographicFront"/>
+      <a:lightRig rig="threePt" dir="t"/>
+    </dgm:scene3d>
+    <dgm:sp3d/>
+    <dgm:txPr/>
+    <dgm:style>
+      <a:lnRef idx="2">
+        <a:scrgbClr r="0" g="0" b="0"/>
+      </a:lnRef>
+      <a:fillRef idx="1">
+        <a:scrgbClr r="0" g="0" b="0"/>
+      </a:fillRef>
+      <a:effectRef idx="0">
+        <a:scrgbClr r="0" g="0" b="0"/>
+      </a:effectRef>
+      <a:fontRef idx="minor"/>
+    </dgm:style>
+  </dgm:styleLbl>
+  <dgm:styleLbl name="solidBgAcc1">
+    <dgm:scene3d>
+      <a:camera prst="orthographicFront"/>
+      <a:lightRig rig="threePt" dir="t"/>
+    </dgm:scene3d>
+    <dgm:sp3d/>
+    <dgm:txPr/>
+    <dgm:style>
+      <a:lnRef idx="2">
+        <a:scrgbClr r="0" g="0" b="0"/>
+      </a:lnRef>
+      <a:fillRef idx="1">
+        <a:scrgbClr r="0" g="0" b="0"/>
+      </a:fillRef>
+      <a:effectRef idx="0">
+        <a:scrgbClr r="0" g="0" b="0"/>
+      </a:effectRef>
+      <a:fontRef idx="minor"/>
+    </dgm:style>
+  </dgm:styleLbl>
+  <dgm:styleLbl name="fgAccFollowNode1">
+    <dgm:scene3d>
+      <a:camera prst="orthographicFront"/>
+      <a:lightRig rig="threePt" dir="t"/>
+    </dgm:scene3d>
+    <dgm:sp3d/>
+    <dgm:txPr/>
+    <dgm:style>
+      <a:lnRef idx="2">
+        <a:scrgbClr r="0" g="0" b="0"/>
+      </a:lnRef>
+      <a:fillRef idx="1">
+        <a:scrgbClr r="0" g="0" b="0"/>
+      </a:fillRef>
+      <a:effectRef idx="0">
+        <a:scrgbClr r="0" g="0" b="0"/>
+      </a:effectRef>
+      <a:fontRef idx="minor"/>
+    </dgm:style>
+  </dgm:styleLbl>
+  <dgm:styleLbl name="alignAccFollowNode1">
+    <dgm:scene3d>
+      <a:camera prst="orthographicFront"/>
+      <a:lightRig rig="threePt" dir="t"/>
+    </dgm:scene3d>
+    <dgm:sp3d/>
+    <dgm:txPr/>
+    <dgm:style>
+      <a:lnRef idx="2">
+        <a:scrgbClr r="0" g="0" b="0"/>
+      </a:lnRef>
+      <a:fillRef idx="1">
+        <a:scrgbClr r="0" g="0" b="0"/>
+      </a:fillRef>
+      <a:effectRef idx="0">
+        <a:scrgbClr r="0" g="0" b="0"/>
+      </a:effectRef>
+      <a:fontRef idx="minor"/>
+    </dgm:style>
+  </dgm:styleLbl>
+  <dgm:styleLbl name="bgAccFollowNode1">
+    <dgm:scene3d>
+      <a:camera prst="orthographicFront"/>
+      <a:lightRig rig="threePt" dir="t"/>
+    </dgm:scene3d>
+    <dgm:sp3d/>
+    <dgm:txPr/>
+    <dgm:style>
+      <a:lnRef idx="2">
+        <a:scrgbClr r="0" g="0" b="0"/>
+      </a:lnRef>
+      <a:fillRef idx="1">
+        <a:scrgbClr r="0" g="0" b="0"/>
+      </a:fillRef>
+      <a:effectRef idx="0">
+        <a:scrgbClr r="0" g="0" b="0"/>
+      </a:effectRef>
+      <a:fontRef idx="minor"/>
+    </dgm:style>
+  </dgm:styleLbl>
+  <dgm:styleLbl name="fgAcc0">
+    <dgm:scene3d>
+      <a:camera prst="orthographicFront"/>
+      <a:lightRig rig="threePt" dir="t"/>
+    </dgm:scene3d>
+    <dgm:sp3d/>
+    <dgm:txPr/>
+    <dgm:style>
+      <a:lnRef idx="2">
+        <a:scrgbClr r="0" g="0" b="0"/>
+      </a:lnRef>
+      <a:fillRef idx="1">
+        <a:scrgbClr r="0" g="0" b="0"/>
+      </a:fillRef>
+      <a:effectRef idx="0">
+        <a:scrgbClr r="0" g="0" b="0"/>
+      </a:effectRef>
+      <a:fontRef idx="minor"/>
+    </dgm:style>
+  </dgm:styleLbl>
+  <dgm:styleLbl name="fgAcc2">
+    <dgm:scene3d>
+      <a:camera prst="orthographicFront"/>
+      <a:lightRig rig="threePt" dir="t"/>
+    </dgm:scene3d>
+    <dgm:sp3d/>
+    <dgm:txPr/>
+    <dgm:style>
+      <a:lnRef idx="2">
+        <a:scrgbClr r="0" g="0" b="0"/>
+      </a:lnRef>
+      <a:fillRef idx="1">
+        <a:scrgbClr r="0" g="0" b="0"/>
+      </a:fillRef>
+      <a:effectRef idx="0">
+        <a:scrgbClr r="0" g="0" b="0"/>
+      </a:effectRef>
+      <a:fontRef idx="minor"/>
+    </dgm:style>
+  </dgm:styleLbl>
+  <dgm:styleLbl name="fgAcc3">
+    <dgm:scene3d>
+      <a:camera prst="orthographicFront"/>
+      <a:lightRig rig="threePt" dir="t"/>
+    </dgm:scene3d>
+    <dgm:sp3d/>
+    <dgm:txPr/>
+    <dgm:style>
+      <a:lnRef idx="2">
+        <a:scrgbClr r="0" g="0" b="0"/>
+      </a:lnRef>
+      <a:fillRef idx="1">
+        <a:scrgbClr r="0" g="0" b="0"/>
+      </a:fillRef>
+      <a:effectRef idx="0">
+        <a:scrgbClr r="0" g="0" b="0"/>
+      </a:effectRef>
+      <a:fontRef idx="minor"/>
+    </dgm:style>
+  </dgm:styleLbl>
+  <dgm:styleLbl name="fgAcc4">
+    <dgm:scene3d>
+      <a:camera prst="orthographicFront"/>
+      <a:lightRig rig="threePt" dir="t"/>
+    </dgm:scene3d>
+    <dgm:sp3d/>
+    <dgm:txPr/>
+    <dgm:style>
+      <a:lnRef idx="2">
+        <a:scrgbClr r="0" g="0" b="0"/>
+      </a:lnRef>
+      <a:fillRef idx="1">
+        <a:scrgbClr r="0" g="0" b="0"/>
+      </a:fillRef>
+      <a:effectRef idx="0">
+        <a:scrgbClr r="0" g="0" b="0"/>
+      </a:effectRef>
+      <a:fontRef idx="minor"/>
+    </dgm:style>
+  </dgm:styleLbl>
+  <dgm:styleLbl name="bgShp">
+    <dgm:scene3d>
+      <a:camera prst="orthographicFront"/>
+      <a:lightRig rig="threePt" dir="t"/>
+    </dgm:scene3d>
+    <dgm:sp3d/>
+    <dgm:txPr/>
+    <dgm:style>
+      <a:lnRef idx="0">
+        <a:scrgbClr r="0" g="0" b="0"/>
+      </a:lnRef>
+      <a:fillRef idx="1">
+        <a:scrgbClr r="0" g="0" b="0"/>
+      </a:fillRef>
+      <a:effectRef idx="0">
+        <a:scrgbClr r="0" g="0" b="0"/>
+      </a:effectRef>
+      <a:fontRef idx="minor"/>
+    </dgm:style>
+  </dgm:styleLbl>
+  <dgm:styleLbl name="dkBgShp">
+    <dgm:scene3d>
+      <a:camera prst="orthographicFront"/>
+      <a:lightRig rig="threePt" dir="t"/>
+    </dgm:scene3d>
+    <dgm:sp3d/>
+    <dgm:txPr/>
+    <dgm:style>
+      <a:lnRef idx="0">
+        <a:scrgbClr r="0" g="0" b="0"/>
+      </a:lnRef>
+      <a:fillRef idx="1">
+        <a:scrgbClr r="0" g="0" b="0"/>
+      </a:fillRef>
+      <a:effectRef idx="0">
+        <a:scrgbClr r="0" g="0" b="0"/>
+      </a:effectRef>
+      <a:fontRef idx="minor"/>
+    </dgm:style>
+  </dgm:styleLbl>
+  <dgm:styleLbl name="trBgShp">
+    <dgm:scene3d>
+      <a:camera prst="orthographicFront"/>
+      <a:lightRig rig="threePt" dir="t"/>
+    </dgm:scene3d>
+    <dgm:sp3d/>
+    <dgm:txPr/>
+    <dgm:style>
+      <a:lnRef idx="0">
+        <a:scrgbClr r="0" g="0" b="0"/>
+      </a:lnRef>
+      <a:fillRef idx="1">
+        <a:scrgbClr r="0" g="0" b="0"/>
+      </a:fillRef>
+      <a:effectRef idx="0">
+        <a:scrgbClr r="0" g="0" b="0"/>
+      </a:effectRef>
+      <a:fontRef idx="minor"/>
+    </dgm:style>
+  </dgm:styleLbl>
+  <dgm:styleLbl name="fgShp">
+    <dgm:scene3d>
+      <a:camera prst="orthographicFront"/>
+      <a:lightRig rig="threePt" dir="t"/>
+    </dgm:scene3d>
+    <dgm:sp3d/>
+    <dgm:txPr/>
+    <dgm:style>
+      <a:lnRef idx="2">
+        <a:scrgbClr r="0" g="0" b="0"/>
+      </a:lnRef>
+      <a:fillRef idx="1">
+        <a:scrgbClr r="0" g="0" b="0"/>
+      </a:fillRef>
+      <a:effectRef idx="0">
+        <a:scrgbClr r="0" g="0" b="0"/>
+      </a:effectRef>
+      <a:fontRef idx="minor"/>
+    </dgm:style>
+  </dgm:styleLbl>
+  <dgm:styleLbl name="revTx">
+    <dgm:scene3d>
+      <a:camera prst="orthographicFront"/>
+      <a:lightRig rig="threePt" dir="t"/>
+    </dgm:scene3d>
+    <dgm:sp3d/>
+    <dgm:txPr/>
+    <dgm:style>
+      <a:lnRef idx="0">
+        <a:scrgbClr r="0" g="0" b="0"/>
+      </a:lnRef>
+      <a:fillRef idx="0">
+        <a:scrgbClr r="0" g="0" b="0"/>
+      </a:fillRef>
+      <a:effectRef idx="0">
+        <a:scrgbClr r="0" g="0" b="0"/>
+      </a:effectRef>
+      <a:fontRef idx="minor"/>
+    </dgm:style>
+  </dgm:styleLbl>
+</dgm:styleDef>
+</file>
+
+<file path=ppt/diagrams/quickStyle2.xml><?xml version="1.0" encoding="utf-8"?>
 <dgm:styleDef xmlns:dgm="http://schemas.openxmlformats.org/drawingml/2006/diagram" xmlns:a="http://schemas.openxmlformats.org/drawingml/2006/main" uniqueId="urn:microsoft.com/office/officeart/2005/8/quickstyle/simple1">
   <dgm:title val=""/>
   <dgm:desc val=""/>
@@ -7021,7 +11617,7 @@
             <a:fld id="{B433C187-B852-47F3-9F25-E2576EEA5EC7}" type="datetimeFigureOut">
               <a:rPr lang="en-US" smtClean="0"/>
               <a:pPr/>
-              <a:t>1/24/2015</a:t>
+              <a:t>1/25/2015</a:t>
             </a:fld>
             <a:endParaRPr lang="en-US"/>
           </a:p>
@@ -7188,7 +11784,7 @@
             <a:fld id="{3A290325-3CDB-4F07-8B7E-C07E14551942}" type="datetimeFigureOut">
               <a:rPr lang="en-US" smtClean="0"/>
               <a:pPr/>
-              <a:t>1/24/2015</a:t>
+              <a:t>1/25/2015</a:t>
             </a:fld>
             <a:endParaRPr lang="en-US"/>
           </a:p>
@@ -7816,7 +12412,7 @@
             <a:fld id="{6673A75A-C64A-4D05-AD90-69818D56A449}" type="datetime1">
               <a:rPr lang="en-US" smtClean="0"/>
               <a:pPr/>
-              <a:t>1/24/2015</a:t>
+              <a:t>1/25/2015</a:t>
             </a:fld>
             <a:endParaRPr lang="en-US"/>
           </a:p>
@@ -8156,7 +12752,7 @@
             <a:fld id="{7082BFD8-E75A-4783-9CE7-03B8AB78E6CC}" type="datetime1">
               <a:rPr lang="en-US" smtClean="0"/>
               <a:pPr/>
-              <a:t>1/24/2015</a:t>
+              <a:t>1/25/2015</a:t>
             </a:fld>
             <a:endParaRPr lang="en-US"/>
           </a:p>
@@ -8559,7 +13155,7 @@
             <a:fld id="{4376E298-7A57-4F6A-B8A3-6860194050C0}" type="datetime1">
               <a:rPr lang="en-US" smtClean="0"/>
               <a:pPr/>
-              <a:t>1/24/2015</a:t>
+              <a:t>1/25/2015</a:t>
             </a:fld>
             <a:endParaRPr lang="en-US"/>
           </a:p>
@@ -8897,7 +13493,7 @@
             <a:fld id="{32EB25B1-4D92-4A6C-99D5-7E8D33F694DA}" type="datetime1">
               <a:rPr lang="en-US" smtClean="0"/>
               <a:pPr/>
-              <a:t>1/24/2015</a:t>
+              <a:t>1/25/2015</a:t>
             </a:fld>
             <a:endParaRPr lang="en-US"/>
           </a:p>
@@ -9219,7 +13815,7 @@
             <a:fld id="{BC2F8A96-61B7-4C5F-87B8-DA13C3F89304}" type="datetime1">
               <a:rPr lang="en-US" smtClean="0"/>
               <a:pPr/>
-              <a:t>1/24/2015</a:t>
+              <a:t>1/25/2015</a:t>
             </a:fld>
             <a:endParaRPr lang="en-US"/>
           </a:p>
@@ -9617,7 +14213,7 @@
             <a:fld id="{6503EA15-52B3-4FAC-98BF-6E6B14969BC2}" type="datetime1">
               <a:rPr lang="en-US" smtClean="0"/>
               <a:pPr/>
-              <a:t>1/24/2015</a:t>
+              <a:t>1/25/2015</a:t>
             </a:fld>
             <a:endParaRPr lang="en-US"/>
           </a:p>
@@ -9876,7 +14472,7 @@
             <a:fld id="{E40DD554-E933-4581-B7B9-F6E780727673}" type="datetime1">
               <a:rPr lang="en-US" smtClean="0"/>
               <a:pPr/>
-              <a:t>1/24/2015</a:t>
+              <a:t>1/25/2015</a:t>
             </a:fld>
             <a:endParaRPr lang="en-US"/>
           </a:p>
@@ -10140,7 +14736,7 @@
             <a:fld id="{23B82E21-1574-4C58-ABA3-C0E6D29FE21F}" type="datetime1">
               <a:rPr lang="en-US" smtClean="0"/>
               <a:pPr/>
-              <a:t>1/24/2015</a:t>
+              <a:t>1/25/2015</a:t>
             </a:fld>
             <a:endParaRPr lang="en-US"/>
           </a:p>
@@ -10404,7 +15000,7 @@
             <a:fld id="{D6565915-DD34-476A-A61F-DC95E14B0FF5}" type="datetime1">
               <a:rPr lang="en-US" smtClean="0"/>
               <a:pPr/>
-              <a:t>1/24/2015</a:t>
+              <a:t>1/25/2015</a:t>
             </a:fld>
             <a:endParaRPr lang="en-US"/>
           </a:p>
@@ -10735,7 +15331,7 @@
             <a:fld id="{2589EA12-25A3-4DD2-988C-29E5BB270DC6}" type="datetime1">
               <a:rPr lang="en-US" smtClean="0"/>
               <a:pPr/>
-              <a:t>1/24/2015</a:t>
+              <a:t>1/25/2015</a:t>
             </a:fld>
             <a:endParaRPr lang="en-US"/>
           </a:p>
@@ -11060,7 +15656,7 @@
             <a:fld id="{3B0E9937-5FBA-42CB-9DAC-2AD1EE2ED020}" type="datetime1">
               <a:rPr lang="en-US" smtClean="0"/>
               <a:pPr/>
-              <a:t>1/24/2015</a:t>
+              <a:t>1/25/2015</a:t>
             </a:fld>
             <a:endParaRPr lang="en-US"/>
           </a:p>
@@ -11519,7 +16115,7 @@
             <a:fld id="{7BFF727B-8E93-4B0C-A2AE-0B247EA44BF8}" type="datetime1">
               <a:rPr lang="en-US" smtClean="0"/>
               <a:pPr/>
-              <a:t>1/24/2015</a:t>
+              <a:t>1/25/2015</a:t>
             </a:fld>
             <a:endParaRPr lang="en-US"/>
           </a:p>
@@ -11726,7 +16322,7 @@
             <a:fld id="{CABD9544-406F-42A5-B0BE-841634753CE0}" type="datetime1">
               <a:rPr lang="en-US" smtClean="0"/>
               <a:pPr/>
-              <a:t>1/24/2015</a:t>
+              <a:t>1/25/2015</a:t>
             </a:fld>
             <a:endParaRPr lang="en-US"/>
           </a:p>
@@ -11905,7 +16501,7 @@
             <a:fld id="{43B1B516-F11A-48A7-9020-267115E89F9C}" type="datetime1">
               <a:rPr lang="en-US" smtClean="0"/>
               <a:pPr/>
-              <a:t>1/24/2015</a:t>
+              <a:t>1/25/2015</a:t>
             </a:fld>
             <a:endParaRPr lang="en-US"/>
           </a:p>
@@ -12240,7 +16836,7 @@
             <a:fld id="{1D412991-3616-4AFC-9155-325EFDE3C877}" type="datetime1">
               <a:rPr lang="en-US" smtClean="0"/>
               <a:pPr/>
-              <a:t>1/24/2015</a:t>
+              <a:t>1/25/2015</a:t>
             </a:fld>
             <a:endParaRPr lang="en-US"/>
           </a:p>
@@ -12587,7 +17183,7 @@
             <a:fld id="{F28C85A8-DB05-4B55-8CEF-73E49E296CC9}" type="datetime1">
               <a:rPr lang="en-US" smtClean="0"/>
               <a:pPr/>
-              <a:t>1/24/2015</a:t>
+              <a:t>1/25/2015</a:t>
             </a:fld>
             <a:endParaRPr lang="en-US"/>
           </a:p>
@@ -14706,7 +19302,7 @@
             <a:fld id="{90519AC8-4AEE-4209-8E09-6B0DBB202AC4}" type="datetime1">
               <a:rPr lang="en-US" smtClean="0"/>
               <a:pPr/>
-              <a:t>1/24/2015</a:t>
+              <a:t>1/25/2015</a:t>
             </a:fld>
             <a:endParaRPr lang="en-US"/>
           </a:p>
@@ -15612,6 +20208,14 @@
   <p:clrMapOvr>
     <a:masterClrMapping/>
   </p:clrMapOvr>
+  <mc:AlternateContent xmlns:mc="http://schemas.openxmlformats.org/markup-compatibility/2006">
+    <mc:Choice xmlns:p14="http://schemas.microsoft.com/office/powerpoint/2010/main" Requires="p14">
+      <p:transition p14:dur="0"/>
+    </mc:Choice>
+    <mc:Fallback>
+      <p:transition/>
+    </mc:Fallback>
+  </mc:AlternateContent>
   <p:timing>
     <p:tnLst>
       <p:par>
@@ -16061,6 +20665,14 @@
   <p:clrMapOvr>
     <a:masterClrMapping/>
   </p:clrMapOvr>
+  <mc:AlternateContent xmlns:mc="http://schemas.openxmlformats.org/markup-compatibility/2006">
+    <mc:Choice xmlns:p14="http://schemas.microsoft.com/office/powerpoint/2010/main" Requires="p14">
+      <p:transition p14:dur="0"/>
+    </mc:Choice>
+    <mc:Fallback>
+      <p:transition/>
+    </mc:Fallback>
+  </mc:AlternateContent>
   <p:timing>
     <p:tnLst>
       <p:par>
@@ -16528,6 +21140,14 @@
   <p:clrMapOvr>
     <a:masterClrMapping/>
   </p:clrMapOvr>
+  <mc:AlternateContent xmlns:mc="http://schemas.openxmlformats.org/markup-compatibility/2006">
+    <mc:Choice xmlns:p14="http://schemas.microsoft.com/office/powerpoint/2010/main" Requires="p14">
+      <p:transition p14:dur="0"/>
+    </mc:Choice>
+    <mc:Fallback>
+      <p:transition/>
+    </mc:Fallback>
+  </mc:AlternateContent>
   <p:timing>
     <p:tnLst>
       <p:par>
@@ -16807,6 +21427,14 @@
   <p:clrMapOvr>
     <a:masterClrMapping/>
   </p:clrMapOvr>
+  <mc:AlternateContent xmlns:mc="http://schemas.openxmlformats.org/markup-compatibility/2006">
+    <mc:Choice xmlns:p14="http://schemas.microsoft.com/office/powerpoint/2010/main" Requires="p14">
+      <p:transition p14:dur="0"/>
+    </mc:Choice>
+    <mc:Fallback>
+      <p:transition/>
+    </mc:Fallback>
+  </mc:AlternateContent>
   <p:timing>
     <p:tnLst>
       <p:par>
@@ -17024,6 +21652,14 @@
   <p:clrMapOvr>
     <a:masterClrMapping/>
   </p:clrMapOvr>
+  <mc:AlternateContent xmlns:mc="http://schemas.openxmlformats.org/markup-compatibility/2006">
+    <mc:Choice xmlns:p14="http://schemas.microsoft.com/office/powerpoint/2010/main" Requires="p14">
+      <p:transition p14:dur="0"/>
+    </mc:Choice>
+    <mc:Fallback>
+      <p:transition/>
+    </mc:Fallback>
+  </mc:AlternateContent>
   <p:timing>
     <p:tnLst>
       <p:par>
@@ -17190,6 +21826,14 @@
   <p:clrMapOvr>
     <a:masterClrMapping/>
   </p:clrMapOvr>
+  <mc:AlternateContent xmlns:mc="http://schemas.openxmlformats.org/markup-compatibility/2006">
+    <mc:Choice xmlns:p14="http://schemas.microsoft.com/office/powerpoint/2010/main" Requires="p14">
+      <p:transition p14:dur="0"/>
+    </mc:Choice>
+    <mc:Fallback>
+      <p:transition/>
+    </mc:Fallback>
+  </mc:AlternateContent>
   <p:timing>
     <p:tnLst>
       <p:par>
@@ -17636,6 +22280,14 @@
   <p:clrMapOvr>
     <a:masterClrMapping/>
   </p:clrMapOvr>
+  <mc:AlternateContent xmlns:mc="http://schemas.openxmlformats.org/markup-compatibility/2006">
+    <mc:Choice xmlns:p14="http://schemas.microsoft.com/office/powerpoint/2010/main" Requires="p14">
+      <p:transition p14:dur="0"/>
+    </mc:Choice>
+    <mc:Fallback>
+      <p:transition/>
+    </mc:Fallback>
+  </mc:AlternateContent>
   <p:timing>
     <p:tnLst>
       <p:par>
@@ -17898,6 +22550,14 @@
   <p:clrMapOvr>
     <a:masterClrMapping/>
   </p:clrMapOvr>
+  <mc:AlternateContent xmlns:mc="http://schemas.openxmlformats.org/markup-compatibility/2006">
+    <mc:Choice xmlns:p14="http://schemas.microsoft.com/office/powerpoint/2010/main" Requires="p14">
+      <p:transition p14:dur="0"/>
+    </mc:Choice>
+    <mc:Fallback>
+      <p:transition/>
+    </mc:Fallback>
+  </mc:AlternateContent>
   <p:timing>
     <p:tnLst>
       <p:par>
@@ -18093,6 +22753,14 @@
   <p:clrMapOvr>
     <a:masterClrMapping/>
   </p:clrMapOvr>
+  <mc:AlternateContent xmlns:mc="http://schemas.openxmlformats.org/markup-compatibility/2006">
+    <mc:Choice xmlns:p14="http://schemas.microsoft.com/office/powerpoint/2010/main" Requires="p14">
+      <p:transition p14:dur="0"/>
+    </mc:Choice>
+    <mc:Fallback>
+      <p:transition/>
+    </mc:Fallback>
+  </mc:AlternateContent>
   <p:timing>
     <p:tnLst>
       <p:par>
@@ -19083,6 +23751,14 @@
   <p:clrMapOvr>
     <a:masterClrMapping/>
   </p:clrMapOvr>
+  <mc:AlternateContent xmlns:mc="http://schemas.openxmlformats.org/markup-compatibility/2006">
+    <mc:Choice xmlns:p14="http://schemas.microsoft.com/office/powerpoint/2010/main" Requires="p14">
+      <p:transition p14:dur="0"/>
+    </mc:Choice>
+    <mc:Fallback>
+      <p:transition/>
+    </mc:Fallback>
+  </mc:AlternateContent>
   <p:timing>
     <p:tnLst>
       <p:par>
@@ -19969,6 +24645,14 @@
   <p:clrMapOvr>
     <a:masterClrMapping/>
   </p:clrMapOvr>
+  <mc:AlternateContent xmlns:mc="http://schemas.openxmlformats.org/markup-compatibility/2006">
+    <mc:Choice xmlns:p14="http://schemas.microsoft.com/office/powerpoint/2010/main" Requires="p14">
+      <p:transition p14:dur="0"/>
+    </mc:Choice>
+    <mc:Fallback>
+      <p:transition/>
+    </mc:Fallback>
+  </mc:AlternateContent>
   <p:timing>
     <p:tnLst>
       <p:par>
@@ -20180,6 +24864,14 @@
   <p:clrMapOvr>
     <a:masterClrMapping/>
   </p:clrMapOvr>
+  <mc:AlternateContent xmlns:mc="http://schemas.openxmlformats.org/markup-compatibility/2006">
+    <mc:Choice xmlns:p14="http://schemas.microsoft.com/office/powerpoint/2010/main" Requires="p14">
+      <p:transition p14:dur="0"/>
+    </mc:Choice>
+    <mc:Fallback>
+      <p:transition/>
+    </mc:Fallback>
+  </mc:AlternateContent>
   <p:timing>
     <p:tnLst>
       <p:par>
@@ -20376,6 +25068,14 @@
   <p:clrMapOvr>
     <a:masterClrMapping/>
   </p:clrMapOvr>
+  <mc:AlternateContent xmlns:mc="http://schemas.openxmlformats.org/markup-compatibility/2006">
+    <mc:Choice xmlns:p14="http://schemas.microsoft.com/office/powerpoint/2010/main" Requires="p14">
+      <p:transition p14:dur="0"/>
+    </mc:Choice>
+    <mc:Fallback>
+      <p:transition/>
+    </mc:Fallback>
+  </mc:AlternateContent>
   <p:timing>
     <p:tnLst>
       <p:par>
@@ -20611,6 +25311,14 @@
   <p:clrMapOvr>
     <a:masterClrMapping/>
   </p:clrMapOvr>
+  <mc:AlternateContent xmlns:mc="http://schemas.openxmlformats.org/markup-compatibility/2006">
+    <mc:Choice xmlns:p14="http://schemas.microsoft.com/office/powerpoint/2010/main" Requires="p14">
+      <p:transition p14:dur="0"/>
+    </mc:Choice>
+    <mc:Fallback>
+      <p:transition/>
+    </mc:Fallback>
+  </mc:AlternateContent>
   <p:timing>
     <p:tnLst>
       <p:par>
@@ -20877,6 +25585,14 @@
   <p:clrMapOvr>
     <a:masterClrMapping/>
   </p:clrMapOvr>
+  <mc:AlternateContent xmlns:mc="http://schemas.openxmlformats.org/markup-compatibility/2006">
+    <mc:Choice xmlns:p14="http://schemas.microsoft.com/office/powerpoint/2010/main" Requires="p14">
+      <p:transition p14:dur="0"/>
+    </mc:Choice>
+    <mc:Fallback>
+      <p:transition/>
+    </mc:Fallback>
+  </mc:AlternateContent>
   <p:timing>
     <p:tnLst>
       <p:par>
@@ -21323,6 +26039,14 @@
   <p:clrMapOvr>
     <a:masterClrMapping/>
   </p:clrMapOvr>
+  <mc:AlternateContent xmlns:mc="http://schemas.openxmlformats.org/markup-compatibility/2006">
+    <mc:Choice xmlns:p14="http://schemas.microsoft.com/office/powerpoint/2010/main" Requires="p14">
+      <p:transition p14:dur="0"/>
+    </mc:Choice>
+    <mc:Fallback>
+      <p:transition/>
+    </mc:Fallback>
+  </mc:AlternateContent>
   <p:timing>
     <p:tnLst>
       <p:par>
@@ -21500,6 +26224,14 @@
   <p:clrMapOvr>
     <a:masterClrMapping/>
   </p:clrMapOvr>
+  <mc:AlternateContent xmlns:mc="http://schemas.openxmlformats.org/markup-compatibility/2006">
+    <mc:Choice xmlns:p14="http://schemas.microsoft.com/office/powerpoint/2010/main" Requires="p14">
+      <p:transition p14:dur="0"/>
+    </mc:Choice>
+    <mc:Fallback>
+      <p:transition/>
+    </mc:Fallback>
+  </mc:AlternateContent>
   <p:timing>
     <p:tnLst>
       <p:par>
@@ -22515,6 +27247,14 @@
   <p:clrMapOvr>
     <a:masterClrMapping/>
   </p:clrMapOvr>
+  <mc:AlternateContent xmlns:mc="http://schemas.openxmlformats.org/markup-compatibility/2006">
+    <mc:Choice xmlns:p14="http://schemas.microsoft.com/office/powerpoint/2010/main" Requires="p14">
+      <p:transition p14:dur="0"/>
+    </mc:Choice>
+    <mc:Fallback>
+      <p:transition/>
+    </mc:Fallback>
+  </mc:AlternateContent>
   <p:timing>
     <p:tnLst>
       <p:par>
@@ -23461,6 +28201,14 @@
   <p:clrMapOvr>
     <a:masterClrMapping/>
   </p:clrMapOvr>
+  <mc:AlternateContent xmlns:mc="http://schemas.openxmlformats.org/markup-compatibility/2006">
+    <mc:Choice xmlns:p14="http://schemas.microsoft.com/office/powerpoint/2010/main" Requires="p14">
+      <p:transition p14:dur="0"/>
+    </mc:Choice>
+    <mc:Fallback>
+      <p:transition/>
+    </mc:Fallback>
+  </mc:AlternateContent>
   <p:timing>
     <p:tnLst>
       <p:par>
@@ -23767,6 +28515,14 @@
   <p:clrMapOvr>
     <a:masterClrMapping/>
   </p:clrMapOvr>
+  <mc:AlternateContent xmlns:mc="http://schemas.openxmlformats.org/markup-compatibility/2006">
+    <mc:Choice xmlns:p14="http://schemas.microsoft.com/office/powerpoint/2010/main" Requires="p14">
+      <p:transition p14:dur="0"/>
+    </mc:Choice>
+    <mc:Fallback>
+      <p:transition/>
+    </mc:Fallback>
+  </mc:AlternateContent>
   <p:timing>
     <p:tnLst>
       <p:par>
@@ -24073,6 +28829,14 @@
   <p:clrMapOvr>
     <a:masterClrMapping/>
   </p:clrMapOvr>
+  <mc:AlternateContent xmlns:mc="http://schemas.openxmlformats.org/markup-compatibility/2006">
+    <mc:Choice xmlns:p14="http://schemas.microsoft.com/office/powerpoint/2010/main" Requires="p14">
+      <p:transition p14:dur="0"/>
+    </mc:Choice>
+    <mc:Fallback>
+      <p:transition/>
+    </mc:Fallback>
+  </mc:AlternateContent>
   <p:timing>
     <p:tnLst>
       <p:par>
@@ -24304,6 +29068,14 @@
   <p:clrMapOvr>
     <a:masterClrMapping/>
   </p:clrMapOvr>
+  <mc:AlternateContent xmlns:mc="http://schemas.openxmlformats.org/markup-compatibility/2006">
+    <mc:Choice xmlns:p14="http://schemas.microsoft.com/office/powerpoint/2010/main" Requires="p14">
+      <p:transition p14:dur="0"/>
+    </mc:Choice>
+    <mc:Fallback>
+      <p:transition/>
+    </mc:Fallback>
+  </mc:AlternateContent>
   <p:timing>
     <p:tnLst>
       <p:par>
@@ -24418,19 +29190,7 @@
               <a:rPr lang="fa-IR" dirty="0">
                 <a:cs typeface="B Nazanin" panose="00000400000000000000" pitchFamily="2" charset="-78"/>
               </a:rPr>
-              <a:t>اطلاعات بدست آمده در این سیستمها </a:t>
-            </a:r>
-            <a:r>
-              <a:rPr lang="fa-IR" dirty="0" smtClean="0">
-                <a:cs typeface="B Nazanin" panose="00000400000000000000" pitchFamily="2" charset="-78"/>
-              </a:rPr>
-              <a:t>میتوان </a:t>
-            </a:r>
-            <a:r>
-              <a:rPr lang="fa-IR" dirty="0">
-                <a:cs typeface="B Nazanin" panose="00000400000000000000" pitchFamily="2" charset="-78"/>
-              </a:rPr>
-              <a:t>برای تولید پایگاه دانش </a:t>
+              <a:t>اطلاعات بدست آمده در این سیستمها می‌توان برای تولید پایگاه دانش </a:t>
             </a:r>
           </a:p>
           <a:p>
@@ -24684,6 +29444,14 @@
   <p:clrMapOvr>
     <a:masterClrMapping/>
   </p:clrMapOvr>
+  <mc:AlternateContent xmlns:mc="http://schemas.openxmlformats.org/markup-compatibility/2006">
+    <mc:Choice xmlns:p14="http://schemas.microsoft.com/office/powerpoint/2010/main" Requires="p14">
+      <p:transition p14:dur="0"/>
+    </mc:Choice>
+    <mc:Fallback>
+      <p:transition/>
+    </mc:Fallback>
+  </mc:AlternateContent>
   <p:timing>
     <p:tnLst>
       <p:par>
@@ -24932,6 +29700,14 @@
   <p:clrMapOvr>
     <a:masterClrMapping/>
   </p:clrMapOvr>
+  <mc:AlternateContent xmlns:mc="http://schemas.openxmlformats.org/markup-compatibility/2006">
+    <mc:Choice xmlns:p14="http://schemas.microsoft.com/office/powerpoint/2010/main" Requires="p14">
+      <p:transition p14:dur="0"/>
+    </mc:Choice>
+    <mc:Fallback>
+      <p:transition/>
+    </mc:Fallback>
+  </mc:AlternateContent>
   <p:timing>
     <p:tnLst>
       <p:par>
@@ -25215,6 +29991,14 @@
   <p:clrMapOvr>
     <a:masterClrMapping/>
   </p:clrMapOvr>
+  <mc:AlternateContent xmlns:mc="http://schemas.openxmlformats.org/markup-compatibility/2006">
+    <mc:Choice xmlns:p14="http://schemas.microsoft.com/office/powerpoint/2010/main" Requires="p14">
+      <p:transition p14:dur="0"/>
+    </mc:Choice>
+    <mc:Fallback>
+      <p:transition/>
+    </mc:Fallback>
+  </mc:AlternateContent>
   <p:timing>
     <p:tnLst>
       <p:par>
@@ -25994,6 +30778,14 @@
   <p:clrMapOvr>
     <a:masterClrMapping/>
   </p:clrMapOvr>
+  <mc:AlternateContent xmlns:mc="http://schemas.openxmlformats.org/markup-compatibility/2006">
+    <mc:Choice xmlns:p14="http://schemas.microsoft.com/office/powerpoint/2010/main" Requires="p14">
+      <p:transition p14:dur="0"/>
+    </mc:Choice>
+    <mc:Fallback>
+      <p:transition/>
+    </mc:Fallback>
+  </mc:AlternateContent>
   <p:timing>
     <p:tnLst>
       <p:par>
@@ -26177,6 +30969,14 @@
   <p:clrMapOvr>
     <a:masterClrMapping/>
   </p:clrMapOvr>
+  <mc:AlternateContent xmlns:mc="http://schemas.openxmlformats.org/markup-compatibility/2006">
+    <mc:Choice xmlns:p14="http://schemas.microsoft.com/office/powerpoint/2010/main" Requires="p14">
+      <p:transition p14:dur="0"/>
+    </mc:Choice>
+    <mc:Fallback>
+      <p:transition/>
+    </mc:Fallback>
+  </mc:AlternateContent>
   <p:timing>
     <p:tnLst>
       <p:par>
@@ -26372,6 +31172,14 @@
   <p:clrMapOvr>
     <a:masterClrMapping/>
   </p:clrMapOvr>
+  <mc:AlternateContent xmlns:mc="http://schemas.openxmlformats.org/markup-compatibility/2006">
+    <mc:Choice xmlns:p14="http://schemas.microsoft.com/office/powerpoint/2010/main" Requires="p14">
+      <p:transition p14:dur="0"/>
+    </mc:Choice>
+    <mc:Fallback>
+      <p:transition/>
+    </mc:Fallback>
+  </mc:AlternateContent>
   <p:timing>
     <p:tnLst>
       <p:par>
@@ -29786,6 +34594,14 @@
   <p:clrMapOvr>
     <a:masterClrMapping/>
   </p:clrMapOvr>
+  <mc:AlternateContent xmlns:mc="http://schemas.openxmlformats.org/markup-compatibility/2006">
+    <mc:Choice xmlns:p14="http://schemas.microsoft.com/office/powerpoint/2010/main" Requires="p14">
+      <p:transition p14:dur="0"/>
+    </mc:Choice>
+    <mc:Fallback>
+      <p:transition/>
+    </mc:Fallback>
+  </mc:AlternateContent>
   <p:timing>
     <p:tnLst>
       <p:par>
@@ -32962,6 +37778,14 @@
   <p:clrMapOvr>
     <a:masterClrMapping/>
   </p:clrMapOvr>
+  <mc:AlternateContent xmlns:mc="http://schemas.openxmlformats.org/markup-compatibility/2006">
+    <mc:Choice xmlns:p14="http://schemas.microsoft.com/office/powerpoint/2010/main" Requires="p14">
+      <p:transition p14:dur="0"/>
+    </mc:Choice>
+    <mc:Fallback>
+      <p:transition/>
+    </mc:Fallback>
+  </mc:AlternateContent>
   <p:timing>
     <p:tnLst>
       <p:par>
@@ -33033,7 +37857,7 @@
         </p:spPr>
         <p:txBody>
           <a:bodyPr>
-            <a:normAutofit/>
+            <a:normAutofit lnSpcReduction="10000"/>
           </a:bodyPr>
           <a:lstStyle/>
           <a:p>
@@ -33284,6 +38108,18 @@
               </a:rPr>
               <a:t> پایین است. {مخصوصا روی الگوهای فعلی}</a:t>
             </a:r>
+          </a:p>
+          <a:p>
+            <a:pPr lvl="1" algn="r" rtl="1"/>
+            <a:r>
+              <a:rPr lang="fa-IR" smtClean="0">
+                <a:cs typeface="B Nazanin" panose="00000400000000000000" pitchFamily="2" charset="-78"/>
+              </a:rPr>
+              <a:t>در مجموع 20 الگو معرفی گردیده است.</a:t>
+            </a:r>
+            <a:endParaRPr lang="fa-IR" dirty="0" smtClean="0">
+              <a:cs typeface="B Nazanin" panose="00000400000000000000" pitchFamily="2" charset="-78"/>
+            </a:endParaRPr>
           </a:p>
           <a:p>
             <a:pPr lvl="1" algn="r" rtl="1"/>
@@ -33360,6 +38196,14 @@
   <p:clrMapOvr>
     <a:masterClrMapping/>
   </p:clrMapOvr>
+  <mc:AlternateContent xmlns:mc="http://schemas.openxmlformats.org/markup-compatibility/2006">
+    <mc:Choice xmlns:p14="http://schemas.microsoft.com/office/powerpoint/2010/main" Requires="p14">
+      <p:transition p14:dur="0"/>
+    </mc:Choice>
+    <mc:Fallback>
+      <p:transition/>
+    </mc:Fallback>
+  </mc:AlternateContent>
   <p:timing>
     <p:tnLst>
       <p:par>
@@ -33567,6 +38411,14 @@
   <p:clrMapOvr>
     <a:masterClrMapping/>
   </p:clrMapOvr>
+  <mc:AlternateContent xmlns:mc="http://schemas.openxmlformats.org/markup-compatibility/2006">
+    <mc:Choice xmlns:p14="http://schemas.microsoft.com/office/powerpoint/2010/main" Requires="p14">
+      <p:transition p14:dur="0"/>
+    </mc:Choice>
+    <mc:Fallback>
+      <p:transition/>
+    </mc:Fallback>
+  </mc:AlternateContent>
   <p:timing>
     <p:tnLst>
       <p:par>
@@ -33816,6 +38668,14 @@
   <p:clrMapOvr>
     <a:masterClrMapping/>
   </p:clrMapOvr>
+  <mc:AlternateContent xmlns:mc="http://schemas.openxmlformats.org/markup-compatibility/2006">
+    <mc:Choice xmlns:p14="http://schemas.microsoft.com/office/powerpoint/2010/main" Requires="p14">
+      <p:transition p14:dur="0"/>
+    </mc:Choice>
+    <mc:Fallback>
+      <p:transition/>
+    </mc:Fallback>
+  </mc:AlternateContent>
   <p:timing>
     <p:tnLst>
       <p:par>
@@ -34005,10 +38865,94 @@
   <p:clrMapOvr>
     <a:masterClrMapping/>
   </p:clrMapOvr>
+  <mc:AlternateContent xmlns:mc="http://schemas.openxmlformats.org/markup-compatibility/2006">
+    <mc:Choice xmlns:p14="http://schemas.microsoft.com/office/powerpoint/2010/main" Requires="p14">
+      <p:transition p14:dur="0"/>
+    </mc:Choice>
+    <mc:Fallback>
+      <p:transition/>
+    </mc:Fallback>
+  </mc:AlternateContent>
   <p:timing>
     <p:tnLst>
       <p:par>
-        <p:cTn id="1" dur="indefinite" restart="never" nodeType="tmRoot"/>
+        <p:cTn id="1" dur="indefinite" restart="never" nodeType="tmRoot">
+          <p:childTnLst>
+            <p:seq concurrent="1" nextAc="seek">
+              <p:cTn id="2" dur="indefinite" nodeType="mainSeq">
+                <p:childTnLst>
+                  <p:par>
+                    <p:cTn id="3" fill="hold">
+                      <p:stCondLst>
+                        <p:cond delay="indefinite"/>
+                      </p:stCondLst>
+                      <p:childTnLst>
+                        <p:par>
+                          <p:cTn id="4" fill="hold">
+                            <p:stCondLst>
+                              <p:cond delay="0"/>
+                            </p:stCondLst>
+                            <p:childTnLst>
+                              <p:par>
+                                <p:cTn id="5" presetID="6" presetClass="entr" presetSubtype="16" fill="hold" nodeType="clickEffect">
+                                  <p:stCondLst>
+                                    <p:cond delay="0"/>
+                                  </p:stCondLst>
+                                  <p:childTnLst>
+                                    <p:set>
+                                      <p:cBhvr>
+                                        <p:cTn id="6" dur="1" fill="hold">
+                                          <p:stCondLst>
+                                            <p:cond delay="0"/>
+                                          </p:stCondLst>
+                                        </p:cTn>
+                                        <p:tgtEl>
+                                          <p:spTgt spid="16"/>
+                                        </p:tgtEl>
+                                        <p:attrNameLst>
+                                          <p:attrName>style.visibility</p:attrName>
+                                        </p:attrNameLst>
+                                      </p:cBhvr>
+                                      <p:to>
+                                        <p:strVal val="visible"/>
+                                      </p:to>
+                                    </p:set>
+                                    <p:animEffect transition="in" filter="circle(in)">
+                                      <p:cBhvr>
+                                        <p:cTn id="7" dur="2000"/>
+                                        <p:tgtEl>
+                                          <p:spTgt spid="16"/>
+                                        </p:tgtEl>
+                                      </p:cBhvr>
+                                    </p:animEffect>
+                                  </p:childTnLst>
+                                </p:cTn>
+                              </p:par>
+                            </p:childTnLst>
+                          </p:cTn>
+                        </p:par>
+                      </p:childTnLst>
+                    </p:cTn>
+                  </p:par>
+                </p:childTnLst>
+              </p:cTn>
+              <p:prevCondLst>
+                <p:cond evt="onPrev" delay="0">
+                  <p:tgtEl>
+                    <p:sldTgt/>
+                  </p:tgtEl>
+                </p:cond>
+              </p:prevCondLst>
+              <p:nextCondLst>
+                <p:cond evt="onNext" delay="0">
+                  <p:tgtEl>
+                    <p:sldTgt/>
+                  </p:tgtEl>
+                </p:cond>
+              </p:nextCondLst>
+            </p:seq>
+          </p:childTnLst>
+        </p:cTn>
       </p:par>
     </p:tnLst>
   </p:timing>
@@ -34382,6 +39326,14 @@
   <p:clrMapOvr>
     <a:masterClrMapping/>
   </p:clrMapOvr>
+  <mc:AlternateContent xmlns:mc="http://schemas.openxmlformats.org/markup-compatibility/2006">
+    <mc:Choice xmlns:p14="http://schemas.microsoft.com/office/powerpoint/2010/main" Requires="p14">
+      <p:transition p14:dur="0"/>
+    </mc:Choice>
+    <mc:Fallback>
+      <p:transition/>
+    </mc:Fallback>
+  </mc:AlternateContent>
   <p:timing>
     <p:tnLst>
       <p:par>
@@ -34403,7 +39355,7 @@
                             </p:stCondLst>
                             <p:childTnLst>
                               <p:par>
-                                <p:cTn id="5" presetID="1" presetClass="entr" presetSubtype="0" fill="hold" grpId="0" nodeType="clickEffect">
+                                <p:cTn id="5" presetID="10" presetClass="entr" presetSubtype="0" fill="hold" grpId="0" nodeType="clickEffect">
                                   <p:stCondLst>
                                     <p:cond delay="0"/>
                                   </p:stCondLst>
@@ -34430,6 +39382,18 @@
                                         <p:strVal val="visible"/>
                                       </p:to>
                                     </p:set>
+                                    <p:animEffect transition="in" filter="fade">
+                                      <p:cBhvr>
+                                        <p:cTn id="7" dur="500"/>
+                                        <p:tgtEl>
+                                          <p:spTgt spid="3">
+                                            <p:txEl>
+                                              <p:pRg st="0" end="0"/>
+                                            </p:txEl>
+                                          </p:spTgt>
+                                        </p:tgtEl>
+                                      </p:cBhvr>
+                                    </p:animEffect>
                                   </p:childTnLst>
                                 </p:cTn>
                               </p:par>
@@ -34440,26 +39404,26 @@
                     </p:cTn>
                   </p:par>
                   <p:par>
-                    <p:cTn id="7" fill="hold">
+                    <p:cTn id="8" fill="hold">
                       <p:stCondLst>
                         <p:cond delay="indefinite"/>
                       </p:stCondLst>
                       <p:childTnLst>
                         <p:par>
-                          <p:cTn id="8" fill="hold">
+                          <p:cTn id="9" fill="hold">
                             <p:stCondLst>
                               <p:cond delay="0"/>
                             </p:stCondLst>
                             <p:childTnLst>
                               <p:par>
-                                <p:cTn id="9" presetID="1" presetClass="entr" presetSubtype="0" fill="hold" grpId="0" nodeType="clickEffect">
+                                <p:cTn id="10" presetID="10" presetClass="entr" presetSubtype="0" fill="hold" grpId="0" nodeType="clickEffect">
                                   <p:stCondLst>
                                     <p:cond delay="0"/>
                                   </p:stCondLst>
                                   <p:childTnLst>
                                     <p:set>
                                       <p:cBhvr>
-                                        <p:cTn id="10" dur="1" fill="hold">
+                                        <p:cTn id="11" dur="1" fill="hold">
                                           <p:stCondLst>
                                             <p:cond delay="0"/>
                                           </p:stCondLst>
@@ -34479,6 +39443,18 @@
                                         <p:strVal val="visible"/>
                                       </p:to>
                                     </p:set>
+                                    <p:animEffect transition="in" filter="fade">
+                                      <p:cBhvr>
+                                        <p:cTn id="12" dur="500"/>
+                                        <p:tgtEl>
+                                          <p:spTgt spid="3">
+                                            <p:txEl>
+                                              <p:pRg st="1" end="1"/>
+                                            </p:txEl>
+                                          </p:spTgt>
+                                        </p:tgtEl>
+                                      </p:cBhvr>
+                                    </p:animEffect>
                                   </p:childTnLst>
                                 </p:cTn>
                               </p:par>
@@ -34489,26 +39465,26 @@
                     </p:cTn>
                   </p:par>
                   <p:par>
-                    <p:cTn id="11" fill="hold">
+                    <p:cTn id="13" fill="hold">
                       <p:stCondLst>
                         <p:cond delay="indefinite"/>
                       </p:stCondLst>
                       <p:childTnLst>
                         <p:par>
-                          <p:cTn id="12" fill="hold">
+                          <p:cTn id="14" fill="hold">
                             <p:stCondLst>
                               <p:cond delay="0"/>
                             </p:stCondLst>
                             <p:childTnLst>
                               <p:par>
-                                <p:cTn id="13" presetID="1" presetClass="entr" presetSubtype="0" fill="hold" grpId="0" nodeType="clickEffect">
+                                <p:cTn id="15" presetID="10" presetClass="entr" presetSubtype="0" fill="hold" grpId="0" nodeType="clickEffect">
                                   <p:stCondLst>
                                     <p:cond delay="0"/>
                                   </p:stCondLst>
                                   <p:childTnLst>
                                     <p:set>
                                       <p:cBhvr>
-                                        <p:cTn id="14" dur="1" fill="hold">
+                                        <p:cTn id="16" dur="1" fill="hold">
                                           <p:stCondLst>
                                             <p:cond delay="0"/>
                                           </p:stCondLst>
@@ -34528,6 +39504,18 @@
                                         <p:strVal val="visible"/>
                                       </p:to>
                                     </p:set>
+                                    <p:animEffect transition="in" filter="fade">
+                                      <p:cBhvr>
+                                        <p:cTn id="17" dur="500"/>
+                                        <p:tgtEl>
+                                          <p:spTgt spid="3">
+                                            <p:txEl>
+                                              <p:pRg st="2" end="2"/>
+                                            </p:txEl>
+                                          </p:spTgt>
+                                        </p:tgtEl>
+                                      </p:cBhvr>
+                                    </p:animEffect>
                                   </p:childTnLst>
                                 </p:cTn>
                               </p:par>
@@ -34538,26 +39526,26 @@
                     </p:cTn>
                   </p:par>
                   <p:par>
-                    <p:cTn id="15" fill="hold">
+                    <p:cTn id="18" fill="hold">
                       <p:stCondLst>
                         <p:cond delay="indefinite"/>
                       </p:stCondLst>
                       <p:childTnLst>
                         <p:par>
-                          <p:cTn id="16" fill="hold">
+                          <p:cTn id="19" fill="hold">
                             <p:stCondLst>
                               <p:cond delay="0"/>
                             </p:stCondLst>
                             <p:childTnLst>
                               <p:par>
-                                <p:cTn id="17" presetID="1" presetClass="entr" presetSubtype="0" fill="hold" grpId="0" nodeType="clickEffect">
+                                <p:cTn id="20" presetID="10" presetClass="entr" presetSubtype="0" fill="hold" grpId="0" nodeType="clickEffect">
                                   <p:stCondLst>
                                     <p:cond delay="0"/>
                                   </p:stCondLst>
                                   <p:childTnLst>
                                     <p:set>
                                       <p:cBhvr>
-                                        <p:cTn id="18" dur="1" fill="hold">
+                                        <p:cTn id="21" dur="1" fill="hold">
                                           <p:stCondLst>
                                             <p:cond delay="0"/>
                                           </p:stCondLst>
@@ -34577,55 +39565,18 @@
                                         <p:strVal val="visible"/>
                                       </p:to>
                                     </p:set>
-                                  </p:childTnLst>
-                                </p:cTn>
-                              </p:par>
-                            </p:childTnLst>
-                          </p:cTn>
-                        </p:par>
-                      </p:childTnLst>
-                    </p:cTn>
-                  </p:par>
-                  <p:par>
-                    <p:cTn id="19" fill="hold">
-                      <p:stCondLst>
-                        <p:cond delay="indefinite"/>
-                      </p:stCondLst>
-                      <p:childTnLst>
-                        <p:par>
-                          <p:cTn id="20" fill="hold">
-                            <p:stCondLst>
-                              <p:cond delay="0"/>
-                            </p:stCondLst>
-                            <p:childTnLst>
-                              <p:par>
-                                <p:cTn id="21" presetID="1" presetClass="entr" presetSubtype="0" fill="hold" grpId="0" nodeType="clickEffect">
-                                  <p:stCondLst>
-                                    <p:cond delay="0"/>
-                                  </p:stCondLst>
-                                  <p:childTnLst>
-                                    <p:set>
+                                    <p:animEffect transition="in" filter="fade">
                                       <p:cBhvr>
-                                        <p:cTn id="22" dur="1" fill="hold">
-                                          <p:stCondLst>
-                                            <p:cond delay="0"/>
-                                          </p:stCondLst>
-                                        </p:cTn>
+                                        <p:cTn id="22" dur="500"/>
                                         <p:tgtEl>
                                           <p:spTgt spid="3">
                                             <p:txEl>
-                                              <p:pRg st="4" end="4"/>
+                                              <p:pRg st="3" end="3"/>
                                             </p:txEl>
                                           </p:spTgt>
                                         </p:tgtEl>
-                                        <p:attrNameLst>
-                                          <p:attrName>style.visibility</p:attrName>
-                                        </p:attrNameLst>
                                       </p:cBhvr>
-                                      <p:to>
-                                        <p:strVal val="visible"/>
-                                      </p:to>
-                                    </p:set>
+                                    </p:animEffect>
                                   </p:childTnLst>
                                 </p:cTn>
                               </p:par>
@@ -34648,7 +39599,7 @@
                             </p:stCondLst>
                             <p:childTnLst>
                               <p:par>
-                                <p:cTn id="25" presetID="1" presetClass="entr" presetSubtype="0" fill="hold" grpId="0" nodeType="clickEffect">
+                                <p:cTn id="25" presetID="10" presetClass="entr" presetSubtype="0" fill="hold" grpId="0" nodeType="clickEffect">
                                   <p:stCondLst>
                                     <p:cond delay="0"/>
                                   </p:stCondLst>
@@ -34656,6 +39607,67 @@
                                     <p:set>
                                       <p:cBhvr>
                                         <p:cTn id="26" dur="1" fill="hold">
+                                          <p:stCondLst>
+                                            <p:cond delay="0"/>
+                                          </p:stCondLst>
+                                        </p:cTn>
+                                        <p:tgtEl>
+                                          <p:spTgt spid="3">
+                                            <p:txEl>
+                                              <p:pRg st="4" end="4"/>
+                                            </p:txEl>
+                                          </p:spTgt>
+                                        </p:tgtEl>
+                                        <p:attrNameLst>
+                                          <p:attrName>style.visibility</p:attrName>
+                                        </p:attrNameLst>
+                                      </p:cBhvr>
+                                      <p:to>
+                                        <p:strVal val="visible"/>
+                                      </p:to>
+                                    </p:set>
+                                    <p:animEffect transition="in" filter="fade">
+                                      <p:cBhvr>
+                                        <p:cTn id="27" dur="500"/>
+                                        <p:tgtEl>
+                                          <p:spTgt spid="3">
+                                            <p:txEl>
+                                              <p:pRg st="4" end="4"/>
+                                            </p:txEl>
+                                          </p:spTgt>
+                                        </p:tgtEl>
+                                      </p:cBhvr>
+                                    </p:animEffect>
+                                  </p:childTnLst>
+                                </p:cTn>
+                              </p:par>
+                            </p:childTnLst>
+                          </p:cTn>
+                        </p:par>
+                      </p:childTnLst>
+                    </p:cTn>
+                  </p:par>
+                  <p:par>
+                    <p:cTn id="28" fill="hold">
+                      <p:stCondLst>
+                        <p:cond delay="indefinite"/>
+                      </p:stCondLst>
+                      <p:childTnLst>
+                        <p:par>
+                          <p:cTn id="29" fill="hold">
+                            <p:stCondLst>
+                              <p:cond delay="0"/>
+                            </p:stCondLst>
+                            <p:childTnLst>
+                              <p:par>
+                                <p:cTn id="30" presetID="10" presetClass="entr" presetSubtype="0" fill="hold" grpId="0" nodeType="clickEffect">
+                                  <p:stCondLst>
+                                    <p:cond delay="0"/>
+                                  </p:stCondLst>
+                                  <p:childTnLst>
+                                    <p:set>
+                                      <p:cBhvr>
+                                        <p:cTn id="31" dur="1" fill="hold">
                                           <p:stCondLst>
                                             <p:cond delay="0"/>
                                           </p:stCondLst>
@@ -34675,6 +39687,18 @@
                                         <p:strVal val="visible"/>
                                       </p:to>
                                     </p:set>
+                                    <p:animEffect transition="in" filter="fade">
+                                      <p:cBhvr>
+                                        <p:cTn id="32" dur="500"/>
+                                        <p:tgtEl>
+                                          <p:spTgt spid="3">
+                                            <p:txEl>
+                                              <p:pRg st="5" end="5"/>
+                                            </p:txEl>
+                                          </p:spTgt>
+                                        </p:tgtEl>
+                                      </p:cBhvr>
+                                    </p:animEffect>
                                   </p:childTnLst>
                                 </p:cTn>
                               </p:par>
@@ -34685,26 +39709,26 @@
                     </p:cTn>
                   </p:par>
                   <p:par>
-                    <p:cTn id="27" fill="hold">
+                    <p:cTn id="33" fill="hold">
                       <p:stCondLst>
                         <p:cond delay="indefinite"/>
                       </p:stCondLst>
                       <p:childTnLst>
                         <p:par>
-                          <p:cTn id="28" fill="hold">
+                          <p:cTn id="34" fill="hold">
                             <p:stCondLst>
                               <p:cond delay="0"/>
                             </p:stCondLst>
                             <p:childTnLst>
                               <p:par>
-                                <p:cTn id="29" presetID="1" presetClass="entr" presetSubtype="0" fill="hold" grpId="0" nodeType="clickEffect">
+                                <p:cTn id="35" presetID="10" presetClass="entr" presetSubtype="0" fill="hold" grpId="0" nodeType="clickEffect">
                                   <p:stCondLst>
                                     <p:cond delay="0"/>
                                   </p:stCondLst>
                                   <p:childTnLst>
                                     <p:set>
                                       <p:cBhvr>
-                                        <p:cTn id="30" dur="1" fill="hold">
+                                        <p:cTn id="36" dur="1" fill="hold">
                                           <p:stCondLst>
                                             <p:cond delay="0"/>
                                           </p:stCondLst>
@@ -34724,6 +39748,18 @@
                                         <p:strVal val="visible"/>
                                       </p:to>
                                     </p:set>
+                                    <p:animEffect transition="in" filter="fade">
+                                      <p:cBhvr>
+                                        <p:cTn id="37" dur="500"/>
+                                        <p:tgtEl>
+                                          <p:spTgt spid="3">
+                                            <p:txEl>
+                                              <p:pRg st="6" end="6"/>
+                                            </p:txEl>
+                                          </p:spTgt>
+                                        </p:tgtEl>
+                                      </p:cBhvr>
+                                    </p:animEffect>
                                   </p:childTnLst>
                                 </p:cTn>
                               </p:par>
@@ -34734,26 +39770,26 @@
                     </p:cTn>
                   </p:par>
                   <p:par>
-                    <p:cTn id="31" fill="hold">
+                    <p:cTn id="38" fill="hold">
                       <p:stCondLst>
                         <p:cond delay="indefinite"/>
                       </p:stCondLst>
                       <p:childTnLst>
                         <p:par>
-                          <p:cTn id="32" fill="hold">
+                          <p:cTn id="39" fill="hold">
                             <p:stCondLst>
                               <p:cond delay="0"/>
                             </p:stCondLst>
                             <p:childTnLst>
                               <p:par>
-                                <p:cTn id="33" presetID="1" presetClass="entr" presetSubtype="0" fill="hold" grpId="0" nodeType="clickEffect">
+                                <p:cTn id="40" presetID="10" presetClass="entr" presetSubtype="0" fill="hold" grpId="0" nodeType="clickEffect">
                                   <p:stCondLst>
                                     <p:cond delay="0"/>
                                   </p:stCondLst>
                                   <p:childTnLst>
                                     <p:set>
                                       <p:cBhvr>
-                                        <p:cTn id="34" dur="1" fill="hold">
+                                        <p:cTn id="41" dur="1" fill="hold">
                                           <p:stCondLst>
                                             <p:cond delay="0"/>
                                           </p:stCondLst>
@@ -34773,6 +39809,18 @@
                                         <p:strVal val="visible"/>
                                       </p:to>
                                     </p:set>
+                                    <p:animEffect transition="in" filter="fade">
+                                      <p:cBhvr>
+                                        <p:cTn id="42" dur="500"/>
+                                        <p:tgtEl>
+                                          <p:spTgt spid="3">
+                                            <p:txEl>
+                                              <p:pRg st="7" end="7"/>
+                                            </p:txEl>
+                                          </p:spTgt>
+                                        </p:tgtEl>
+                                      </p:cBhvr>
+                                    </p:animEffect>
                                   </p:childTnLst>
                                 </p:cTn>
                               </p:par>
@@ -34783,26 +39831,26 @@
                     </p:cTn>
                   </p:par>
                   <p:par>
-                    <p:cTn id="35" fill="hold">
+                    <p:cTn id="43" fill="hold">
                       <p:stCondLst>
                         <p:cond delay="indefinite"/>
                       </p:stCondLst>
                       <p:childTnLst>
                         <p:par>
-                          <p:cTn id="36" fill="hold">
+                          <p:cTn id="44" fill="hold">
                             <p:stCondLst>
                               <p:cond delay="0"/>
                             </p:stCondLst>
                             <p:childTnLst>
                               <p:par>
-                                <p:cTn id="37" presetID="1" presetClass="entr" presetSubtype="0" fill="hold" grpId="0" nodeType="clickEffect">
+                                <p:cTn id="45" presetID="10" presetClass="entr" presetSubtype="0" fill="hold" grpId="0" nodeType="clickEffect">
                                   <p:stCondLst>
                                     <p:cond delay="0"/>
                                   </p:stCondLst>
                                   <p:childTnLst>
                                     <p:set>
                                       <p:cBhvr>
-                                        <p:cTn id="38" dur="1" fill="hold">
+                                        <p:cTn id="46" dur="1" fill="hold">
                                           <p:stCondLst>
                                             <p:cond delay="0"/>
                                           </p:stCondLst>
@@ -34822,6 +39870,18 @@
                                         <p:strVal val="visible"/>
                                       </p:to>
                                     </p:set>
+                                    <p:animEffect transition="in" filter="fade">
+                                      <p:cBhvr>
+                                        <p:cTn id="47" dur="500"/>
+                                        <p:tgtEl>
+                                          <p:spTgt spid="3">
+                                            <p:txEl>
+                                              <p:pRg st="8" end="8"/>
+                                            </p:txEl>
+                                          </p:spTgt>
+                                        </p:tgtEl>
+                                      </p:cBhvr>
+                                    </p:animEffect>
                                   </p:childTnLst>
                                 </p:cTn>
                               </p:par>
@@ -34832,26 +39892,26 @@
                     </p:cTn>
                   </p:par>
                   <p:par>
-                    <p:cTn id="39" fill="hold">
+                    <p:cTn id="48" fill="hold">
                       <p:stCondLst>
                         <p:cond delay="indefinite"/>
                       </p:stCondLst>
                       <p:childTnLst>
                         <p:par>
-                          <p:cTn id="40" fill="hold">
+                          <p:cTn id="49" fill="hold">
                             <p:stCondLst>
                               <p:cond delay="0"/>
                             </p:stCondLst>
                             <p:childTnLst>
                               <p:par>
-                                <p:cTn id="41" presetID="1" presetClass="entr" presetSubtype="0" fill="hold" grpId="0" nodeType="clickEffect">
+                                <p:cTn id="50" presetID="10" presetClass="entr" presetSubtype="0" fill="hold" grpId="0" nodeType="clickEffect">
                                   <p:stCondLst>
                                     <p:cond delay="0"/>
                                   </p:stCondLst>
                                   <p:childTnLst>
                                     <p:set>
                                       <p:cBhvr>
-                                        <p:cTn id="42" dur="1" fill="hold">
+                                        <p:cTn id="51" dur="1" fill="hold">
                                           <p:stCondLst>
                                             <p:cond delay="0"/>
                                           </p:stCondLst>
@@ -34871,6 +39931,18 @@
                                         <p:strVal val="visible"/>
                                       </p:to>
                                     </p:set>
+                                    <p:animEffect transition="in" filter="fade">
+                                      <p:cBhvr>
+                                        <p:cTn id="52" dur="500"/>
+                                        <p:tgtEl>
+                                          <p:spTgt spid="3">
+                                            <p:txEl>
+                                              <p:pRg st="9" end="9"/>
+                                            </p:txEl>
+                                          </p:spTgt>
+                                        </p:tgtEl>
+                                      </p:cBhvr>
+                                    </p:animEffect>
                                   </p:childTnLst>
                                 </p:cTn>
                               </p:par>
@@ -35131,6 +40203,14 @@
   <p:clrMapOvr>
     <a:masterClrMapping/>
   </p:clrMapOvr>
+  <mc:AlternateContent xmlns:mc="http://schemas.openxmlformats.org/markup-compatibility/2006">
+    <mc:Choice xmlns:p14="http://schemas.microsoft.com/office/powerpoint/2010/main" Requires="p14">
+      <p:transition p14:dur="0"/>
+    </mc:Choice>
+    <mc:Fallback>
+      <p:transition/>
+    </mc:Fallback>
+  </mc:AlternateContent>
   <p:timing>
     <p:tnLst>
       <p:par>
@@ -35317,6 +40397,14 @@
   <p:clrMapOvr>
     <a:masterClrMapping/>
   </p:clrMapOvr>
+  <mc:AlternateContent xmlns:mc="http://schemas.openxmlformats.org/markup-compatibility/2006">
+    <mc:Choice xmlns:p14="http://schemas.microsoft.com/office/powerpoint/2010/main" Requires="p14">
+      <p:transition p14:dur="0"/>
+    </mc:Choice>
+    <mc:Fallback>
+      <p:transition/>
+    </mc:Fallback>
+  </mc:AlternateContent>
   <p:timing>
     <p:tnLst>
       <p:par>
@@ -35593,6 +40681,14 @@
   <p:clrMapOvr>
     <a:masterClrMapping/>
   </p:clrMapOvr>
+  <mc:AlternateContent xmlns:mc="http://schemas.openxmlformats.org/markup-compatibility/2006">
+    <mc:Choice xmlns:p14="http://schemas.microsoft.com/office/powerpoint/2010/main" Requires="p14">
+      <p:transition p14:dur="0"/>
+    </mc:Choice>
+    <mc:Fallback>
+      <p:transition/>
+    </mc:Fallback>
+  </mc:AlternateContent>
   <p:timing>
     <p:tnLst>
       <p:par>
@@ -35650,25 +40746,6 @@
       </p:sp>
       <p:sp>
         <p:nvSpPr>
-          <p:cNvPr id="3" name="Content Placeholder 2"/>
-          <p:cNvSpPr>
-            <a:spLocks noGrp="1"/>
-          </p:cNvSpPr>
-          <p:nvPr>
-            <p:ph idx="1"/>
-          </p:nvPr>
-        </p:nvSpPr>
-        <p:spPr/>
-        <p:txBody>
-          <a:bodyPr/>
-          <a:lstStyle/>
-          <a:p>
-            <a:endParaRPr lang="en-US" dirty="0"/>
-          </a:p>
-        </p:txBody>
-      </p:sp>
-      <p:sp>
-        <p:nvSpPr>
           <p:cNvPr id="4" name="Slide Number Placeholder 3"/>
           <p:cNvSpPr>
             <a:spLocks noGrp="1"/>
@@ -35691,38 +40768,230 @@
           </a:p>
         </p:txBody>
       </p:sp>
-      <p:pic>
-        <p:nvPicPr>
-          <p:cNvPr id="5" name="Picture 4"/>
-          <p:cNvPicPr/>
+      <p:graphicFrame>
+        <p:nvGraphicFramePr>
+          <p:cNvPr id="6" name="Diagram 5"/>
+          <p:cNvGraphicFramePr/>
+          <p:nvPr>
+            <p:extLst>
+              <p:ext uri="{D42A27DB-BD31-4B8C-83A1-F6EECF244321}">
+                <p14:modId xmlns:p14="http://schemas.microsoft.com/office/powerpoint/2010/main" val="3797132528"/>
+              </p:ext>
+            </p:extLst>
+          </p:nvPr>
+        </p:nvGraphicFramePr>
+        <p:xfrm>
+          <a:off x="5486232" y="1435545"/>
+          <a:ext cx="4523346" cy="5418667"/>
+        </p:xfrm>
+        <a:graphic>
+          <a:graphicData uri="http://schemas.openxmlformats.org/drawingml/2006/diagram">
+            <dgm:relIds xmlns:dgm="http://schemas.openxmlformats.org/drawingml/2006/diagram" xmlns:r="http://schemas.openxmlformats.org/officeDocument/2006/relationships" r:dm="rId2" r:lo="rId3" r:qs="rId4" r:cs="rId5"/>
+          </a:graphicData>
+        </a:graphic>
+      </p:graphicFrame>
+      <p:sp>
+        <p:nvSpPr>
+          <p:cNvPr id="8" name="Left Arrow 7"/>
+          <p:cNvSpPr/>
           <p:nvPr/>
-        </p:nvPicPr>
-        <p:blipFill>
-          <a:blip r:embed="rId2">
-            <a:extLst>
-              <a:ext uri="{28A0092B-C50C-407E-A947-70E740481C1C}">
-                <a14:useLocalDpi xmlns:a14="http://schemas.microsoft.com/office/drawing/2010/main" val="0"/>
-              </a:ext>
-            </a:extLst>
-          </a:blip>
-          <a:stretch>
-            <a:fillRect/>
-          </a:stretch>
-        </p:blipFill>
-        <p:spPr bwMode="auto">
+        </p:nvSpPr>
+        <p:spPr>
           <a:xfrm>
-            <a:off x="5218112" y="1914862"/>
-            <a:ext cx="3657600" cy="4474940"/>
+            <a:off x="4703478" y="2802256"/>
+            <a:ext cx="669701" cy="463639"/>
           </a:xfrm>
-          <a:prstGeom prst="rect">
+          <a:prstGeom prst="leftArrow">
             <a:avLst/>
           </a:prstGeom>
-          <a:noFill/>
           <a:ln>
             <a:noFill/>
           </a:ln>
+          <a:effectLst/>
+          <a:scene3d>
+            <a:camera prst="orthographicFront">
+              <a:rot lat="0" lon="0" rev="0"/>
+            </a:camera>
+            <a:lightRig rig="contrasting" dir="t">
+              <a:rot lat="0" lon="0" rev="7800000"/>
+            </a:lightRig>
+          </a:scene3d>
+          <a:sp3d>
+            <a:bevelT w="139700" h="139700"/>
+          </a:sp3d>
         </p:spPr>
-      </p:pic>
+        <p:style>
+          <a:lnRef idx="2">
+            <a:schemeClr val="accent5">
+              <a:shade val="50000"/>
+            </a:schemeClr>
+          </a:lnRef>
+          <a:fillRef idx="1">
+            <a:schemeClr val="accent5"/>
+          </a:fillRef>
+          <a:effectRef idx="0">
+            <a:schemeClr val="accent5"/>
+          </a:effectRef>
+          <a:fontRef idx="minor">
+            <a:schemeClr val="lt1"/>
+          </a:fontRef>
+        </p:style>
+        <p:txBody>
+          <a:bodyPr rtlCol="0" anchor="ctr"/>
+          <a:lstStyle/>
+          <a:p>
+            <a:pPr algn="ctr"/>
+            <a:endParaRPr lang="en-US"/>
+          </a:p>
+        </p:txBody>
+      </p:sp>
+      <p:sp>
+        <p:nvSpPr>
+          <p:cNvPr id="10" name="Left Arrow 9"/>
+          <p:cNvSpPr/>
+          <p:nvPr/>
+        </p:nvSpPr>
+        <p:spPr>
+          <a:xfrm>
+            <a:off x="4703477" y="5491794"/>
+            <a:ext cx="669701" cy="463639"/>
+          </a:xfrm>
+          <a:prstGeom prst="leftArrow">
+            <a:avLst/>
+          </a:prstGeom>
+          <a:ln>
+            <a:noFill/>
+          </a:ln>
+          <a:effectLst/>
+          <a:scene3d>
+            <a:camera prst="orthographicFront">
+              <a:rot lat="0" lon="0" rev="0"/>
+            </a:camera>
+            <a:lightRig rig="contrasting" dir="t">
+              <a:rot lat="0" lon="0" rev="7800000"/>
+            </a:lightRig>
+          </a:scene3d>
+          <a:sp3d>
+            <a:bevelT w="139700" h="139700"/>
+          </a:sp3d>
+        </p:spPr>
+        <p:style>
+          <a:lnRef idx="2">
+            <a:schemeClr val="accent5">
+              <a:shade val="50000"/>
+            </a:schemeClr>
+          </a:lnRef>
+          <a:fillRef idx="1">
+            <a:schemeClr val="accent5"/>
+          </a:fillRef>
+          <a:effectRef idx="0">
+            <a:schemeClr val="accent5"/>
+          </a:effectRef>
+          <a:fontRef idx="minor">
+            <a:schemeClr val="lt1"/>
+          </a:fontRef>
+        </p:style>
+        <p:txBody>
+          <a:bodyPr rtlCol="0" anchor="ctr"/>
+          <a:lstStyle/>
+          <a:p>
+            <a:pPr algn="ctr"/>
+            <a:endParaRPr lang="en-US"/>
+          </a:p>
+        </p:txBody>
+      </p:sp>
+      <p:sp>
+        <p:nvSpPr>
+          <p:cNvPr id="14" name="Snip Single Corner Rectangle 13"/>
+          <p:cNvSpPr/>
+          <p:nvPr/>
+        </p:nvSpPr>
+        <p:spPr>
+          <a:xfrm>
+            <a:off x="2825088" y="2693661"/>
+            <a:ext cx="1826871" cy="660781"/>
+          </a:xfrm>
+          <a:prstGeom prst="snip1Rect">
+            <a:avLst/>
+          </a:prstGeom>
+        </p:spPr>
+        <p:style>
+          <a:lnRef idx="2">
+            <a:schemeClr val="dk1"/>
+          </a:lnRef>
+          <a:fillRef idx="1">
+            <a:schemeClr val="lt1"/>
+          </a:fillRef>
+          <a:effectRef idx="0">
+            <a:schemeClr val="dk1"/>
+          </a:effectRef>
+          <a:fontRef idx="minor">
+            <a:schemeClr val="dk1"/>
+          </a:fontRef>
+        </p:style>
+        <p:txBody>
+          <a:bodyPr rtlCol="0" anchor="ctr"/>
+          <a:lstStyle/>
+          <a:p>
+            <a:pPr algn="ctr"/>
+            <a:r>
+              <a:rPr lang="fa-IR" sz="2000" dirty="0" smtClean="0">
+                <a:cs typeface="B Nazanin" panose="00000400000000000000" pitchFamily="2" charset="-78"/>
+              </a:rPr>
+              <a:t>بانک قالب</a:t>
+            </a:r>
+            <a:endParaRPr lang="en-US" sz="2000" dirty="0">
+              <a:cs typeface="B Nazanin" panose="00000400000000000000" pitchFamily="2" charset="-78"/>
+            </a:endParaRPr>
+          </a:p>
+        </p:txBody>
+      </p:sp>
+      <p:sp>
+        <p:nvSpPr>
+          <p:cNvPr id="15" name="Snip Single Corner Rectangle 14"/>
+          <p:cNvSpPr/>
+          <p:nvPr/>
+        </p:nvSpPr>
+        <p:spPr>
+          <a:xfrm>
+            <a:off x="2825087" y="5393222"/>
+            <a:ext cx="1826872" cy="660781"/>
+          </a:xfrm>
+          <a:prstGeom prst="snip1Rect">
+            <a:avLst/>
+          </a:prstGeom>
+        </p:spPr>
+        <p:style>
+          <a:lnRef idx="2">
+            <a:schemeClr val="dk1"/>
+          </a:lnRef>
+          <a:fillRef idx="1">
+            <a:schemeClr val="lt1"/>
+          </a:fillRef>
+          <a:effectRef idx="0">
+            <a:schemeClr val="dk1"/>
+          </a:effectRef>
+          <a:fontRef idx="minor">
+            <a:schemeClr val="dk1"/>
+          </a:fontRef>
+        </p:style>
+        <p:txBody>
+          <a:bodyPr rtlCol="0" anchor="ctr"/>
+          <a:lstStyle/>
+          <a:p>
+            <a:pPr algn="ctr"/>
+            <a:r>
+              <a:rPr lang="fa-IR" sz="2000" dirty="0" smtClean="0">
+                <a:cs typeface="B Nazanin" panose="00000400000000000000" pitchFamily="2" charset="-78"/>
+              </a:rPr>
+              <a:t>استخراج نحو جمله</a:t>
+            </a:r>
+            <a:endParaRPr lang="en-US" sz="2000" dirty="0">
+              <a:cs typeface="B Nazanin" panose="00000400000000000000" pitchFamily="2" charset="-78"/>
+            </a:endParaRPr>
+          </a:p>
+        </p:txBody>
+      </p:sp>
     </p:spTree>
     <p:extLst>
       <p:ext uri="{BB962C8B-B14F-4D97-AF65-F5344CB8AC3E}">
@@ -35733,6 +41002,14 @@
   <p:clrMapOvr>
     <a:masterClrMapping/>
   </p:clrMapOvr>
+  <mc:AlternateContent xmlns:mc="http://schemas.openxmlformats.org/markup-compatibility/2006">
+    <mc:Choice xmlns:p14="http://schemas.microsoft.com/office/powerpoint/2010/main" Requires="p14">
+      <p:transition p14:dur="0"/>
+    </mc:Choice>
+    <mc:Fallback>
+      <p:transition/>
+    </mc:Fallback>
+  </mc:AlternateContent>
   <p:timing>
     <p:tnLst>
       <p:par>
@@ -40317,6 +45594,14 @@
   <p:clrMapOvr>
     <a:masterClrMapping/>
   </p:clrMapOvr>
+  <mc:AlternateContent xmlns:mc="http://schemas.openxmlformats.org/markup-compatibility/2006">
+    <mc:Choice xmlns:p14="http://schemas.microsoft.com/office/powerpoint/2010/main" Requires="p14">
+      <p:transition p14:dur="0"/>
+    </mc:Choice>
+    <mc:Fallback>
+      <p:transition/>
+    </mc:Fallback>
+  </mc:AlternateContent>
   <p:timing>
     <p:tnLst>
       <p:par>
@@ -42957,6 +48242,14 @@
   <p:clrMapOvr>
     <a:masterClrMapping/>
   </p:clrMapOvr>
+  <mc:AlternateContent xmlns:mc="http://schemas.openxmlformats.org/markup-compatibility/2006">
+    <mc:Choice xmlns:p14="http://schemas.microsoft.com/office/powerpoint/2010/main" Requires="p14">
+      <p:transition p14:dur="0"/>
+    </mc:Choice>
+    <mc:Fallback>
+      <p:transition/>
+    </mc:Fallback>
+  </mc:AlternateContent>
   <p:timing>
     <p:tnLst>
       <p:par>
@@ -43030,13 +48323,7 @@
               <a:rPr lang="fa-IR" dirty="0" smtClean="0">
                 <a:cs typeface="B Nazanin" panose="00000400000000000000" pitchFamily="2" charset="-78"/>
               </a:rPr>
-              <a:t>با تشکر از توجه </a:t>
-            </a:r>
-            <a:r>
-              <a:rPr lang="fa-IR" dirty="0" smtClean="0">
-                <a:cs typeface="B Nazanin" panose="00000400000000000000" pitchFamily="2" charset="-78"/>
-              </a:rPr>
-              <a:t>شما</a:t>
+              <a:t>با تشکر از توجه شما</a:t>
             </a:r>
           </a:p>
           <a:p>
@@ -43364,7 +48651,6 @@
               <a:rPr lang="en-US" sz="1400" dirty="0"/>
               <a:t>.</a:t>
             </a:r>
-            <a:endParaRPr lang="en-US" sz="1400" dirty="0"/>
           </a:p>
         </p:txBody>
       </p:sp>
@@ -43378,6 +48664,14 @@
   <p:clrMapOvr>
     <a:masterClrMapping/>
   </p:clrMapOvr>
+  <mc:AlternateContent xmlns:mc="http://schemas.openxmlformats.org/markup-compatibility/2006">
+    <mc:Choice xmlns:p14="http://schemas.microsoft.com/office/powerpoint/2010/main" Requires="p14">
+      <p:transition p14:dur="0"/>
+    </mc:Choice>
+    <mc:Fallback>
+      <p:transition/>
+    </mc:Fallback>
+  </mc:AlternateContent>
   <p:timing>
     <p:tnLst>
       <p:par>
@@ -43488,6 +48782,1025 @@
           </a:ln>
         </p:spPr>
       </p:pic>
+      <p:sp>
+        <p:nvSpPr>
+          <p:cNvPr id="3" name="Rounded Rectangle 2"/>
+          <p:cNvSpPr/>
+          <p:nvPr/>
+        </p:nvSpPr>
+        <p:spPr>
+          <a:xfrm>
+            <a:off x="6353949" y="2590312"/>
+            <a:ext cx="1521751" cy="627808"/>
+          </a:xfrm>
+          <a:prstGeom prst="roundRect">
+            <a:avLst/>
+          </a:prstGeom>
+          <a:ln>
+            <a:noFill/>
+          </a:ln>
+          <a:effectLst>
+            <a:outerShdw blurRad="107950" dist="12700" dir="5400000" algn="ctr">
+              <a:srgbClr val="000000"/>
+            </a:outerShdw>
+          </a:effectLst>
+          <a:scene3d>
+            <a:camera prst="orthographicFront">
+              <a:rot lat="0" lon="0" rev="0"/>
+            </a:camera>
+            <a:lightRig rig="soft" dir="t">
+              <a:rot lat="0" lon="0" rev="0"/>
+            </a:lightRig>
+          </a:scene3d>
+          <a:sp3d contourW="44450" prstMaterial="matte">
+            <a:bevelT w="63500" h="63500" prst="artDeco"/>
+            <a:contourClr>
+              <a:srgbClr val="FFFFFF"/>
+            </a:contourClr>
+          </a:sp3d>
+        </p:spPr>
+        <p:style>
+          <a:lnRef idx="2">
+            <a:schemeClr val="accent5">
+              <a:shade val="50000"/>
+            </a:schemeClr>
+          </a:lnRef>
+          <a:fillRef idx="1">
+            <a:schemeClr val="accent5"/>
+          </a:fillRef>
+          <a:effectRef idx="0">
+            <a:schemeClr val="accent5"/>
+          </a:effectRef>
+          <a:fontRef idx="minor">
+            <a:schemeClr val="lt1"/>
+          </a:fontRef>
+        </p:style>
+        <p:txBody>
+          <a:bodyPr rtlCol="0" anchor="ctr"/>
+          <a:lstStyle/>
+          <a:p>
+            <a:pPr algn="ctr"/>
+            <a:r>
+              <a:rPr lang="fa-IR" dirty="0" smtClean="0">
+                <a:cs typeface="B Nazanin" panose="00000400000000000000" pitchFamily="2" charset="-78"/>
+              </a:rPr>
+              <a:t>یافتن قالب</a:t>
+            </a:r>
+            <a:endParaRPr lang="en-US" dirty="0">
+              <a:cs typeface="B Nazanin" panose="00000400000000000000" pitchFamily="2" charset="-78"/>
+            </a:endParaRPr>
+          </a:p>
+        </p:txBody>
+      </p:sp>
+      <p:sp>
+        <p:nvSpPr>
+          <p:cNvPr id="6" name="Rounded Rectangle 5"/>
+          <p:cNvSpPr/>
+          <p:nvPr/>
+        </p:nvSpPr>
+        <p:spPr>
+          <a:xfrm>
+            <a:off x="6353949" y="3453128"/>
+            <a:ext cx="1521751" cy="627808"/>
+          </a:xfrm>
+          <a:prstGeom prst="roundRect">
+            <a:avLst/>
+          </a:prstGeom>
+          <a:ln>
+            <a:noFill/>
+          </a:ln>
+          <a:effectLst>
+            <a:outerShdw blurRad="107950" dist="12700" dir="5400000" algn="ctr">
+              <a:srgbClr val="000000"/>
+            </a:outerShdw>
+          </a:effectLst>
+          <a:scene3d>
+            <a:camera prst="orthographicFront">
+              <a:rot lat="0" lon="0" rev="0"/>
+            </a:camera>
+            <a:lightRig rig="soft" dir="t">
+              <a:rot lat="0" lon="0" rev="0"/>
+            </a:lightRig>
+          </a:scene3d>
+          <a:sp3d contourW="44450" prstMaterial="matte">
+            <a:bevelT w="63500" h="63500" prst="artDeco"/>
+            <a:contourClr>
+              <a:srgbClr val="FFFFFF"/>
+            </a:contourClr>
+          </a:sp3d>
+        </p:spPr>
+        <p:style>
+          <a:lnRef idx="2">
+            <a:schemeClr val="accent5">
+              <a:shade val="50000"/>
+            </a:schemeClr>
+          </a:lnRef>
+          <a:fillRef idx="1">
+            <a:schemeClr val="accent5"/>
+          </a:fillRef>
+          <a:effectRef idx="0">
+            <a:schemeClr val="accent5"/>
+          </a:effectRef>
+          <a:fontRef idx="minor">
+            <a:schemeClr val="lt1"/>
+          </a:fontRef>
+        </p:style>
+        <p:txBody>
+          <a:bodyPr rtlCol="0" anchor="ctr"/>
+          <a:lstStyle/>
+          <a:p>
+            <a:pPr algn="ctr"/>
+            <a:r>
+              <a:rPr lang="fa-IR" dirty="0" smtClean="0">
+                <a:cs typeface="B Nazanin" panose="00000400000000000000" pitchFamily="2" charset="-78"/>
+              </a:rPr>
+              <a:t>تایید قالب</a:t>
+            </a:r>
+            <a:endParaRPr lang="en-US" dirty="0">
+              <a:cs typeface="B Nazanin" panose="00000400000000000000" pitchFamily="2" charset="-78"/>
+            </a:endParaRPr>
+          </a:p>
+        </p:txBody>
+      </p:sp>
+      <p:sp>
+        <p:nvSpPr>
+          <p:cNvPr id="7" name="Rounded Rectangle 6"/>
+          <p:cNvSpPr/>
+          <p:nvPr/>
+        </p:nvSpPr>
+        <p:spPr>
+          <a:xfrm>
+            <a:off x="6353949" y="4315944"/>
+            <a:ext cx="1521751" cy="627808"/>
+          </a:xfrm>
+          <a:prstGeom prst="roundRect">
+            <a:avLst/>
+          </a:prstGeom>
+          <a:ln>
+            <a:noFill/>
+          </a:ln>
+          <a:effectLst>
+            <a:outerShdw blurRad="107950" dist="12700" dir="5400000" algn="ctr">
+              <a:srgbClr val="000000"/>
+            </a:outerShdw>
+          </a:effectLst>
+          <a:scene3d>
+            <a:camera prst="orthographicFront">
+              <a:rot lat="0" lon="0" rev="0"/>
+            </a:camera>
+            <a:lightRig rig="soft" dir="t">
+              <a:rot lat="0" lon="0" rev="0"/>
+            </a:lightRig>
+          </a:scene3d>
+          <a:sp3d contourW="44450" prstMaterial="matte">
+            <a:bevelT w="63500" h="63500" prst="artDeco"/>
+            <a:contourClr>
+              <a:srgbClr val="FFFFFF"/>
+            </a:contourClr>
+          </a:sp3d>
+        </p:spPr>
+        <p:style>
+          <a:lnRef idx="2">
+            <a:schemeClr val="accent5">
+              <a:shade val="50000"/>
+            </a:schemeClr>
+          </a:lnRef>
+          <a:fillRef idx="1">
+            <a:schemeClr val="accent5"/>
+          </a:fillRef>
+          <a:effectRef idx="0">
+            <a:schemeClr val="accent5"/>
+          </a:effectRef>
+          <a:fontRef idx="minor">
+            <a:schemeClr val="lt1"/>
+          </a:fontRef>
+        </p:style>
+        <p:txBody>
+          <a:bodyPr rtlCol="0" anchor="ctr"/>
+          <a:lstStyle/>
+          <a:p>
+            <a:pPr algn="ctr"/>
+            <a:r>
+              <a:rPr lang="fa-IR" dirty="0" smtClean="0">
+                <a:cs typeface="B Nazanin" panose="00000400000000000000" pitchFamily="2" charset="-78"/>
+              </a:rPr>
+              <a:t>استخراج روابط</a:t>
+            </a:r>
+            <a:endParaRPr lang="en-US" dirty="0">
+              <a:cs typeface="B Nazanin" panose="00000400000000000000" pitchFamily="2" charset="-78"/>
+            </a:endParaRPr>
+          </a:p>
+        </p:txBody>
+      </p:sp>
+      <p:sp>
+        <p:nvSpPr>
+          <p:cNvPr id="8" name="Rounded Rectangle 7"/>
+          <p:cNvSpPr/>
+          <p:nvPr/>
+        </p:nvSpPr>
+        <p:spPr>
+          <a:xfrm>
+            <a:off x="6367597" y="5178760"/>
+            <a:ext cx="1521751" cy="627808"/>
+          </a:xfrm>
+          <a:prstGeom prst="roundRect">
+            <a:avLst/>
+          </a:prstGeom>
+          <a:ln>
+            <a:noFill/>
+          </a:ln>
+          <a:effectLst>
+            <a:outerShdw blurRad="107950" dist="12700" dir="5400000" algn="ctr">
+              <a:srgbClr val="000000"/>
+            </a:outerShdw>
+          </a:effectLst>
+          <a:scene3d>
+            <a:camera prst="orthographicFront">
+              <a:rot lat="0" lon="0" rev="0"/>
+            </a:camera>
+            <a:lightRig rig="soft" dir="t">
+              <a:rot lat="0" lon="0" rev="0"/>
+            </a:lightRig>
+          </a:scene3d>
+          <a:sp3d contourW="44450" prstMaterial="matte">
+            <a:bevelT w="63500" h="63500" prst="artDeco"/>
+            <a:contourClr>
+              <a:srgbClr val="FFFFFF"/>
+            </a:contourClr>
+          </a:sp3d>
+        </p:spPr>
+        <p:style>
+          <a:lnRef idx="2">
+            <a:schemeClr val="accent5">
+              <a:shade val="50000"/>
+            </a:schemeClr>
+          </a:lnRef>
+          <a:fillRef idx="1">
+            <a:schemeClr val="accent5"/>
+          </a:fillRef>
+          <a:effectRef idx="0">
+            <a:schemeClr val="accent5"/>
+          </a:effectRef>
+          <a:fontRef idx="minor">
+            <a:schemeClr val="lt1"/>
+          </a:fontRef>
+        </p:style>
+        <p:txBody>
+          <a:bodyPr rtlCol="0" anchor="ctr"/>
+          <a:lstStyle/>
+          <a:p>
+            <a:pPr algn="ctr"/>
+            <a:r>
+              <a:rPr lang="fa-IR" dirty="0" smtClean="0">
+                <a:cs typeface="B Nazanin" panose="00000400000000000000" pitchFamily="2" charset="-78"/>
+              </a:rPr>
+              <a:t>بانک قالب و روابط</a:t>
+            </a:r>
+            <a:endParaRPr lang="en-US" dirty="0">
+              <a:cs typeface="B Nazanin" panose="00000400000000000000" pitchFamily="2" charset="-78"/>
+            </a:endParaRPr>
+          </a:p>
+        </p:txBody>
+      </p:sp>
+      <p:sp>
+        <p:nvSpPr>
+          <p:cNvPr id="9" name="Rounded Rectangle 8"/>
+          <p:cNvSpPr/>
+          <p:nvPr/>
+        </p:nvSpPr>
+        <p:spPr>
+          <a:xfrm>
+            <a:off x="4483164" y="5947167"/>
+            <a:ext cx="1521751" cy="627808"/>
+          </a:xfrm>
+          <a:prstGeom prst="roundRect">
+            <a:avLst/>
+          </a:prstGeom>
+          <a:ln>
+            <a:noFill/>
+          </a:ln>
+          <a:effectLst>
+            <a:outerShdw blurRad="107950" dist="12700" dir="5400000" algn="ctr">
+              <a:srgbClr val="000000"/>
+            </a:outerShdw>
+          </a:effectLst>
+          <a:scene3d>
+            <a:camera prst="orthographicFront">
+              <a:rot lat="0" lon="0" rev="0"/>
+            </a:camera>
+            <a:lightRig rig="soft" dir="t">
+              <a:rot lat="0" lon="0" rev="0"/>
+            </a:lightRig>
+          </a:scene3d>
+          <a:sp3d contourW="44450" prstMaterial="matte">
+            <a:bevelT w="63500" h="63500" prst="artDeco"/>
+            <a:contourClr>
+              <a:srgbClr val="FFFFFF"/>
+            </a:contourClr>
+          </a:sp3d>
+        </p:spPr>
+        <p:style>
+          <a:lnRef idx="2">
+            <a:schemeClr val="accent5">
+              <a:shade val="50000"/>
+            </a:schemeClr>
+          </a:lnRef>
+          <a:fillRef idx="1">
+            <a:schemeClr val="accent5"/>
+          </a:fillRef>
+          <a:effectRef idx="0">
+            <a:schemeClr val="accent5"/>
+          </a:effectRef>
+          <a:fontRef idx="minor">
+            <a:schemeClr val="lt1"/>
+          </a:fontRef>
+        </p:style>
+        <p:txBody>
+          <a:bodyPr rtlCol="0" anchor="ctr"/>
+          <a:lstStyle/>
+          <a:p>
+            <a:pPr algn="ctr"/>
+            <a:r>
+              <a:rPr lang="fa-IR" dirty="0" smtClean="0">
+                <a:cs typeface="B Nazanin" panose="00000400000000000000" pitchFamily="2" charset="-78"/>
+              </a:rPr>
+              <a:t>افزودن قیودات</a:t>
+            </a:r>
+            <a:endParaRPr lang="en-US" dirty="0">
+              <a:cs typeface="B Nazanin" panose="00000400000000000000" pitchFamily="2" charset="-78"/>
+            </a:endParaRPr>
+          </a:p>
+        </p:txBody>
+      </p:sp>
+      <p:sp>
+        <p:nvSpPr>
+          <p:cNvPr id="10" name="Rounded Rectangle 9"/>
+          <p:cNvSpPr/>
+          <p:nvPr/>
+        </p:nvSpPr>
+        <p:spPr>
+          <a:xfrm>
+            <a:off x="2532512" y="5947167"/>
+            <a:ext cx="1521751" cy="627808"/>
+          </a:xfrm>
+          <a:prstGeom prst="roundRect">
+            <a:avLst/>
+          </a:prstGeom>
+          <a:ln>
+            <a:noFill/>
+          </a:ln>
+          <a:effectLst>
+            <a:outerShdw blurRad="107950" dist="12700" dir="5400000" algn="ctr">
+              <a:srgbClr val="000000"/>
+            </a:outerShdw>
+          </a:effectLst>
+          <a:scene3d>
+            <a:camera prst="orthographicFront">
+              <a:rot lat="0" lon="0" rev="0"/>
+            </a:camera>
+            <a:lightRig rig="soft" dir="t">
+              <a:rot lat="0" lon="0" rev="0"/>
+            </a:lightRig>
+          </a:scene3d>
+          <a:sp3d contourW="44450" prstMaterial="matte">
+            <a:bevelT w="63500" h="63500" prst="artDeco"/>
+            <a:contourClr>
+              <a:srgbClr val="FFFFFF"/>
+            </a:contourClr>
+          </a:sp3d>
+        </p:spPr>
+        <p:style>
+          <a:lnRef idx="2">
+            <a:schemeClr val="accent5">
+              <a:shade val="50000"/>
+            </a:schemeClr>
+          </a:lnRef>
+          <a:fillRef idx="1">
+            <a:schemeClr val="accent5"/>
+          </a:fillRef>
+          <a:effectRef idx="0">
+            <a:schemeClr val="accent5"/>
+          </a:effectRef>
+          <a:fontRef idx="minor">
+            <a:schemeClr val="lt1"/>
+          </a:fontRef>
+        </p:style>
+        <p:txBody>
+          <a:bodyPr rtlCol="0" anchor="ctr"/>
+          <a:lstStyle/>
+          <a:p>
+            <a:pPr algn="ctr"/>
+            <a:r>
+              <a:rPr lang="fa-IR" dirty="0" smtClean="0">
+                <a:cs typeface="B Nazanin" panose="00000400000000000000" pitchFamily="2" charset="-78"/>
+              </a:rPr>
+              <a:t>ارتباطات مفهومی</a:t>
+            </a:r>
+            <a:endParaRPr lang="en-US" dirty="0">
+              <a:cs typeface="B Nazanin" panose="00000400000000000000" pitchFamily="2" charset="-78"/>
+            </a:endParaRPr>
+          </a:p>
+        </p:txBody>
+      </p:sp>
+      <p:sp>
+        <p:nvSpPr>
+          <p:cNvPr id="11" name="Snip Single Corner Rectangle 10"/>
+          <p:cNvSpPr/>
+          <p:nvPr/>
+        </p:nvSpPr>
+        <p:spPr>
+          <a:xfrm>
+            <a:off x="4483164" y="1709705"/>
+            <a:ext cx="1296538" cy="660781"/>
+          </a:xfrm>
+          <a:prstGeom prst="snip1Rect">
+            <a:avLst/>
+          </a:prstGeom>
+        </p:spPr>
+        <p:style>
+          <a:lnRef idx="2">
+            <a:schemeClr val="dk1"/>
+          </a:lnRef>
+          <a:fillRef idx="1">
+            <a:schemeClr val="lt1"/>
+          </a:fillRef>
+          <a:effectRef idx="0">
+            <a:schemeClr val="dk1"/>
+          </a:effectRef>
+          <a:fontRef idx="minor">
+            <a:schemeClr val="dk1"/>
+          </a:fontRef>
+        </p:style>
+        <p:txBody>
+          <a:bodyPr rtlCol="0" anchor="ctr"/>
+          <a:lstStyle/>
+          <a:p>
+            <a:pPr algn="ctr"/>
+            <a:r>
+              <a:rPr lang="fa-IR" sz="2000" dirty="0" smtClean="0">
+                <a:cs typeface="B Nazanin" panose="00000400000000000000" pitchFamily="2" charset="-78"/>
+              </a:rPr>
+              <a:t>پیکره</a:t>
+            </a:r>
+            <a:endParaRPr lang="en-US" sz="2000" dirty="0">
+              <a:cs typeface="B Nazanin" panose="00000400000000000000" pitchFamily="2" charset="-78"/>
+            </a:endParaRPr>
+          </a:p>
+        </p:txBody>
+      </p:sp>
+      <p:sp>
+        <p:nvSpPr>
+          <p:cNvPr id="12" name="Snip Single Corner Rectangle 11"/>
+          <p:cNvSpPr/>
+          <p:nvPr/>
+        </p:nvSpPr>
+        <p:spPr>
+          <a:xfrm>
+            <a:off x="8477530" y="1709706"/>
+            <a:ext cx="1296538" cy="660781"/>
+          </a:xfrm>
+          <a:prstGeom prst="snip1Rect">
+            <a:avLst/>
+          </a:prstGeom>
+        </p:spPr>
+        <p:style>
+          <a:lnRef idx="2">
+            <a:schemeClr val="dk1"/>
+          </a:lnRef>
+          <a:fillRef idx="1">
+            <a:schemeClr val="lt1"/>
+          </a:fillRef>
+          <a:effectRef idx="0">
+            <a:schemeClr val="dk1"/>
+          </a:effectRef>
+          <a:fontRef idx="minor">
+            <a:schemeClr val="dk1"/>
+          </a:fontRef>
+        </p:style>
+        <p:txBody>
+          <a:bodyPr rtlCol="0" anchor="ctr"/>
+          <a:lstStyle/>
+          <a:p>
+            <a:pPr algn="ctr"/>
+            <a:r>
+              <a:rPr lang="fa-IR" sz="2000" dirty="0" smtClean="0">
+                <a:cs typeface="B Nazanin" panose="00000400000000000000" pitchFamily="2" charset="-78"/>
+              </a:rPr>
+              <a:t>جملات جدید</a:t>
+            </a:r>
+            <a:endParaRPr lang="en-US" sz="2000" dirty="0">
+              <a:cs typeface="B Nazanin" panose="00000400000000000000" pitchFamily="2" charset="-78"/>
+            </a:endParaRPr>
+          </a:p>
+        </p:txBody>
+      </p:sp>
+      <p:cxnSp>
+        <p:nvCxnSpPr>
+          <p:cNvPr id="14" name="Straight Connector 13"/>
+          <p:cNvCxnSpPr/>
+          <p:nvPr/>
+        </p:nvCxnSpPr>
+        <p:spPr>
+          <a:xfrm>
+            <a:off x="5779702" y="2040095"/>
+            <a:ext cx="1030531" cy="0"/>
+          </a:xfrm>
+          <a:prstGeom prst="line">
+            <a:avLst/>
+          </a:prstGeom>
+        </p:spPr>
+        <p:style>
+          <a:lnRef idx="1">
+            <a:schemeClr val="accent1"/>
+          </a:lnRef>
+          <a:fillRef idx="0">
+            <a:schemeClr val="accent1"/>
+          </a:fillRef>
+          <a:effectRef idx="0">
+            <a:schemeClr val="accent1"/>
+          </a:effectRef>
+          <a:fontRef idx="minor">
+            <a:schemeClr val="tx1"/>
+          </a:fontRef>
+        </p:style>
+      </p:cxnSp>
+      <p:cxnSp>
+        <p:nvCxnSpPr>
+          <p:cNvPr id="15" name="Straight Connector 14"/>
+          <p:cNvCxnSpPr/>
+          <p:nvPr/>
+        </p:nvCxnSpPr>
+        <p:spPr>
+          <a:xfrm>
+            <a:off x="7446999" y="2048946"/>
+            <a:ext cx="1030531" cy="0"/>
+          </a:xfrm>
+          <a:prstGeom prst="line">
+            <a:avLst/>
+          </a:prstGeom>
+        </p:spPr>
+        <p:style>
+          <a:lnRef idx="1">
+            <a:schemeClr val="accent1"/>
+          </a:lnRef>
+          <a:fillRef idx="0">
+            <a:schemeClr val="accent1"/>
+          </a:fillRef>
+          <a:effectRef idx="0">
+            <a:schemeClr val="accent1"/>
+          </a:effectRef>
+          <a:fontRef idx="minor">
+            <a:schemeClr val="tx1"/>
+          </a:fontRef>
+        </p:style>
+      </p:cxnSp>
+      <p:cxnSp>
+        <p:nvCxnSpPr>
+          <p:cNvPr id="17" name="Straight Arrow Connector 16"/>
+          <p:cNvCxnSpPr/>
+          <p:nvPr/>
+        </p:nvCxnSpPr>
+        <p:spPr>
+          <a:xfrm>
+            <a:off x="6810233" y="2048946"/>
+            <a:ext cx="0" cy="541366"/>
+          </a:xfrm>
+          <a:prstGeom prst="straightConnector1">
+            <a:avLst/>
+          </a:prstGeom>
+          <a:ln>
+            <a:tailEnd type="triangle"/>
+          </a:ln>
+        </p:spPr>
+        <p:style>
+          <a:lnRef idx="1">
+            <a:schemeClr val="accent1"/>
+          </a:lnRef>
+          <a:fillRef idx="0">
+            <a:schemeClr val="accent1"/>
+          </a:fillRef>
+          <a:effectRef idx="0">
+            <a:schemeClr val="accent1"/>
+          </a:effectRef>
+          <a:fontRef idx="minor">
+            <a:schemeClr val="tx1"/>
+          </a:fontRef>
+        </p:style>
+      </p:cxnSp>
+      <p:cxnSp>
+        <p:nvCxnSpPr>
+          <p:cNvPr id="18" name="Straight Arrow Connector 17"/>
+          <p:cNvCxnSpPr/>
+          <p:nvPr/>
+        </p:nvCxnSpPr>
+        <p:spPr>
+          <a:xfrm>
+            <a:off x="7433178" y="2048946"/>
+            <a:ext cx="0" cy="541366"/>
+          </a:xfrm>
+          <a:prstGeom prst="straightConnector1">
+            <a:avLst/>
+          </a:prstGeom>
+          <a:ln>
+            <a:tailEnd type="triangle"/>
+          </a:ln>
+        </p:spPr>
+        <p:style>
+          <a:lnRef idx="1">
+            <a:schemeClr val="accent1"/>
+          </a:lnRef>
+          <a:fillRef idx="0">
+            <a:schemeClr val="accent1"/>
+          </a:fillRef>
+          <a:effectRef idx="0">
+            <a:schemeClr val="accent1"/>
+          </a:effectRef>
+          <a:fontRef idx="minor">
+            <a:schemeClr val="tx1"/>
+          </a:fontRef>
+        </p:style>
+      </p:cxnSp>
+      <p:cxnSp>
+        <p:nvCxnSpPr>
+          <p:cNvPr id="22" name="Straight Arrow Connector 21"/>
+          <p:cNvCxnSpPr/>
+          <p:nvPr/>
+        </p:nvCxnSpPr>
+        <p:spPr>
+          <a:xfrm>
+            <a:off x="7124130" y="3218120"/>
+            <a:ext cx="0" cy="235008"/>
+          </a:xfrm>
+          <a:prstGeom prst="straightConnector1">
+            <a:avLst/>
+          </a:prstGeom>
+          <a:ln>
+            <a:tailEnd type="triangle"/>
+          </a:ln>
+        </p:spPr>
+        <p:style>
+          <a:lnRef idx="1">
+            <a:schemeClr val="accent1"/>
+          </a:lnRef>
+          <a:fillRef idx="0">
+            <a:schemeClr val="accent1"/>
+          </a:fillRef>
+          <a:effectRef idx="0">
+            <a:schemeClr val="accent1"/>
+          </a:effectRef>
+          <a:fontRef idx="minor">
+            <a:schemeClr val="tx1"/>
+          </a:fontRef>
+        </p:style>
+      </p:cxnSp>
+      <p:cxnSp>
+        <p:nvCxnSpPr>
+          <p:cNvPr id="24" name="Straight Arrow Connector 23"/>
+          <p:cNvCxnSpPr/>
+          <p:nvPr/>
+        </p:nvCxnSpPr>
+        <p:spPr>
+          <a:xfrm>
+            <a:off x="7124130" y="4080936"/>
+            <a:ext cx="0" cy="235008"/>
+          </a:xfrm>
+          <a:prstGeom prst="straightConnector1">
+            <a:avLst/>
+          </a:prstGeom>
+          <a:ln>
+            <a:tailEnd type="triangle"/>
+          </a:ln>
+        </p:spPr>
+        <p:style>
+          <a:lnRef idx="1">
+            <a:schemeClr val="accent1"/>
+          </a:lnRef>
+          <a:fillRef idx="0">
+            <a:schemeClr val="accent1"/>
+          </a:fillRef>
+          <a:effectRef idx="0">
+            <a:schemeClr val="accent1"/>
+          </a:effectRef>
+          <a:fontRef idx="minor">
+            <a:schemeClr val="tx1"/>
+          </a:fontRef>
+        </p:style>
+      </p:cxnSp>
+      <p:cxnSp>
+        <p:nvCxnSpPr>
+          <p:cNvPr id="26" name="Straight Arrow Connector 25"/>
+          <p:cNvCxnSpPr/>
+          <p:nvPr/>
+        </p:nvCxnSpPr>
+        <p:spPr>
+          <a:xfrm>
+            <a:off x="7124130" y="4943752"/>
+            <a:ext cx="0" cy="235008"/>
+          </a:xfrm>
+          <a:prstGeom prst="straightConnector1">
+            <a:avLst/>
+          </a:prstGeom>
+          <a:ln>
+            <a:tailEnd type="triangle"/>
+          </a:ln>
+        </p:spPr>
+        <p:style>
+          <a:lnRef idx="1">
+            <a:schemeClr val="accent1"/>
+          </a:lnRef>
+          <a:fillRef idx="0">
+            <a:schemeClr val="accent1"/>
+          </a:fillRef>
+          <a:effectRef idx="0">
+            <a:schemeClr val="accent1"/>
+          </a:effectRef>
+          <a:fontRef idx="minor">
+            <a:schemeClr val="tx1"/>
+          </a:fontRef>
+        </p:style>
+      </p:cxnSp>
+      <p:cxnSp>
+        <p:nvCxnSpPr>
+          <p:cNvPr id="28" name="Straight Arrow Connector 27"/>
+          <p:cNvCxnSpPr/>
+          <p:nvPr/>
+        </p:nvCxnSpPr>
+        <p:spPr>
+          <a:xfrm flipH="1">
+            <a:off x="6004915" y="6213866"/>
+            <a:ext cx="1119215" cy="0"/>
+          </a:xfrm>
+          <a:prstGeom prst="straightConnector1">
+            <a:avLst/>
+          </a:prstGeom>
+          <a:ln>
+            <a:tailEnd type="triangle"/>
+          </a:ln>
+        </p:spPr>
+        <p:style>
+          <a:lnRef idx="1">
+            <a:schemeClr val="accent1"/>
+          </a:lnRef>
+          <a:fillRef idx="0">
+            <a:schemeClr val="accent1"/>
+          </a:fillRef>
+          <a:effectRef idx="0">
+            <a:schemeClr val="accent1"/>
+          </a:effectRef>
+          <a:fontRef idx="minor">
+            <a:schemeClr val="tx1"/>
+          </a:fontRef>
+        </p:style>
+      </p:cxnSp>
+      <p:cxnSp>
+        <p:nvCxnSpPr>
+          <p:cNvPr id="30" name="Straight Arrow Connector 29"/>
+          <p:cNvCxnSpPr/>
+          <p:nvPr/>
+        </p:nvCxnSpPr>
+        <p:spPr>
+          <a:xfrm flipH="1">
+            <a:off x="4054263" y="6213866"/>
+            <a:ext cx="428901" cy="0"/>
+          </a:xfrm>
+          <a:prstGeom prst="straightConnector1">
+            <a:avLst/>
+          </a:prstGeom>
+          <a:ln>
+            <a:tailEnd type="triangle"/>
+          </a:ln>
+        </p:spPr>
+        <p:style>
+          <a:lnRef idx="1">
+            <a:schemeClr val="accent1"/>
+          </a:lnRef>
+          <a:fillRef idx="0">
+            <a:schemeClr val="accent1"/>
+          </a:fillRef>
+          <a:effectRef idx="0">
+            <a:schemeClr val="accent1"/>
+          </a:effectRef>
+          <a:fontRef idx="minor">
+            <a:schemeClr val="tx1"/>
+          </a:fontRef>
+        </p:style>
+      </p:cxnSp>
+      <p:cxnSp>
+        <p:nvCxnSpPr>
+          <p:cNvPr id="32" name="Straight Connector 31"/>
+          <p:cNvCxnSpPr/>
+          <p:nvPr/>
+        </p:nvCxnSpPr>
+        <p:spPr>
+          <a:xfrm>
+            <a:off x="7889348" y="2879680"/>
+            <a:ext cx="381194" cy="0"/>
+          </a:xfrm>
+          <a:prstGeom prst="line">
+            <a:avLst/>
+          </a:prstGeom>
+        </p:spPr>
+        <p:style>
+          <a:lnRef idx="1">
+            <a:schemeClr val="accent1"/>
+          </a:lnRef>
+          <a:fillRef idx="0">
+            <a:schemeClr val="accent1"/>
+          </a:fillRef>
+          <a:effectRef idx="0">
+            <a:schemeClr val="accent1"/>
+          </a:effectRef>
+          <a:fontRef idx="minor">
+            <a:schemeClr val="tx1"/>
+          </a:fontRef>
+        </p:style>
+      </p:cxnSp>
+      <p:cxnSp>
+        <p:nvCxnSpPr>
+          <p:cNvPr id="35" name="Straight Connector 34"/>
+          <p:cNvCxnSpPr/>
+          <p:nvPr/>
+        </p:nvCxnSpPr>
+        <p:spPr>
+          <a:xfrm>
+            <a:off x="8270542" y="2879680"/>
+            <a:ext cx="13648" cy="2552131"/>
+          </a:xfrm>
+          <a:prstGeom prst="line">
+            <a:avLst/>
+          </a:prstGeom>
+        </p:spPr>
+        <p:style>
+          <a:lnRef idx="1">
+            <a:schemeClr val="accent1"/>
+          </a:lnRef>
+          <a:fillRef idx="0">
+            <a:schemeClr val="accent1"/>
+          </a:fillRef>
+          <a:effectRef idx="0">
+            <a:schemeClr val="accent1"/>
+          </a:effectRef>
+          <a:fontRef idx="minor">
+            <a:schemeClr val="tx1"/>
+          </a:fontRef>
+        </p:style>
+      </p:cxnSp>
+      <p:cxnSp>
+        <p:nvCxnSpPr>
+          <p:cNvPr id="37" name="Straight Arrow Connector 36"/>
+          <p:cNvCxnSpPr/>
+          <p:nvPr/>
+        </p:nvCxnSpPr>
+        <p:spPr>
+          <a:xfrm flipH="1">
+            <a:off x="7889348" y="5431811"/>
+            <a:ext cx="394842" cy="0"/>
+          </a:xfrm>
+          <a:prstGeom prst="straightConnector1">
+            <a:avLst/>
+          </a:prstGeom>
+          <a:ln>
+            <a:tailEnd type="triangle"/>
+          </a:ln>
+        </p:spPr>
+        <p:style>
+          <a:lnRef idx="1">
+            <a:schemeClr val="accent1"/>
+          </a:lnRef>
+          <a:fillRef idx="0">
+            <a:schemeClr val="accent1"/>
+          </a:fillRef>
+          <a:effectRef idx="0">
+            <a:schemeClr val="accent1"/>
+          </a:effectRef>
+          <a:fontRef idx="minor">
+            <a:schemeClr val="tx1"/>
+          </a:fontRef>
+        </p:style>
+      </p:cxnSp>
+      <p:cxnSp>
+        <p:nvCxnSpPr>
+          <p:cNvPr id="40" name="Straight Connector 39"/>
+          <p:cNvCxnSpPr/>
+          <p:nvPr/>
+        </p:nvCxnSpPr>
+        <p:spPr>
+          <a:xfrm>
+            <a:off x="7124130" y="5806568"/>
+            <a:ext cx="0" cy="407298"/>
+          </a:xfrm>
+          <a:prstGeom prst="line">
+            <a:avLst/>
+          </a:prstGeom>
+        </p:spPr>
+        <p:style>
+          <a:lnRef idx="1">
+            <a:schemeClr val="accent1"/>
+          </a:lnRef>
+          <a:fillRef idx="0">
+            <a:schemeClr val="accent1"/>
+          </a:fillRef>
+          <a:effectRef idx="0">
+            <a:schemeClr val="accent1"/>
+          </a:effectRef>
+          <a:fontRef idx="minor">
+            <a:schemeClr val="tx1"/>
+          </a:fontRef>
+        </p:style>
+      </p:cxnSp>
+      <p:cxnSp>
+        <p:nvCxnSpPr>
+          <p:cNvPr id="43" name="Straight Connector 42"/>
+          <p:cNvCxnSpPr/>
+          <p:nvPr/>
+        </p:nvCxnSpPr>
+        <p:spPr>
+          <a:xfrm flipH="1">
+            <a:off x="6004915" y="5431811"/>
+            <a:ext cx="349034" cy="0"/>
+          </a:xfrm>
+          <a:prstGeom prst="line">
+            <a:avLst/>
+          </a:prstGeom>
+        </p:spPr>
+        <p:style>
+          <a:lnRef idx="1">
+            <a:schemeClr val="accent1"/>
+          </a:lnRef>
+          <a:fillRef idx="0">
+            <a:schemeClr val="accent1"/>
+          </a:fillRef>
+          <a:effectRef idx="0">
+            <a:schemeClr val="accent1"/>
+          </a:effectRef>
+          <a:fontRef idx="minor">
+            <a:schemeClr val="tx1"/>
+          </a:fontRef>
+        </p:style>
+      </p:cxnSp>
+      <p:cxnSp>
+        <p:nvCxnSpPr>
+          <p:cNvPr id="45" name="Straight Connector 44"/>
+          <p:cNvCxnSpPr/>
+          <p:nvPr/>
+        </p:nvCxnSpPr>
+        <p:spPr>
+          <a:xfrm flipV="1">
+            <a:off x="6004915" y="3780432"/>
+            <a:ext cx="0" cy="1651379"/>
+          </a:xfrm>
+          <a:prstGeom prst="line">
+            <a:avLst/>
+          </a:prstGeom>
+        </p:spPr>
+        <p:style>
+          <a:lnRef idx="1">
+            <a:schemeClr val="accent1"/>
+          </a:lnRef>
+          <a:fillRef idx="0">
+            <a:schemeClr val="accent1"/>
+          </a:fillRef>
+          <a:effectRef idx="0">
+            <a:schemeClr val="accent1"/>
+          </a:effectRef>
+          <a:fontRef idx="minor">
+            <a:schemeClr val="tx1"/>
+          </a:fontRef>
+        </p:style>
+      </p:cxnSp>
+      <p:cxnSp>
+        <p:nvCxnSpPr>
+          <p:cNvPr id="47" name="Straight Arrow Connector 46"/>
+          <p:cNvCxnSpPr/>
+          <p:nvPr/>
+        </p:nvCxnSpPr>
+        <p:spPr>
+          <a:xfrm>
+            <a:off x="6004915" y="3780432"/>
+            <a:ext cx="349034" cy="0"/>
+          </a:xfrm>
+          <a:prstGeom prst="straightConnector1">
+            <a:avLst/>
+          </a:prstGeom>
+          <a:ln>
+            <a:tailEnd type="triangle"/>
+          </a:ln>
+        </p:spPr>
+        <p:style>
+          <a:lnRef idx="1">
+            <a:schemeClr val="accent1"/>
+          </a:lnRef>
+          <a:fillRef idx="0">
+            <a:schemeClr val="accent1"/>
+          </a:fillRef>
+          <a:effectRef idx="0">
+            <a:schemeClr val="accent1"/>
+          </a:effectRef>
+          <a:fontRef idx="minor">
+            <a:schemeClr val="tx1"/>
+          </a:fontRef>
+        </p:style>
+      </p:cxnSp>
     </p:spTree>
     <p:extLst>
       <p:ext uri="{BB962C8B-B14F-4D97-AF65-F5344CB8AC3E}">
@@ -43498,430 +49811,14 @@
   <p:clrMapOvr>
     <a:masterClrMapping/>
   </p:clrMapOvr>
-  <p:timing>
-    <p:tnLst>
-      <p:par>
-        <p:cTn id="1" dur="indefinite" restart="never" nodeType="tmRoot"/>
-      </p:par>
-    </p:tnLst>
-  </p:timing>
-</p:sld>
-</file>
-
-<file path=ppt/slides/slide49.xml><?xml version="1.0" encoding="utf-8"?>
-<p:sld xmlns:a="http://schemas.openxmlformats.org/drawingml/2006/main" xmlns:r="http://schemas.openxmlformats.org/officeDocument/2006/relationships" xmlns:p="http://schemas.openxmlformats.org/presentationml/2006/main">
-  <p:cSld>
-    <p:spTree>
-      <p:nvGrpSpPr>
-        <p:cNvPr id="1" name=""/>
-        <p:cNvGrpSpPr/>
-        <p:nvPr/>
-      </p:nvGrpSpPr>
-      <p:grpSpPr>
-        <a:xfrm>
-          <a:off x="0" y="0"/>
-          <a:ext cx="0" cy="0"/>
-          <a:chOff x="0" y="0"/>
-          <a:chExt cx="0" cy="0"/>
-        </a:xfrm>
-      </p:grpSpPr>
-      <p:sp>
-        <p:nvSpPr>
-          <p:cNvPr id="2" name="Title 1"/>
-          <p:cNvSpPr>
-            <a:spLocks noGrp="1"/>
-          </p:cNvSpPr>
-          <p:nvPr>
-            <p:ph type="title"/>
-          </p:nvPr>
-        </p:nvSpPr>
-        <p:spPr/>
-        <p:txBody>
-          <a:bodyPr/>
-          <a:lstStyle/>
-          <a:p>
-            <a:pPr algn="ctr"/>
-            <a:r>
-              <a:rPr lang="fa-IR" dirty="0">
-                <a:cs typeface="B Nazanin" panose="00000400000000000000" pitchFamily="2" charset="-78"/>
-              </a:rPr>
-              <a:t>کاربرد‌های </a:t>
-            </a:r>
-            <a:r>
-              <a:rPr lang="fa-IR" dirty="0" smtClean="0">
-                <a:cs typeface="B Nazanin" panose="00000400000000000000" pitchFamily="2" charset="-78"/>
-              </a:rPr>
-              <a:t>استخراج روابط مفهومی</a:t>
-            </a:r>
-            <a:endParaRPr lang="en-US" dirty="0"/>
-          </a:p>
-        </p:txBody>
-      </p:sp>
-      <p:sp>
-        <p:nvSpPr>
-          <p:cNvPr id="3" name="Content Placeholder 2"/>
-          <p:cNvSpPr>
-            <a:spLocks noGrp="1"/>
-          </p:cNvSpPr>
-          <p:nvPr>
-            <p:ph idx="1"/>
-          </p:nvPr>
-        </p:nvSpPr>
-        <p:spPr/>
-        <p:txBody>
-          <a:bodyPr/>
-          <a:lstStyle/>
-          <a:p>
-            <a:pPr algn="r" rtl="1">
-              <a:buFont typeface="+mj-lt"/>
-              <a:buAutoNum type="arabicPeriod"/>
-            </a:pPr>
-            <a:r>
-              <a:rPr lang="fa-IR" dirty="0" smtClean="0">
-                <a:cs typeface="B Nazanin" panose="00000400000000000000" pitchFamily="2" charset="-78"/>
-              </a:rPr>
-              <a:t>کاربرد </a:t>
-            </a:r>
-            <a:r>
-              <a:rPr lang="fa-IR" dirty="0">
-                <a:cs typeface="B Nazanin" panose="00000400000000000000" pitchFamily="2" charset="-78"/>
-              </a:rPr>
-              <a:t>در موتورهای جستجو برای ارائه </a:t>
-            </a:r>
-            <a:r>
-              <a:rPr lang="fa-IR" dirty="0" smtClean="0">
-                <a:cs typeface="B Nazanin" panose="00000400000000000000" pitchFamily="2" charset="-78"/>
-              </a:rPr>
-              <a:t>پاسخ</a:t>
-            </a:r>
-            <a:r>
-              <a:rPr lang="fa-IR" dirty="0">
-                <a:cs typeface="B Nazanin" panose="00000400000000000000" pitchFamily="2" charset="-78"/>
-              </a:rPr>
-              <a:t>‌</a:t>
-            </a:r>
-            <a:r>
-              <a:rPr lang="fa-IR" dirty="0" smtClean="0">
-                <a:cs typeface="B Nazanin" panose="00000400000000000000" pitchFamily="2" charset="-78"/>
-              </a:rPr>
-              <a:t>های </a:t>
-            </a:r>
-            <a:r>
-              <a:rPr lang="fa-IR" dirty="0">
-                <a:cs typeface="B Nazanin" panose="00000400000000000000" pitchFamily="2" charset="-78"/>
-              </a:rPr>
-              <a:t>بهتر و هوشمند تر به کاربران </a:t>
-            </a:r>
-            <a:r>
-              <a:rPr lang="en-US" dirty="0" smtClean="0">
-                <a:cs typeface="B Nazanin" panose="00000400000000000000" pitchFamily="2" charset="-78"/>
-              </a:rPr>
-              <a:t>Information retrieval</a:t>
-            </a:r>
-            <a:endParaRPr lang="en-US" dirty="0">
-              <a:cs typeface="B Nazanin" panose="00000400000000000000" pitchFamily="2" charset="-78"/>
-            </a:endParaRPr>
-          </a:p>
-          <a:p>
-            <a:pPr algn="r" rtl="1">
-              <a:buFont typeface="+mj-lt"/>
-              <a:buAutoNum type="arabicPeriod"/>
-            </a:pPr>
-            <a:r>
-              <a:rPr lang="fa-IR" dirty="0" smtClean="0">
-                <a:cs typeface="B Nazanin" panose="00000400000000000000" pitchFamily="2" charset="-78"/>
-              </a:rPr>
-              <a:t>کاربرد </a:t>
-            </a:r>
-            <a:r>
-              <a:rPr lang="fa-IR" dirty="0">
-                <a:cs typeface="B Nazanin" panose="00000400000000000000" pitchFamily="2" charset="-78"/>
-              </a:rPr>
-              <a:t>در سیستم های پرسش و پاسخ </a:t>
-            </a:r>
-            <a:r>
-              <a:rPr lang="en-US" dirty="0" smtClean="0">
-                <a:cs typeface="B Nazanin" panose="00000400000000000000" pitchFamily="2" charset="-78"/>
-              </a:rPr>
-              <a:t>Question </a:t>
-            </a:r>
-            <a:r>
-              <a:rPr lang="en-US" dirty="0">
-                <a:cs typeface="B Nazanin" panose="00000400000000000000" pitchFamily="2" charset="-78"/>
-              </a:rPr>
-              <a:t>answering </a:t>
-            </a:r>
-            <a:r>
-              <a:rPr lang="en-US" dirty="0" smtClean="0">
-                <a:cs typeface="B Nazanin" panose="00000400000000000000" pitchFamily="2" charset="-78"/>
-              </a:rPr>
-              <a:t>systems</a:t>
-            </a:r>
-            <a:endParaRPr lang="en-US" dirty="0">
-              <a:cs typeface="B Nazanin" panose="00000400000000000000" pitchFamily="2" charset="-78"/>
-            </a:endParaRPr>
-          </a:p>
-          <a:p>
-            <a:pPr algn="r" rtl="1">
-              <a:buFont typeface="+mj-lt"/>
-              <a:buAutoNum type="arabicPeriod"/>
-            </a:pPr>
-            <a:r>
-              <a:rPr lang="fa-IR" dirty="0" smtClean="0">
-                <a:cs typeface="B Nazanin" panose="00000400000000000000" pitchFamily="2" charset="-78"/>
-              </a:rPr>
-              <a:t>کاربرد </a:t>
-            </a:r>
-            <a:r>
-              <a:rPr lang="fa-IR" dirty="0">
-                <a:cs typeface="B Nazanin" panose="00000400000000000000" pitchFamily="2" charset="-78"/>
-              </a:rPr>
-              <a:t>برای تولید هستان شناسی </a:t>
-            </a:r>
-            <a:r>
-              <a:rPr lang="en-US" dirty="0" smtClean="0">
-                <a:cs typeface="B Nazanin" panose="00000400000000000000" pitchFamily="2" charset="-78"/>
-              </a:rPr>
-              <a:t>Ontology</a:t>
-            </a:r>
-            <a:endParaRPr lang="en-US" dirty="0">
-              <a:cs typeface="B Nazanin" panose="00000400000000000000" pitchFamily="2" charset="-78"/>
-            </a:endParaRPr>
-          </a:p>
-          <a:p>
-            <a:pPr algn="r" rtl="1">
-              <a:buFont typeface="+mj-lt"/>
-              <a:buAutoNum type="arabicPeriod"/>
-            </a:pPr>
-            <a:r>
-              <a:rPr lang="fa-IR" dirty="0" smtClean="0">
-                <a:cs typeface="B Nazanin" panose="00000400000000000000" pitchFamily="2" charset="-78"/>
-              </a:rPr>
-              <a:t>کمک </a:t>
-            </a:r>
-            <a:r>
-              <a:rPr lang="fa-IR" dirty="0">
-                <a:cs typeface="B Nazanin" panose="00000400000000000000" pitchFamily="2" charset="-78"/>
-              </a:rPr>
-              <a:t>به فهم ماشینی متون </a:t>
-            </a:r>
-            <a:r>
-              <a:rPr lang="en-US" dirty="0" smtClean="0">
-                <a:cs typeface="B Nazanin" panose="00000400000000000000" pitchFamily="2" charset="-78"/>
-              </a:rPr>
-              <a:t>Text understanding</a:t>
-            </a:r>
-            <a:endParaRPr lang="en-US" dirty="0">
-              <a:cs typeface="B Nazanin" panose="00000400000000000000" pitchFamily="2" charset="-78"/>
-            </a:endParaRPr>
-          </a:p>
-          <a:p>
-            <a:pPr algn="r" rtl="1">
-              <a:buFont typeface="+mj-lt"/>
-              <a:buAutoNum type="arabicPeriod"/>
-            </a:pPr>
-            <a:r>
-              <a:rPr lang="fa-IR" dirty="0" smtClean="0">
-                <a:cs typeface="B Nazanin" panose="00000400000000000000" pitchFamily="2" charset="-78"/>
-              </a:rPr>
-              <a:t>کمک </a:t>
-            </a:r>
-            <a:r>
-              <a:rPr lang="fa-IR" dirty="0">
-                <a:cs typeface="B Nazanin" panose="00000400000000000000" pitchFamily="2" charset="-78"/>
-              </a:rPr>
-              <a:t>به ترجمه بهتر متون </a:t>
-            </a:r>
-            <a:r>
-              <a:rPr lang="en-US" dirty="0" smtClean="0">
-                <a:cs typeface="B Nazanin" panose="00000400000000000000" pitchFamily="2" charset="-78"/>
-              </a:rPr>
-              <a:t>Automatic translation</a:t>
-            </a:r>
-            <a:endParaRPr lang="en-US" dirty="0">
-              <a:cs typeface="B Nazanin" panose="00000400000000000000" pitchFamily="2" charset="-78"/>
-            </a:endParaRPr>
-          </a:p>
-          <a:p>
-            <a:pPr algn="r" rtl="1">
-              <a:buFont typeface="+mj-lt"/>
-              <a:buAutoNum type="arabicPeriod"/>
-            </a:pPr>
-            <a:r>
-              <a:rPr lang="fa-IR" dirty="0" smtClean="0">
-                <a:cs typeface="B Nazanin" panose="00000400000000000000" pitchFamily="2" charset="-78"/>
-              </a:rPr>
-              <a:t>کمک </a:t>
-            </a:r>
-            <a:r>
-              <a:rPr lang="fa-IR" dirty="0">
-                <a:cs typeface="B Nazanin" panose="00000400000000000000" pitchFamily="2" charset="-78"/>
-              </a:rPr>
-              <a:t>به برچسب زنی نقش معنایی </a:t>
-            </a:r>
-            <a:r>
-              <a:rPr lang="en-US" dirty="0" smtClean="0">
-                <a:cs typeface="B Nazanin" panose="00000400000000000000" pitchFamily="2" charset="-78"/>
-              </a:rPr>
-              <a:t>Semantic </a:t>
-            </a:r>
-            <a:r>
-              <a:rPr lang="en-US" dirty="0">
-                <a:cs typeface="B Nazanin" panose="00000400000000000000" pitchFamily="2" charset="-78"/>
-              </a:rPr>
-              <a:t>role </a:t>
-            </a:r>
-            <a:r>
-              <a:rPr lang="en-US" dirty="0" smtClean="0">
-                <a:cs typeface="B Nazanin" panose="00000400000000000000" pitchFamily="2" charset="-78"/>
-              </a:rPr>
-              <a:t>labeling</a:t>
-            </a:r>
-            <a:endParaRPr lang="en-US" dirty="0">
-              <a:cs typeface="B Nazanin" panose="00000400000000000000" pitchFamily="2" charset="-78"/>
-            </a:endParaRPr>
-          </a:p>
-          <a:p>
-            <a:pPr algn="r" rtl="1">
-              <a:buFont typeface="+mj-lt"/>
-              <a:buAutoNum type="arabicPeriod"/>
-            </a:pPr>
-            <a:r>
-              <a:rPr lang="fa-IR" dirty="0" smtClean="0">
-                <a:cs typeface="B Nazanin" panose="00000400000000000000" pitchFamily="2" charset="-78"/>
-              </a:rPr>
-              <a:t>کمک </a:t>
-            </a:r>
-            <a:r>
-              <a:rPr lang="fa-IR" dirty="0">
-                <a:cs typeface="B Nazanin" panose="00000400000000000000" pitchFamily="2" charset="-78"/>
-              </a:rPr>
-              <a:t>به استخراج خودکار </a:t>
-            </a:r>
-            <a:r>
-              <a:rPr lang="en-US" dirty="0">
-                <a:cs typeface="B Nazanin" panose="00000400000000000000" pitchFamily="2" charset="-78"/>
-              </a:rPr>
-              <a:t>Selectional </a:t>
-            </a:r>
-            <a:r>
-              <a:rPr lang="en-US" dirty="0" err="1" smtClean="0">
-                <a:cs typeface="B Nazanin" panose="00000400000000000000" pitchFamily="2" charset="-78"/>
-              </a:rPr>
-              <a:t>preferences،Common</a:t>
-            </a:r>
-            <a:r>
-              <a:rPr lang="en-US" dirty="0" smtClean="0">
-                <a:cs typeface="B Nazanin" panose="00000400000000000000" pitchFamily="2" charset="-78"/>
-              </a:rPr>
-              <a:t> </a:t>
-            </a:r>
-            <a:r>
-              <a:rPr lang="en-US" dirty="0">
-                <a:cs typeface="B Nazanin" panose="00000400000000000000" pitchFamily="2" charset="-78"/>
-              </a:rPr>
-              <a:t>sense knowledge </a:t>
-            </a:r>
-            <a:r>
-              <a:rPr lang="fa-IR" dirty="0" smtClean="0">
-                <a:cs typeface="B Nazanin" panose="00000400000000000000" pitchFamily="2" charset="-78"/>
-              </a:rPr>
-              <a:t> و </a:t>
-            </a:r>
-            <a:r>
-              <a:rPr lang="en-US" dirty="0">
-                <a:cs typeface="B Nazanin" panose="00000400000000000000" pitchFamily="2" charset="-78"/>
-              </a:rPr>
-              <a:t>Entailment rules </a:t>
-            </a:r>
-            <a:r>
-              <a:rPr lang="fa-IR" dirty="0" smtClean="0">
-                <a:cs typeface="B Nazanin" panose="00000400000000000000" pitchFamily="2" charset="-78"/>
-              </a:rPr>
-              <a:t> از </a:t>
-            </a:r>
-            <a:r>
-              <a:rPr lang="fa-IR" dirty="0">
-                <a:cs typeface="B Nazanin" panose="00000400000000000000" pitchFamily="2" charset="-78"/>
-              </a:rPr>
-              <a:t>متون.</a:t>
-            </a:r>
-          </a:p>
-          <a:p>
-            <a:pPr algn="r" rtl="1"/>
-            <a:endParaRPr lang="en-US" dirty="0">
-              <a:cs typeface="B Nazanin" panose="00000400000000000000" pitchFamily="2" charset="-78"/>
-            </a:endParaRPr>
-          </a:p>
-        </p:txBody>
-      </p:sp>
-      <p:sp>
-        <p:nvSpPr>
-          <p:cNvPr id="4" name="Slide Number Placeholder 3"/>
-          <p:cNvSpPr>
-            <a:spLocks noGrp="1"/>
-          </p:cNvSpPr>
-          <p:nvPr>
-            <p:ph type="sldNum" sz="quarter" idx="12"/>
-          </p:nvPr>
-        </p:nvSpPr>
-        <p:spPr/>
-        <p:txBody>
-          <a:bodyPr/>
-          <a:lstStyle/>
-          <a:p>
-            <a:fld id="{953D7622-F4B3-4CED-AE61-8D3ABB75467F}" type="slidenum">
-              <a:rPr lang="en-US" smtClean="0"/>
-              <a:pPr/>
-              <a:t>49</a:t>
-            </a:fld>
-            <a:endParaRPr lang="en-US"/>
-          </a:p>
-        </p:txBody>
-      </p:sp>
-      <p:pic>
-        <p:nvPicPr>
-          <p:cNvPr id="5" name="Picture 4" descr="C:\Users\info\Desktop\beheshti - Copy.jpg"/>
-          <p:cNvPicPr/>
-          <p:nvPr/>
-        </p:nvPicPr>
-        <p:blipFill>
-          <a:blip r:embed="rId2" cstate="print">
-            <a:extLst>
-              <a:ext uri="{28A0092B-C50C-407E-A947-70E740481C1C}">
-                <a14:useLocalDpi xmlns:a14="http://schemas.microsoft.com/office/drawing/2010/main" val="0"/>
-              </a:ext>
-            </a:extLst>
-          </a:blip>
-          <a:srcRect/>
-          <a:stretch>
-            <a:fillRect/>
-          </a:stretch>
-        </p:blipFill>
-        <p:spPr bwMode="auto">
-          <a:xfrm>
-            <a:off x="11193558" y="184460"/>
-            <a:ext cx="785884" cy="785884"/>
-          </a:xfrm>
-          <a:prstGeom prst="rect">
-            <a:avLst/>
-          </a:prstGeom>
-          <a:noFill/>
-          <a:ln>
-            <a:noFill/>
-          </a:ln>
-        </p:spPr>
-      </p:pic>
-    </p:spTree>
-    <p:extLst>
-      <p:ext uri="{BB962C8B-B14F-4D97-AF65-F5344CB8AC3E}">
-        <p14:creationId xmlns:p14="http://schemas.microsoft.com/office/powerpoint/2010/main" val="166864700"/>
-      </p:ext>
-    </p:extLst>
-  </p:cSld>
-  <p:clrMapOvr>
-    <a:masterClrMapping/>
-  </p:clrMapOvr>
+  <mc:AlternateContent xmlns:mc="http://schemas.openxmlformats.org/markup-compatibility/2006">
+    <mc:Choice xmlns:p14="http://schemas.microsoft.com/office/powerpoint/2010/main" Requires="p14">
+      <p:transition p14:dur="0"/>
+    </mc:Choice>
+    <mc:Fallback>
+      <p:transition/>
+    </mc:Fallback>
+  </mc:AlternateContent>
   <p:timing>
     <p:tnLst>
       <p:par>
@@ -44046,19 +49943,7 @@
               <a:rPr lang="fa-IR" dirty="0" smtClean="0">
                 <a:cs typeface="B Nazanin" panose="00000400000000000000" pitchFamily="2" charset="-78"/>
               </a:rPr>
-              <a:t>ارجاع </a:t>
-            </a:r>
-            <a:r>
-              <a:rPr lang="fa-IR" dirty="0">
-                <a:cs typeface="B Nazanin" panose="00000400000000000000" pitchFamily="2" charset="-78"/>
-              </a:rPr>
-              <a:t>پیشین‌سوی </a:t>
-            </a:r>
-            <a:r>
-              <a:rPr lang="fa-IR" dirty="0" smtClean="0">
-                <a:cs typeface="B Nazanin" panose="00000400000000000000" pitchFamily="2" charset="-78"/>
-              </a:rPr>
-              <a:t>«</a:t>
+              <a:t>ارجاع پیشین‌سوی «</a:t>
             </a:r>
             <a:r>
               <a:rPr lang="fa-IR" dirty="0" smtClean="0">
@@ -44073,19 +49958,7 @@
               <a:rPr lang="fa-IR" dirty="0" smtClean="0">
                 <a:cs typeface="B Nazanin" panose="00000400000000000000" pitchFamily="2" charset="-78"/>
               </a:rPr>
-              <a:t> بسیار بلند است. نمی</a:t>
-            </a:r>
-            <a:r>
-              <a:rPr lang="fa-IR" dirty="0">
-                <a:cs typeface="B Nazanin" panose="00000400000000000000" pitchFamily="2" charset="-78"/>
-              </a:rPr>
-              <a:t>‌</a:t>
-            </a:r>
-            <a:r>
-              <a:rPr lang="fa-IR" dirty="0" smtClean="0">
-                <a:cs typeface="B Nazanin" panose="00000400000000000000" pitchFamily="2" charset="-78"/>
-              </a:rPr>
-              <a:t>توان از </a:t>
+              <a:t> بسیار بلند است. نمی‌توان از </a:t>
             </a:r>
             <a:r>
               <a:rPr lang="fa-IR" dirty="0" smtClean="0">
@@ -44243,9 +50116,6 @@
               </a:rPr>
               <a:t> محسوب می‌شود»</a:t>
             </a:r>
-            <a:endParaRPr lang="fa-IR" dirty="0">
-              <a:cs typeface="B Nazanin" panose="00000400000000000000" pitchFamily="2" charset="-78"/>
-            </a:endParaRPr>
           </a:p>
           <a:p>
             <a:pPr marL="800100" lvl="1" indent="-342900" algn="r" rtl="1">
@@ -44325,10 +50195,285 @@
   <p:clrMapOvr>
     <a:masterClrMapping/>
   </p:clrMapOvr>
+  <mc:AlternateContent xmlns:mc="http://schemas.openxmlformats.org/markup-compatibility/2006">
+    <mc:Choice xmlns:p14="http://schemas.microsoft.com/office/powerpoint/2010/main" Requires="p14">
+      <p:transition p14:dur="0"/>
+    </mc:Choice>
+    <mc:Fallback>
+      <p:transition/>
+    </mc:Fallback>
+  </mc:AlternateContent>
   <p:timing>
     <p:tnLst>
       <p:par>
-        <p:cTn id="1" dur="indefinite" restart="never" nodeType="tmRoot"/>
+        <p:cTn id="1" dur="indefinite" restart="never" nodeType="tmRoot">
+          <p:childTnLst>
+            <p:seq concurrent="1" nextAc="seek">
+              <p:cTn id="2" dur="indefinite" nodeType="mainSeq">
+                <p:childTnLst>
+                  <p:par>
+                    <p:cTn id="3" fill="hold">
+                      <p:stCondLst>
+                        <p:cond delay="indefinite"/>
+                      </p:stCondLst>
+                      <p:childTnLst>
+                        <p:par>
+                          <p:cTn id="4" fill="hold">
+                            <p:stCondLst>
+                              <p:cond delay="0"/>
+                            </p:stCondLst>
+                            <p:childTnLst>
+                              <p:par>
+                                <p:cTn id="5" presetID="10" presetClass="entr" presetSubtype="0" fill="hold" nodeType="clickEffect">
+                                  <p:stCondLst>
+                                    <p:cond delay="0"/>
+                                  </p:stCondLst>
+                                  <p:childTnLst>
+                                    <p:set>
+                                      <p:cBhvr>
+                                        <p:cTn id="6" dur="1" fill="hold">
+                                          <p:stCondLst>
+                                            <p:cond delay="0"/>
+                                          </p:stCondLst>
+                                        </p:cTn>
+                                        <p:tgtEl>
+                                          <p:spTgt spid="3">
+                                            <p:txEl>
+                                              <p:pRg st="2" end="2"/>
+                                            </p:txEl>
+                                          </p:spTgt>
+                                        </p:tgtEl>
+                                        <p:attrNameLst>
+                                          <p:attrName>style.visibility</p:attrName>
+                                        </p:attrNameLst>
+                                      </p:cBhvr>
+                                      <p:to>
+                                        <p:strVal val="visible"/>
+                                      </p:to>
+                                    </p:set>
+                                    <p:animEffect transition="in" filter="fade">
+                                      <p:cBhvr>
+                                        <p:cTn id="7" dur="500"/>
+                                        <p:tgtEl>
+                                          <p:spTgt spid="3">
+                                            <p:txEl>
+                                              <p:pRg st="2" end="2"/>
+                                            </p:txEl>
+                                          </p:spTgt>
+                                        </p:tgtEl>
+                                      </p:cBhvr>
+                                    </p:animEffect>
+                                  </p:childTnLst>
+                                </p:cTn>
+                              </p:par>
+                            </p:childTnLst>
+                          </p:cTn>
+                        </p:par>
+                      </p:childTnLst>
+                    </p:cTn>
+                  </p:par>
+                  <p:par>
+                    <p:cTn id="8" fill="hold">
+                      <p:stCondLst>
+                        <p:cond delay="indefinite"/>
+                      </p:stCondLst>
+                      <p:childTnLst>
+                        <p:par>
+                          <p:cTn id="9" fill="hold">
+                            <p:stCondLst>
+                              <p:cond delay="0"/>
+                            </p:stCondLst>
+                            <p:childTnLst>
+                              <p:par>
+                                <p:cTn id="10" presetID="10" presetClass="entr" presetSubtype="0" fill="hold" nodeType="clickEffect">
+                                  <p:stCondLst>
+                                    <p:cond delay="0"/>
+                                  </p:stCondLst>
+                                  <p:childTnLst>
+                                    <p:set>
+                                      <p:cBhvr>
+                                        <p:cTn id="11" dur="1" fill="hold">
+                                          <p:stCondLst>
+                                            <p:cond delay="0"/>
+                                          </p:stCondLst>
+                                        </p:cTn>
+                                        <p:tgtEl>
+                                          <p:spTgt spid="3">
+                                            <p:txEl>
+                                              <p:pRg st="3" end="3"/>
+                                            </p:txEl>
+                                          </p:spTgt>
+                                        </p:tgtEl>
+                                        <p:attrNameLst>
+                                          <p:attrName>style.visibility</p:attrName>
+                                        </p:attrNameLst>
+                                      </p:cBhvr>
+                                      <p:to>
+                                        <p:strVal val="visible"/>
+                                      </p:to>
+                                    </p:set>
+                                    <p:animEffect transition="in" filter="fade">
+                                      <p:cBhvr>
+                                        <p:cTn id="12" dur="500"/>
+                                        <p:tgtEl>
+                                          <p:spTgt spid="3">
+                                            <p:txEl>
+                                              <p:pRg st="3" end="3"/>
+                                            </p:txEl>
+                                          </p:spTgt>
+                                        </p:tgtEl>
+                                      </p:cBhvr>
+                                    </p:animEffect>
+                                  </p:childTnLst>
+                                </p:cTn>
+                              </p:par>
+                            </p:childTnLst>
+                          </p:cTn>
+                        </p:par>
+                      </p:childTnLst>
+                    </p:cTn>
+                  </p:par>
+                  <p:par>
+                    <p:cTn id="13" fill="hold">
+                      <p:stCondLst>
+                        <p:cond delay="indefinite"/>
+                      </p:stCondLst>
+                      <p:childTnLst>
+                        <p:par>
+                          <p:cTn id="14" fill="hold">
+                            <p:stCondLst>
+                              <p:cond delay="0"/>
+                            </p:stCondLst>
+                            <p:childTnLst>
+                              <p:par>
+                                <p:cTn id="15" presetID="10" presetClass="entr" presetSubtype="0" fill="hold" nodeType="clickEffect">
+                                  <p:stCondLst>
+                                    <p:cond delay="0"/>
+                                  </p:stCondLst>
+                                  <p:childTnLst>
+                                    <p:set>
+                                      <p:cBhvr>
+                                        <p:cTn id="16" dur="1" fill="hold">
+                                          <p:stCondLst>
+                                            <p:cond delay="0"/>
+                                          </p:stCondLst>
+                                        </p:cTn>
+                                        <p:tgtEl>
+                                          <p:spTgt spid="3">
+                                            <p:txEl>
+                                              <p:pRg st="4" end="4"/>
+                                            </p:txEl>
+                                          </p:spTgt>
+                                        </p:tgtEl>
+                                        <p:attrNameLst>
+                                          <p:attrName>style.visibility</p:attrName>
+                                        </p:attrNameLst>
+                                      </p:cBhvr>
+                                      <p:to>
+                                        <p:strVal val="visible"/>
+                                      </p:to>
+                                    </p:set>
+                                    <p:animEffect transition="in" filter="fade">
+                                      <p:cBhvr>
+                                        <p:cTn id="17" dur="500"/>
+                                        <p:tgtEl>
+                                          <p:spTgt spid="3">
+                                            <p:txEl>
+                                              <p:pRg st="4" end="4"/>
+                                            </p:txEl>
+                                          </p:spTgt>
+                                        </p:tgtEl>
+                                      </p:cBhvr>
+                                    </p:animEffect>
+                                  </p:childTnLst>
+                                </p:cTn>
+                              </p:par>
+                            </p:childTnLst>
+                          </p:cTn>
+                        </p:par>
+                      </p:childTnLst>
+                    </p:cTn>
+                  </p:par>
+                  <p:par>
+                    <p:cTn id="18" fill="hold">
+                      <p:stCondLst>
+                        <p:cond delay="indefinite"/>
+                      </p:stCondLst>
+                      <p:childTnLst>
+                        <p:par>
+                          <p:cTn id="19" fill="hold">
+                            <p:stCondLst>
+                              <p:cond delay="0"/>
+                            </p:stCondLst>
+                            <p:childTnLst>
+                              <p:par>
+                                <p:cTn id="20" presetID="10" presetClass="entr" presetSubtype="0" fill="hold" nodeType="clickEffect">
+                                  <p:stCondLst>
+                                    <p:cond delay="0"/>
+                                  </p:stCondLst>
+                                  <p:childTnLst>
+                                    <p:set>
+                                      <p:cBhvr>
+                                        <p:cTn id="21" dur="1" fill="hold">
+                                          <p:stCondLst>
+                                            <p:cond delay="0"/>
+                                          </p:stCondLst>
+                                        </p:cTn>
+                                        <p:tgtEl>
+                                          <p:spTgt spid="3">
+                                            <p:txEl>
+                                              <p:pRg st="5" end="5"/>
+                                            </p:txEl>
+                                          </p:spTgt>
+                                        </p:tgtEl>
+                                        <p:attrNameLst>
+                                          <p:attrName>style.visibility</p:attrName>
+                                        </p:attrNameLst>
+                                      </p:cBhvr>
+                                      <p:to>
+                                        <p:strVal val="visible"/>
+                                      </p:to>
+                                    </p:set>
+                                    <p:animEffect transition="in" filter="fade">
+                                      <p:cBhvr>
+                                        <p:cTn id="22" dur="500"/>
+                                        <p:tgtEl>
+                                          <p:spTgt spid="3">
+                                            <p:txEl>
+                                              <p:pRg st="5" end="5"/>
+                                            </p:txEl>
+                                          </p:spTgt>
+                                        </p:tgtEl>
+                                      </p:cBhvr>
+                                    </p:animEffect>
+                                  </p:childTnLst>
+                                </p:cTn>
+                              </p:par>
+                            </p:childTnLst>
+                          </p:cTn>
+                        </p:par>
+                      </p:childTnLst>
+                    </p:cTn>
+                  </p:par>
+                </p:childTnLst>
+              </p:cTn>
+              <p:prevCondLst>
+                <p:cond evt="onPrev" delay="0">
+                  <p:tgtEl>
+                    <p:sldTgt/>
+                  </p:tgtEl>
+                </p:cond>
+              </p:prevCondLst>
+              <p:nextCondLst>
+                <p:cond evt="onNext" delay="0">
+                  <p:tgtEl>
+                    <p:sldTgt/>
+                  </p:tgtEl>
+                </p:cond>
+              </p:nextCondLst>
+            </p:seq>
+          </p:childTnLst>
+        </p:cTn>
       </p:par>
     </p:tnLst>
   </p:timing>
@@ -44735,29 +50880,7 @@
                 </a:solidFill>
                 <a:ea typeface="ＭＳ Ｐゴシック" charset="0"/>
               </a:rPr>
-              <a:t>International Business Machines Corporation </a:t>
-            </a:r>
-            <a:r>
-              <a:rPr lang="en-US" sz="2000" smtClean="0">
-                <a:solidFill>
-                  <a:schemeClr val="bg1">
-                    <a:lumMod val="50000"/>
-                  </a:schemeClr>
-                </a:solidFill>
-                <a:ea typeface="ＭＳ Ｐゴシック" charset="0"/>
-              </a:rPr>
-              <a:t>(IBM) </a:t>
-            </a:r>
-            <a:r>
-              <a:rPr lang="en-US" sz="2000" dirty="0" smtClean="0">
-                <a:solidFill>
-                  <a:schemeClr val="bg1">
-                    <a:lumMod val="50000"/>
-                  </a:schemeClr>
-                </a:solidFill>
-                <a:ea typeface="ＭＳ Ｐゴシック" charset="0"/>
-              </a:rPr>
-              <a:t>was incorporated in the State of New York on June 16, 1911, as the Computing-Tabulating-Recording Co. (C-T-R)…”</a:t>
+              <a:t>International Business Machines Corporation (IBM) was incorporated in the State of New York on June 16, 1911, as the Computing-Tabulating-Recording Co. (C-T-R)…”</a:t>
             </a:r>
           </a:p>
           <a:p>
@@ -44925,6 +51048,14 @@
   <p:clrMapOvr>
     <a:masterClrMapping/>
   </p:clrMapOvr>
+  <mc:AlternateContent xmlns:mc="http://schemas.openxmlformats.org/markup-compatibility/2006">
+    <mc:Choice xmlns:p14="http://schemas.microsoft.com/office/powerpoint/2010/main" Requires="p14">
+      <p:transition p14:dur="0"/>
+    </mc:Choice>
+    <mc:Fallback>
+      <p:transition/>
+    </mc:Fallback>
+  </mc:AlternateContent>
   <p:timing>
     <p:tnLst>
       <p:par>
@@ -44946,7 +51077,7 @@
                             </p:stCondLst>
                             <p:childTnLst>
                               <p:par>
-                                <p:cTn id="5" presetID="1" presetClass="entr" presetSubtype="0" fill="hold" nodeType="clickEffect">
+                                <p:cTn id="5" presetID="6" presetClass="entr" presetSubtype="16" fill="hold" nodeType="clickEffect">
                                   <p:stCondLst>
                                     <p:cond delay="0"/>
                                   </p:stCondLst>
@@ -44973,18 +51104,30 @@
                                         <p:strVal val="visible"/>
                                       </p:to>
                                     </p:set>
+                                    <p:animEffect transition="in" filter="circle(in)">
+                                      <p:cBhvr>
+                                        <p:cTn id="7" dur="2000"/>
+                                        <p:tgtEl>
+                                          <p:spTgt spid="6">
+                                            <p:txEl>
+                                              <p:pRg st="1" end="1"/>
+                                            </p:txEl>
+                                          </p:spTgt>
+                                        </p:tgtEl>
+                                      </p:cBhvr>
+                                    </p:animEffect>
                                   </p:childTnLst>
                                 </p:cTn>
                               </p:par>
                               <p:par>
-                                <p:cTn id="7" presetID="1" presetClass="entr" presetSubtype="0" fill="hold" nodeType="withEffect">
+                                <p:cTn id="8" presetID="6" presetClass="entr" presetSubtype="16" fill="hold" nodeType="withEffect">
                                   <p:stCondLst>
                                     <p:cond delay="0"/>
                                   </p:stCondLst>
                                   <p:childTnLst>
                                     <p:set>
                                       <p:cBhvr>
-                                        <p:cTn id="8" dur="1" fill="hold">
+                                        <p:cTn id="9" dur="1" fill="hold">
                                           <p:stCondLst>
                                             <p:cond delay="0"/>
                                           </p:stCondLst>
@@ -45004,18 +51147,30 @@
                                         <p:strVal val="visible"/>
                                       </p:to>
                                     </p:set>
+                                    <p:animEffect transition="in" filter="circle(in)">
+                                      <p:cBhvr>
+                                        <p:cTn id="10" dur="2000"/>
+                                        <p:tgtEl>
+                                          <p:spTgt spid="6">
+                                            <p:txEl>
+                                              <p:pRg st="2" end="2"/>
+                                            </p:txEl>
+                                          </p:spTgt>
+                                        </p:tgtEl>
+                                      </p:cBhvr>
+                                    </p:animEffect>
                                   </p:childTnLst>
                                 </p:cTn>
                               </p:par>
                               <p:par>
-                                <p:cTn id="9" presetID="1" presetClass="entr" presetSubtype="0" fill="hold" nodeType="withEffect">
+                                <p:cTn id="11" presetID="6" presetClass="entr" presetSubtype="16" fill="hold" nodeType="withEffect">
                                   <p:stCondLst>
                                     <p:cond delay="0"/>
                                   </p:stCondLst>
                                   <p:childTnLst>
                                     <p:set>
                                       <p:cBhvr>
-                                        <p:cTn id="10" dur="1" fill="hold">
+                                        <p:cTn id="12" dur="1" fill="hold">
                                           <p:stCondLst>
                                             <p:cond delay="0"/>
                                           </p:stCondLst>
@@ -45035,18 +51190,30 @@
                                         <p:strVal val="visible"/>
                                       </p:to>
                                     </p:set>
+                                    <p:animEffect transition="in" filter="circle(in)">
+                                      <p:cBhvr>
+                                        <p:cTn id="13" dur="2000"/>
+                                        <p:tgtEl>
+                                          <p:spTgt spid="6">
+                                            <p:txEl>
+                                              <p:pRg st="3" end="3"/>
+                                            </p:txEl>
+                                          </p:spTgt>
+                                        </p:tgtEl>
+                                      </p:cBhvr>
+                                    </p:animEffect>
                                   </p:childTnLst>
                                 </p:cTn>
                               </p:par>
                               <p:par>
-                                <p:cTn id="11" presetID="1" presetClass="entr" presetSubtype="0" fill="hold" nodeType="withEffect">
+                                <p:cTn id="14" presetID="6" presetClass="entr" presetSubtype="16" fill="hold" nodeType="withEffect">
                                   <p:stCondLst>
                                     <p:cond delay="0"/>
                                   </p:stCondLst>
                                   <p:childTnLst>
                                     <p:set>
                                       <p:cBhvr>
-                                        <p:cTn id="12" dur="1" fill="hold">
+                                        <p:cTn id="15" dur="1" fill="hold">
                                           <p:stCondLst>
                                             <p:cond delay="0"/>
                                           </p:stCondLst>
@@ -45066,18 +51233,30 @@
                                         <p:strVal val="visible"/>
                                       </p:to>
                                     </p:set>
+                                    <p:animEffect transition="in" filter="circle(in)">
+                                      <p:cBhvr>
+                                        <p:cTn id="16" dur="2000"/>
+                                        <p:tgtEl>
+                                          <p:spTgt spid="6">
+                                            <p:txEl>
+                                              <p:pRg st="4" end="4"/>
+                                            </p:txEl>
+                                          </p:spTgt>
+                                        </p:tgtEl>
+                                      </p:cBhvr>
+                                    </p:animEffect>
                                   </p:childTnLst>
                                 </p:cTn>
                               </p:par>
                               <p:par>
-                                <p:cTn id="13" presetID="1" presetClass="entr" presetSubtype="0" fill="hold" nodeType="withEffect">
+                                <p:cTn id="17" presetID="6" presetClass="entr" presetSubtype="16" fill="hold" nodeType="withEffect">
                                   <p:stCondLst>
                                     <p:cond delay="0"/>
                                   </p:stCondLst>
                                   <p:childTnLst>
                                     <p:set>
                                       <p:cBhvr>
-                                        <p:cTn id="14" dur="1" fill="hold">
+                                        <p:cTn id="18" dur="1" fill="hold">
                                           <p:stCondLst>
                                             <p:cond delay="0"/>
                                           </p:stCondLst>
@@ -45097,18 +51276,30 @@
                                         <p:strVal val="visible"/>
                                       </p:to>
                                     </p:set>
+                                    <p:animEffect transition="in" filter="circle(in)">
+                                      <p:cBhvr>
+                                        <p:cTn id="19" dur="2000"/>
+                                        <p:tgtEl>
+                                          <p:spTgt spid="6">
+                                            <p:txEl>
+                                              <p:pRg st="5" end="5"/>
+                                            </p:txEl>
+                                          </p:spTgt>
+                                        </p:tgtEl>
+                                      </p:cBhvr>
+                                    </p:animEffect>
                                   </p:childTnLst>
                                 </p:cTn>
                               </p:par>
                               <p:par>
-                                <p:cTn id="15" presetID="1" presetClass="entr" presetSubtype="0" fill="hold" nodeType="withEffect">
+                                <p:cTn id="20" presetID="6" presetClass="entr" presetSubtype="16" fill="hold" nodeType="withEffect">
                                   <p:stCondLst>
                                     <p:cond delay="0"/>
                                   </p:stCondLst>
                                   <p:childTnLst>
                                     <p:set>
                                       <p:cBhvr>
-                                        <p:cTn id="16" dur="1" fill="hold">
+                                        <p:cTn id="21" dur="1" fill="hold">
                                           <p:stCondLst>
                                             <p:cond delay="0"/>
                                           </p:stCondLst>
@@ -45128,6 +51319,18 @@
                                         <p:strVal val="visible"/>
                                       </p:to>
                                     </p:set>
+                                    <p:animEffect transition="in" filter="circle(in)">
+                                      <p:cBhvr>
+                                        <p:cTn id="22" dur="2000"/>
+                                        <p:tgtEl>
+                                          <p:spTgt spid="6">
+                                            <p:txEl>
+                                              <p:pRg st="6" end="6"/>
+                                            </p:txEl>
+                                          </p:spTgt>
+                                        </p:tgtEl>
+                                      </p:cBhvr>
+                                    </p:animEffect>
                                   </p:childTnLst>
                                 </p:cTn>
                               </p:par>
@@ -45138,26 +51341,26 @@
                     </p:cTn>
                   </p:par>
                   <p:par>
-                    <p:cTn id="17" fill="hold">
+                    <p:cTn id="23" fill="hold">
                       <p:stCondLst>
                         <p:cond delay="indefinite"/>
                       </p:stCondLst>
                       <p:childTnLst>
                         <p:par>
-                          <p:cTn id="18" fill="hold">
+                          <p:cTn id="24" fill="hold">
                             <p:stCondLst>
                               <p:cond delay="0"/>
                             </p:stCondLst>
                             <p:childTnLst>
                               <p:par>
-                                <p:cTn id="19" presetID="1" presetClass="entr" presetSubtype="0" fill="hold" nodeType="clickEffect">
+                                <p:cTn id="25" presetID="6" presetClass="entr" presetSubtype="16" fill="hold" nodeType="clickEffect">
                                   <p:stCondLst>
                                     <p:cond delay="0"/>
                                   </p:stCondLst>
                                   <p:childTnLst>
                                     <p:set>
                                       <p:cBhvr>
-                                        <p:cTn id="20" dur="1" fill="hold">
+                                        <p:cTn id="26" dur="1" fill="hold">
                                           <p:stCondLst>
                                             <p:cond delay="0"/>
                                           </p:stCondLst>
@@ -45177,18 +51380,30 @@
                                         <p:strVal val="visible"/>
                                       </p:to>
                                     </p:set>
+                                    <p:animEffect transition="in" filter="circle(in)">
+                                      <p:cBhvr>
+                                        <p:cTn id="27" dur="2000"/>
+                                        <p:tgtEl>
+                                          <p:spTgt spid="6">
+                                            <p:txEl>
+                                              <p:pRg st="7" end="7"/>
+                                            </p:txEl>
+                                          </p:spTgt>
+                                        </p:tgtEl>
+                                      </p:cBhvr>
+                                    </p:animEffect>
                                   </p:childTnLst>
                                 </p:cTn>
                               </p:par>
                               <p:par>
-                                <p:cTn id="21" presetID="1" presetClass="entr" presetSubtype="0" fill="hold" nodeType="withEffect">
+                                <p:cTn id="28" presetID="6" presetClass="entr" presetSubtype="16" fill="hold" nodeType="withEffect">
                                   <p:stCondLst>
                                     <p:cond delay="0"/>
                                   </p:stCondLst>
                                   <p:childTnLst>
                                     <p:set>
                                       <p:cBhvr>
-                                        <p:cTn id="22" dur="1" fill="hold">
+                                        <p:cTn id="29" dur="1" fill="hold">
                                           <p:stCondLst>
                                             <p:cond delay="0"/>
                                           </p:stCondLst>
@@ -45208,18 +51423,30 @@
                                         <p:strVal val="visible"/>
                                       </p:to>
                                     </p:set>
+                                    <p:animEffect transition="in" filter="circle(in)">
+                                      <p:cBhvr>
+                                        <p:cTn id="30" dur="2000"/>
+                                        <p:tgtEl>
+                                          <p:spTgt spid="6">
+                                            <p:txEl>
+                                              <p:pRg st="8" end="8"/>
+                                            </p:txEl>
+                                          </p:spTgt>
+                                        </p:tgtEl>
+                                      </p:cBhvr>
+                                    </p:animEffect>
                                   </p:childTnLst>
                                 </p:cTn>
                               </p:par>
                               <p:par>
-                                <p:cTn id="23" presetID="1" presetClass="entr" presetSubtype="0" fill="hold" nodeType="withEffect">
+                                <p:cTn id="31" presetID="6" presetClass="entr" presetSubtype="16" fill="hold" nodeType="withEffect">
                                   <p:stCondLst>
                                     <p:cond delay="0"/>
                                   </p:stCondLst>
                                   <p:childTnLst>
                                     <p:set>
                                       <p:cBhvr>
-                                        <p:cTn id="24" dur="1" fill="hold">
+                                        <p:cTn id="32" dur="1" fill="hold">
                                           <p:stCondLst>
                                             <p:cond delay="0"/>
                                           </p:stCondLst>
@@ -45239,6 +51466,18 @@
                                         <p:strVal val="visible"/>
                                       </p:to>
                                     </p:set>
+                                    <p:animEffect transition="in" filter="circle(in)">
+                                      <p:cBhvr>
+                                        <p:cTn id="33" dur="2000"/>
+                                        <p:tgtEl>
+                                          <p:spTgt spid="6">
+                                            <p:txEl>
+                                              <p:pRg st="9" end="9"/>
+                                            </p:txEl>
+                                          </p:spTgt>
+                                        </p:tgtEl>
+                                      </p:cBhvr>
+                                    </p:animEffect>
                                   </p:childTnLst>
                                 </p:cTn>
                               </p:par>
@@ -45894,6 +52133,14 @@
   <p:clrMapOvr>
     <a:masterClrMapping/>
   </p:clrMapOvr>
+  <mc:AlternateContent xmlns:mc="http://schemas.openxmlformats.org/markup-compatibility/2006">
+    <mc:Choice xmlns:p14="http://schemas.microsoft.com/office/powerpoint/2010/main" Requires="p14">
+      <p:transition p14:dur="0"/>
+    </mc:Choice>
+    <mc:Fallback>
+      <p:transition/>
+    </mc:Fallback>
+  </mc:AlternateContent>
   <p:timing>
     <p:tnLst>
       <p:par>
@@ -46495,6 +52742,14 @@
   <p:clrMapOvr>
     <a:masterClrMapping/>
   </p:clrMapOvr>
+  <mc:AlternateContent xmlns:mc="http://schemas.openxmlformats.org/markup-compatibility/2006">
+    <mc:Choice xmlns:p14="http://schemas.microsoft.com/office/powerpoint/2010/main" Requires="p14">
+      <p:transition p14:dur="0"/>
+    </mc:Choice>
+    <mc:Fallback>
+      <p:transition/>
+    </mc:Fallback>
+  </mc:AlternateContent>
   <p:timing>
     <p:tnLst>
       <p:par>
@@ -46542,7 +52797,7 @@
               <a:rPr lang="fa-IR" dirty="0" smtClean="0">
                 <a:cs typeface="B Nazanin" panose="00000400000000000000" pitchFamily="2" charset="-78"/>
               </a:rPr>
-              <a:t>اهمیت استخراج اطلاعات</a:t>
+              <a:t>گروه های فعال در این زمینه</a:t>
             </a:r>
             <a:endParaRPr lang="en-US" dirty="0"/>
           </a:p>
@@ -46897,6 +53152,14 @@
   <p:clrMapOvr>
     <a:masterClrMapping/>
   </p:clrMapOvr>
+  <mc:AlternateContent xmlns:mc="http://schemas.openxmlformats.org/markup-compatibility/2006">
+    <mc:Choice xmlns:p14="http://schemas.microsoft.com/office/powerpoint/2010/main" Requires="p14">
+      <p:transition p14:dur="0"/>
+    </mc:Choice>
+    <mc:Fallback>
+      <p:transition/>
+    </mc:Fallback>
+  </mc:AlternateContent>
   <p:timing>
     <p:tnLst>
       <p:par>
